--- a/outputs/00_Figures_for_paper/Figure3.pptx
+++ b/outputs/00_Figures_for_paper/Figure3.pptx
@@ -244,7 +244,7 @@
           <a:p>
             <a:fld id="{CF97A134-FB87-44B0-94D1-6D4AE8ED7871}" type="datetimeFigureOut">
               <a:rPr lang="fr-FR" smtClean="0"/>
-              <a:t>09/09/2020</a:t>
+              <a:t>21/09/2020</a:t>
             </a:fld>
             <a:endParaRPr lang="fr-FR"/>
           </a:p>
@@ -414,7 +414,7 @@
           <a:p>
             <a:fld id="{CF97A134-FB87-44B0-94D1-6D4AE8ED7871}" type="datetimeFigureOut">
               <a:rPr lang="fr-FR" smtClean="0"/>
-              <a:t>09/09/2020</a:t>
+              <a:t>21/09/2020</a:t>
             </a:fld>
             <a:endParaRPr lang="fr-FR"/>
           </a:p>
@@ -594,7 +594,7 @@
           <a:p>
             <a:fld id="{CF97A134-FB87-44B0-94D1-6D4AE8ED7871}" type="datetimeFigureOut">
               <a:rPr lang="fr-FR" smtClean="0"/>
-              <a:t>09/09/2020</a:t>
+              <a:t>21/09/2020</a:t>
             </a:fld>
             <a:endParaRPr lang="fr-FR"/>
           </a:p>
@@ -764,7 +764,7 @@
           <a:p>
             <a:fld id="{CF97A134-FB87-44B0-94D1-6D4AE8ED7871}" type="datetimeFigureOut">
               <a:rPr lang="fr-FR" smtClean="0"/>
-              <a:t>09/09/2020</a:t>
+              <a:t>21/09/2020</a:t>
             </a:fld>
             <a:endParaRPr lang="fr-FR"/>
           </a:p>
@@ -1008,7 +1008,7 @@
           <a:p>
             <a:fld id="{CF97A134-FB87-44B0-94D1-6D4AE8ED7871}" type="datetimeFigureOut">
               <a:rPr lang="fr-FR" smtClean="0"/>
-              <a:t>09/09/2020</a:t>
+              <a:t>21/09/2020</a:t>
             </a:fld>
             <a:endParaRPr lang="fr-FR"/>
           </a:p>
@@ -1240,7 +1240,7 @@
           <a:p>
             <a:fld id="{CF97A134-FB87-44B0-94D1-6D4AE8ED7871}" type="datetimeFigureOut">
               <a:rPr lang="fr-FR" smtClean="0"/>
-              <a:t>09/09/2020</a:t>
+              <a:t>21/09/2020</a:t>
             </a:fld>
             <a:endParaRPr lang="fr-FR"/>
           </a:p>
@@ -1607,7 +1607,7 @@
           <a:p>
             <a:fld id="{CF97A134-FB87-44B0-94D1-6D4AE8ED7871}" type="datetimeFigureOut">
               <a:rPr lang="fr-FR" smtClean="0"/>
-              <a:t>09/09/2020</a:t>
+              <a:t>21/09/2020</a:t>
             </a:fld>
             <a:endParaRPr lang="fr-FR"/>
           </a:p>
@@ -1725,7 +1725,7 @@
           <a:p>
             <a:fld id="{CF97A134-FB87-44B0-94D1-6D4AE8ED7871}" type="datetimeFigureOut">
               <a:rPr lang="fr-FR" smtClean="0"/>
-              <a:t>09/09/2020</a:t>
+              <a:t>21/09/2020</a:t>
             </a:fld>
             <a:endParaRPr lang="fr-FR"/>
           </a:p>
@@ -1820,7 +1820,7 @@
           <a:p>
             <a:fld id="{CF97A134-FB87-44B0-94D1-6D4AE8ED7871}" type="datetimeFigureOut">
               <a:rPr lang="fr-FR" smtClean="0"/>
-              <a:t>09/09/2020</a:t>
+              <a:t>21/09/2020</a:t>
             </a:fld>
             <a:endParaRPr lang="fr-FR"/>
           </a:p>
@@ -2097,7 +2097,7 @@
           <a:p>
             <a:fld id="{CF97A134-FB87-44B0-94D1-6D4AE8ED7871}" type="datetimeFigureOut">
               <a:rPr lang="fr-FR" smtClean="0"/>
-              <a:t>09/09/2020</a:t>
+              <a:t>21/09/2020</a:t>
             </a:fld>
             <a:endParaRPr lang="fr-FR"/>
           </a:p>
@@ -2354,7 +2354,7 @@
           <a:p>
             <a:fld id="{CF97A134-FB87-44B0-94D1-6D4AE8ED7871}" type="datetimeFigureOut">
               <a:rPr lang="fr-FR" smtClean="0"/>
-              <a:t>09/09/2020</a:t>
+              <a:t>21/09/2020</a:t>
             </a:fld>
             <a:endParaRPr lang="fr-FR"/>
           </a:p>
@@ -2567,7 +2567,7 @@
           <a:p>
             <a:fld id="{CF97A134-FB87-44B0-94D1-6D4AE8ED7871}" type="datetimeFigureOut">
               <a:rPr lang="fr-FR" smtClean="0"/>
-              <a:t>09/09/2020</a:t>
+              <a:t>21/09/2020</a:t>
             </a:fld>
             <a:endParaRPr lang="fr-FR"/>
           </a:p>
@@ -4103,8 +4103,8 @@
                         </a:p>
                       </p:txBody>
                     </p:sp>
-                    <mc:AlternateContent xmlns:mc="http://schemas.openxmlformats.org/markup-compatibility/2006">
-                      <mc:Choice xmlns:a14="http://schemas.microsoft.com/office/drawing/2010/main" Requires="a14">
+                    <mc:AlternateContent xmlns:mc="http://schemas.openxmlformats.org/markup-compatibility/2006" xmlns:a14="http://schemas.microsoft.com/office/drawing/2010/main">
+                      <mc:Choice Requires="a14">
                         <p:sp>
                           <p:nvSpPr>
                             <p:cNvPr id="30" name="ZoneTexte 29"/>
@@ -4171,7 +4171,7 @@
                           </p:txBody>
                         </p:sp>
                       </mc:Choice>
-                      <mc:Fallback>
+                      <mc:Fallback xmlns="">
                         <p:sp>
                           <p:nvSpPr>
                             <p:cNvPr id="30" name="ZoneTexte 29"/>
@@ -4210,8 +4210,8 @@
                         </p:sp>
                       </mc:Fallback>
                     </mc:AlternateContent>
-                    <mc:AlternateContent xmlns:mc="http://schemas.openxmlformats.org/markup-compatibility/2006">
-                      <mc:Choice xmlns:a14="http://schemas.microsoft.com/office/drawing/2010/main" Requires="a14">
+                    <mc:AlternateContent xmlns:mc="http://schemas.openxmlformats.org/markup-compatibility/2006" xmlns:a14="http://schemas.microsoft.com/office/drawing/2010/main">
+                      <mc:Choice Requires="a14">
                         <p:sp>
                           <p:nvSpPr>
                             <p:cNvPr id="31" name="ZoneTexte 30"/>
@@ -4290,7 +4290,7 @@
                           </p:txBody>
                         </p:sp>
                       </mc:Choice>
-                      <mc:Fallback>
+                      <mc:Fallback xmlns="">
                         <p:sp>
                           <p:nvSpPr>
                             <p:cNvPr id="31" name="ZoneTexte 30"/>
@@ -4329,8 +4329,8 @@
                         </p:sp>
                       </mc:Fallback>
                     </mc:AlternateContent>
-                    <mc:AlternateContent xmlns:mc="http://schemas.openxmlformats.org/markup-compatibility/2006">
-                      <mc:Choice xmlns:a14="http://schemas.microsoft.com/office/drawing/2010/main" Requires="a14">
+                    <mc:AlternateContent xmlns:mc="http://schemas.openxmlformats.org/markup-compatibility/2006" xmlns:a14="http://schemas.microsoft.com/office/drawing/2010/main">
+                      <mc:Choice Requires="a14">
                         <p:sp>
                           <p:nvSpPr>
                             <p:cNvPr id="32" name="ZoneTexte 31"/>
@@ -4409,7 +4409,7 @@
                           </p:txBody>
                         </p:sp>
                       </mc:Choice>
-                      <mc:Fallback>
+                      <mc:Fallback xmlns="">
                         <p:sp>
                           <p:nvSpPr>
                             <p:cNvPr id="32" name="ZoneTexte 31"/>
@@ -4448,8 +4448,8 @@
                         </p:sp>
                       </mc:Fallback>
                     </mc:AlternateContent>
-                    <mc:AlternateContent xmlns:mc="http://schemas.openxmlformats.org/markup-compatibility/2006">
-                      <mc:Choice xmlns:a14="http://schemas.microsoft.com/office/drawing/2010/main" Requires="a14">
+                    <mc:AlternateContent xmlns:mc="http://schemas.openxmlformats.org/markup-compatibility/2006" xmlns:a14="http://schemas.microsoft.com/office/drawing/2010/main">
+                      <mc:Choice Requires="a14">
                         <p:sp>
                           <p:nvSpPr>
                             <p:cNvPr id="33" name="ZoneTexte 32"/>
@@ -4511,7 +4511,7 @@
                           </p:txBody>
                         </p:sp>
                       </mc:Choice>
-                      <mc:Fallback>
+                      <mc:Fallback xmlns="">
                         <p:sp>
                           <p:nvSpPr>
                             <p:cNvPr id="33" name="ZoneTexte 32"/>
@@ -4698,8 +4698,8 @@
                 </p:txBody>
               </p:sp>
             </p:grpSp>
-            <mc:AlternateContent xmlns:mc="http://schemas.openxmlformats.org/markup-compatibility/2006">
-              <mc:Choice xmlns:a14="http://schemas.microsoft.com/office/drawing/2010/main" Requires="a14">
+            <mc:AlternateContent xmlns:mc="http://schemas.openxmlformats.org/markup-compatibility/2006" xmlns:a14="http://schemas.microsoft.com/office/drawing/2010/main">
+              <mc:Choice Requires="a14">
                 <p:sp>
                   <p:nvSpPr>
                     <p:cNvPr id="49" name="ZoneTexte 48"/>
@@ -4795,7 +4795,7 @@
                   </p:txBody>
                 </p:sp>
               </mc:Choice>
-              <mc:Fallback>
+              <mc:Fallback xmlns="">
                 <p:sp>
                   <p:nvSpPr>
                     <p:cNvPr id="49" name="ZoneTexte 48"/>
@@ -4834,8 +4834,8 @@
                 </p:sp>
               </mc:Fallback>
             </mc:AlternateContent>
-            <mc:AlternateContent xmlns:mc="http://schemas.openxmlformats.org/markup-compatibility/2006">
-              <mc:Choice xmlns:a14="http://schemas.microsoft.com/office/drawing/2010/main" Requires="a14">
+            <mc:AlternateContent xmlns:mc="http://schemas.openxmlformats.org/markup-compatibility/2006" xmlns:a14="http://schemas.microsoft.com/office/drawing/2010/main">
+              <mc:Choice Requires="a14">
                 <p:sp>
                   <p:nvSpPr>
                     <p:cNvPr id="50" name="ZoneTexte 49"/>
@@ -4944,7 +4944,7 @@
                   </p:txBody>
                 </p:sp>
               </mc:Choice>
-              <mc:Fallback>
+              <mc:Fallback xmlns="">
                 <p:sp>
                   <p:nvSpPr>
                     <p:cNvPr id="50" name="ZoneTexte 49"/>
@@ -4983,8 +4983,8 @@
                 </p:sp>
               </mc:Fallback>
             </mc:AlternateContent>
-            <mc:AlternateContent xmlns:mc="http://schemas.openxmlformats.org/markup-compatibility/2006">
-              <mc:Choice xmlns:a14="http://schemas.microsoft.com/office/drawing/2010/main" Requires="a14">
+            <mc:AlternateContent xmlns:mc="http://schemas.openxmlformats.org/markup-compatibility/2006" xmlns:a14="http://schemas.microsoft.com/office/drawing/2010/main">
+              <mc:Choice Requires="a14">
                 <p:sp>
                   <p:nvSpPr>
                     <p:cNvPr id="51" name="ZoneTexte 50"/>
@@ -5093,7 +5093,7 @@
                   </p:txBody>
                 </p:sp>
               </mc:Choice>
-              <mc:Fallback>
+              <mc:Fallback xmlns="">
                 <p:sp>
                   <p:nvSpPr>
                     <p:cNvPr id="51" name="ZoneTexte 50"/>
@@ -5132,8 +5132,8 @@
                 </p:sp>
               </mc:Fallback>
             </mc:AlternateContent>
-            <mc:AlternateContent xmlns:mc="http://schemas.openxmlformats.org/markup-compatibility/2006">
-              <mc:Choice xmlns:a14="http://schemas.microsoft.com/office/drawing/2010/main" Requires="a14">
+            <mc:AlternateContent xmlns:mc="http://schemas.openxmlformats.org/markup-compatibility/2006" xmlns:a14="http://schemas.microsoft.com/office/drawing/2010/main">
+              <mc:Choice Requires="a14">
                 <p:sp>
                   <p:nvSpPr>
                     <p:cNvPr id="52" name="ZoneTexte 51"/>
@@ -5242,7 +5242,7 @@
                   </p:txBody>
                 </p:sp>
               </mc:Choice>
-              <mc:Fallback>
+              <mc:Fallback xmlns="">
                 <p:sp>
                   <p:nvSpPr>
                     <p:cNvPr id="52" name="ZoneTexte 51"/>
@@ -5281,8 +5281,8 @@
                 </p:sp>
               </mc:Fallback>
             </mc:AlternateContent>
-            <mc:AlternateContent xmlns:mc="http://schemas.openxmlformats.org/markup-compatibility/2006">
-              <mc:Choice xmlns:a14="http://schemas.microsoft.com/office/drawing/2010/main" Requires="a14">
+            <mc:AlternateContent xmlns:mc="http://schemas.openxmlformats.org/markup-compatibility/2006" xmlns:a14="http://schemas.microsoft.com/office/drawing/2010/main">
+              <mc:Choice Requires="a14">
                 <p:sp>
                   <p:nvSpPr>
                     <p:cNvPr id="53" name="ZoneTexte 52"/>
@@ -5391,7 +5391,7 @@
                   </p:txBody>
                 </p:sp>
               </mc:Choice>
-              <mc:Fallback>
+              <mc:Fallback xmlns="">
                 <p:sp>
                   <p:nvSpPr>
                     <p:cNvPr id="53" name="ZoneTexte 52"/>
@@ -5526,7 +5526,7 @@
                     <a:latin typeface="Arial" panose="020B0604020202020204" pitchFamily="34" charset="0"/>
                     <a:cs typeface="Arial" panose="020B0604020202020204" pitchFamily="34" charset="0"/>
                   </a:rPr>
-                  <a:t>a</a:t>
+                  <a:t>A</a:t>
                 </a:r>
                 <a:endParaRPr lang="fr-FR" b="1" dirty="0">
                   <a:latin typeface="Arial" panose="020B0604020202020204" pitchFamily="34" charset="0"/>
@@ -5558,11 +5558,11 @@
               <a:lstStyle/>
               <a:p>
                 <a:r>
-                  <a:rPr lang="fr-FR" b="1" dirty="0" smtClean="0">
+                  <a:rPr lang="fr-FR" b="1" dirty="0">
                     <a:latin typeface="Arial" panose="020B0604020202020204" pitchFamily="34" charset="0"/>
                     <a:cs typeface="Arial" panose="020B0604020202020204" pitchFamily="34" charset="0"/>
                   </a:rPr>
-                  <a:t>b</a:t>
+                  <a:t>B</a:t>
                 </a:r>
                 <a:endParaRPr lang="fr-FR" b="1" dirty="0">
                   <a:latin typeface="Arial" panose="020B0604020202020204" pitchFamily="34" charset="0"/>

--- a/outputs/00_Figures_for_paper/Figure3.pptx
+++ b/outputs/00_Figures_for_paper/Figure3.pptx
@@ -5,8 +5,7 @@
     <p:sldMasterId id="2147483684" r:id="rId1"/>
   </p:sldMasterIdLst>
   <p:sldIdLst>
-    <p:sldId id="256" r:id="rId2"/>
-    <p:sldId id="257" r:id="rId3"/>
+    <p:sldId id="257" r:id="rId2"/>
   </p:sldIdLst>
   <p:sldSz cx="12192000" cy="16256000"/>
   <p:notesSz cx="6858000" cy="9144000"/>
@@ -244,7 +243,7 @@
           <a:p>
             <a:fld id="{CF97A134-FB87-44B0-94D1-6D4AE8ED7871}" type="datetimeFigureOut">
               <a:rPr lang="fr-FR" smtClean="0"/>
-              <a:t>21/09/2020</a:t>
+              <a:t>08/03/2021</a:t>
             </a:fld>
             <a:endParaRPr lang="fr-FR"/>
           </a:p>
@@ -414,7 +413,7 @@
           <a:p>
             <a:fld id="{CF97A134-FB87-44B0-94D1-6D4AE8ED7871}" type="datetimeFigureOut">
               <a:rPr lang="fr-FR" smtClean="0"/>
-              <a:t>21/09/2020</a:t>
+              <a:t>08/03/2021</a:t>
             </a:fld>
             <a:endParaRPr lang="fr-FR"/>
           </a:p>
@@ -594,7 +593,7 @@
           <a:p>
             <a:fld id="{CF97A134-FB87-44B0-94D1-6D4AE8ED7871}" type="datetimeFigureOut">
               <a:rPr lang="fr-FR" smtClean="0"/>
-              <a:t>21/09/2020</a:t>
+              <a:t>08/03/2021</a:t>
             </a:fld>
             <a:endParaRPr lang="fr-FR"/>
           </a:p>
@@ -764,7 +763,7 @@
           <a:p>
             <a:fld id="{CF97A134-FB87-44B0-94D1-6D4AE8ED7871}" type="datetimeFigureOut">
               <a:rPr lang="fr-FR" smtClean="0"/>
-              <a:t>21/09/2020</a:t>
+              <a:t>08/03/2021</a:t>
             </a:fld>
             <a:endParaRPr lang="fr-FR"/>
           </a:p>
@@ -1008,7 +1007,7 @@
           <a:p>
             <a:fld id="{CF97A134-FB87-44B0-94D1-6D4AE8ED7871}" type="datetimeFigureOut">
               <a:rPr lang="fr-FR" smtClean="0"/>
-              <a:t>21/09/2020</a:t>
+              <a:t>08/03/2021</a:t>
             </a:fld>
             <a:endParaRPr lang="fr-FR"/>
           </a:p>
@@ -1240,7 +1239,7 @@
           <a:p>
             <a:fld id="{CF97A134-FB87-44B0-94D1-6D4AE8ED7871}" type="datetimeFigureOut">
               <a:rPr lang="fr-FR" smtClean="0"/>
-              <a:t>21/09/2020</a:t>
+              <a:t>08/03/2021</a:t>
             </a:fld>
             <a:endParaRPr lang="fr-FR"/>
           </a:p>
@@ -1607,7 +1606,7 @@
           <a:p>
             <a:fld id="{CF97A134-FB87-44B0-94D1-6D4AE8ED7871}" type="datetimeFigureOut">
               <a:rPr lang="fr-FR" smtClean="0"/>
-              <a:t>21/09/2020</a:t>
+              <a:t>08/03/2021</a:t>
             </a:fld>
             <a:endParaRPr lang="fr-FR"/>
           </a:p>
@@ -1725,7 +1724,7 @@
           <a:p>
             <a:fld id="{CF97A134-FB87-44B0-94D1-6D4AE8ED7871}" type="datetimeFigureOut">
               <a:rPr lang="fr-FR" smtClean="0"/>
-              <a:t>21/09/2020</a:t>
+              <a:t>08/03/2021</a:t>
             </a:fld>
             <a:endParaRPr lang="fr-FR"/>
           </a:p>
@@ -1820,7 +1819,7 @@
           <a:p>
             <a:fld id="{CF97A134-FB87-44B0-94D1-6D4AE8ED7871}" type="datetimeFigureOut">
               <a:rPr lang="fr-FR" smtClean="0"/>
-              <a:t>21/09/2020</a:t>
+              <a:t>08/03/2021</a:t>
             </a:fld>
             <a:endParaRPr lang="fr-FR"/>
           </a:p>
@@ -2097,7 +2096,7 @@
           <a:p>
             <a:fld id="{CF97A134-FB87-44B0-94D1-6D4AE8ED7871}" type="datetimeFigureOut">
               <a:rPr lang="fr-FR" smtClean="0"/>
-              <a:t>21/09/2020</a:t>
+              <a:t>08/03/2021</a:t>
             </a:fld>
             <a:endParaRPr lang="fr-FR"/>
           </a:p>
@@ -2354,7 +2353,7 @@
           <a:p>
             <a:fld id="{CF97A134-FB87-44B0-94D1-6D4AE8ED7871}" type="datetimeFigureOut">
               <a:rPr lang="fr-FR" smtClean="0"/>
-              <a:t>21/09/2020</a:t>
+              <a:t>08/03/2021</a:t>
             </a:fld>
             <a:endParaRPr lang="fr-FR"/>
           </a:p>
@@ -2567,7 +2566,7 @@
           <a:p>
             <a:fld id="{CF97A134-FB87-44B0-94D1-6D4AE8ED7871}" type="datetimeFigureOut">
               <a:rPr lang="fr-FR" smtClean="0"/>
-              <a:t>21/09/2020</a:t>
+              <a:t>08/03/2021</a:t>
             </a:fld>
             <a:endParaRPr lang="fr-FR"/>
           </a:p>
@@ -2972,167 +2971,706 @@
           <a:chExt cx="0" cy="0"/>
         </a:xfrm>
       </p:grpSpPr>
+      <p:sp>
+        <p:nvSpPr>
+          <p:cNvPr id="60" name="Rectangle 59"/>
+          <p:cNvSpPr/>
+          <p:nvPr/>
+        </p:nvSpPr>
+        <p:spPr>
+          <a:xfrm>
+            <a:off x="224589" y="-163186"/>
+            <a:ext cx="11742822" cy="12432631"/>
+          </a:xfrm>
+          <a:prstGeom prst="rect">
+            <a:avLst/>
+          </a:prstGeom>
+          <a:solidFill>
+            <a:schemeClr val="bg1"/>
+          </a:solidFill>
+          <a:ln>
+            <a:noFill/>
+          </a:ln>
+        </p:spPr>
+        <p:style>
+          <a:lnRef idx="2">
+            <a:schemeClr val="accent1">
+              <a:shade val="50000"/>
+            </a:schemeClr>
+          </a:lnRef>
+          <a:fillRef idx="1">
+            <a:schemeClr val="accent1"/>
+          </a:fillRef>
+          <a:effectRef idx="0">
+            <a:schemeClr val="accent1"/>
+          </a:effectRef>
+          <a:fontRef idx="minor">
+            <a:schemeClr val="lt1"/>
+          </a:fontRef>
+        </p:style>
+        <p:txBody>
+          <a:bodyPr rtlCol="0" anchor="ctr"/>
+          <a:lstStyle/>
+          <a:p>
+            <a:pPr algn="ctr"/>
+            <a:endParaRPr lang="fr-FR"/>
+          </a:p>
+        </p:txBody>
+      </p:sp>
       <p:grpSp>
         <p:nvGrpSpPr>
-          <p:cNvPr id="2" name="Groupe 1"/>
+          <p:cNvPr id="10" name="Groupe 9"/>
           <p:cNvGrpSpPr/>
           <p:nvPr/>
         </p:nvGrpSpPr>
         <p:grpSpPr>
           <a:xfrm>
-            <a:off x="882317" y="1411705"/>
-            <a:ext cx="10395284" cy="11213432"/>
-            <a:chOff x="882317" y="1411705"/>
-            <a:chExt cx="10395284" cy="11213432"/>
+            <a:off x="224589" y="8956918"/>
+            <a:ext cx="11630713" cy="3779723"/>
+            <a:chOff x="0" y="8829967"/>
+            <a:chExt cx="11853158" cy="3779723"/>
           </a:xfrm>
         </p:grpSpPr>
+        <p:pic>
+          <p:nvPicPr>
+            <p:cNvPr id="4" name="Image 3"/>
+            <p:cNvPicPr>
+              <a:picLocks noChangeAspect="1"/>
+            </p:cNvPicPr>
+            <p:nvPr/>
+          </p:nvPicPr>
+          <p:blipFill>
+            <a:blip r:embed="rId2" cstate="print">
+              <a:extLst>
+                <a:ext uri="{28A0092B-C50C-407E-A947-70E740481C1C}">
+                  <a14:useLocalDpi xmlns:a14="http://schemas.microsoft.com/office/drawing/2010/main" val="0"/>
+                </a:ext>
+              </a:extLst>
+            </a:blip>
+            <a:stretch>
+              <a:fillRect/>
+            </a:stretch>
+          </p:blipFill>
+          <p:spPr>
+            <a:xfrm>
+              <a:off x="0" y="8829967"/>
+              <a:ext cx="11853158" cy="3779723"/>
+            </a:xfrm>
+            <a:prstGeom prst="rect">
+              <a:avLst/>
+            </a:prstGeom>
+          </p:spPr>
+        </p:pic>
         <p:sp>
           <p:nvSpPr>
-            <p:cNvPr id="10" name="Rectangle 9"/>
-            <p:cNvSpPr/>
+            <p:cNvPr id="5" name="ZoneTexte 4"/>
+            <p:cNvSpPr txBox="1"/>
             <p:nvPr/>
           </p:nvSpPr>
           <p:spPr>
             <a:xfrm>
-              <a:off x="882317" y="1411705"/>
-              <a:ext cx="10395284" cy="11213432"/>
+              <a:off x="490491" y="9120877"/>
+              <a:ext cx="308397" cy="261610"/>
             </a:xfrm>
             <a:prstGeom prst="rect">
               <a:avLst/>
             </a:prstGeom>
-            <a:solidFill>
-              <a:schemeClr val="bg1"/>
-            </a:solidFill>
-            <a:ln>
-              <a:solidFill>
-                <a:schemeClr val="bg1"/>
-              </a:solidFill>
-            </a:ln>
+            <a:noFill/>
           </p:spPr>
-          <p:style>
-            <a:lnRef idx="2">
-              <a:schemeClr val="accent1">
-                <a:shade val="50000"/>
-              </a:schemeClr>
-            </a:lnRef>
-            <a:fillRef idx="1">
-              <a:schemeClr val="accent1"/>
-            </a:fillRef>
-            <a:effectRef idx="0">
-              <a:schemeClr val="accent1"/>
-            </a:effectRef>
-            <a:fontRef idx="minor">
-              <a:schemeClr val="lt1"/>
-            </a:fontRef>
-          </p:style>
           <p:txBody>
-            <a:bodyPr rtlCol="0" anchor="ctr"/>
+            <a:bodyPr wrap="square" rtlCol="0">
+              <a:spAutoFit/>
+            </a:bodyPr>
             <a:lstStyle/>
             <a:p>
-              <a:pPr algn="ctr"/>
-              <a:endParaRPr lang="fr-FR"/>
+              <a:r>
+                <a:rPr lang="fr-FR" sz="1100" dirty="0" smtClean="0">
+                  <a:latin typeface="Arial" panose="020B0604020202020204" pitchFamily="34" charset="0"/>
+                  <a:cs typeface="Arial" panose="020B0604020202020204" pitchFamily="34" charset="0"/>
+                </a:rPr>
+                <a:t>0</a:t>
+              </a:r>
+              <a:endParaRPr lang="fr-FR" sz="1100" dirty="0">
+                <a:latin typeface="Arial" panose="020B0604020202020204" pitchFamily="34" charset="0"/>
+                <a:cs typeface="Arial" panose="020B0604020202020204" pitchFamily="34" charset="0"/>
+              </a:endParaRPr>
             </a:p>
           </p:txBody>
         </p:sp>
-        <p:grpSp>
-          <p:nvGrpSpPr>
-            <p:cNvPr id="9" name="Groupe 8"/>
-            <p:cNvGrpSpPr/>
-            <p:nvPr/>
-          </p:nvGrpSpPr>
-          <p:grpSpPr>
-            <a:xfrm>
-              <a:off x="1106905" y="1957137"/>
-              <a:ext cx="10058400" cy="10401092"/>
-              <a:chOff x="1106905" y="1957137"/>
-              <a:chExt cx="10058400" cy="10401092"/>
-            </a:xfrm>
-          </p:grpSpPr>
-          <p:grpSp>
-            <p:nvGrpSpPr>
-              <p:cNvPr id="6" name="Groupe 5"/>
-              <p:cNvGrpSpPr/>
-              <p:nvPr/>
-            </p:nvGrpSpPr>
-            <p:grpSpPr>
-              <a:xfrm>
-                <a:off x="1106905" y="1957137"/>
-                <a:ext cx="10058400" cy="10401092"/>
-                <a:chOff x="1106905" y="1957137"/>
-                <a:chExt cx="10058400" cy="10401092"/>
-              </a:xfrm>
-            </p:grpSpPr>
-            <p:pic>
-              <p:nvPicPr>
-                <p:cNvPr id="4" name="Image 3"/>
-                <p:cNvPicPr>
-                  <a:picLocks noChangeAspect="1"/>
-                </p:cNvPicPr>
-                <p:nvPr/>
-              </p:nvPicPr>
-              <p:blipFill>
-                <a:blip r:embed="rId2">
-                  <a:extLst>
-                    <a:ext uri="{28A0092B-C50C-407E-A947-70E740481C1C}">
-                      <a14:useLocalDpi xmlns:a14="http://schemas.microsoft.com/office/drawing/2010/main" val="0"/>
-                    </a:ext>
-                  </a:extLst>
-                </a:blip>
-                <a:stretch>
-                  <a:fillRect/>
-                </a:stretch>
-              </p:blipFill>
-              <p:spPr>
-                <a:xfrm>
-                  <a:off x="1370618" y="1957137"/>
-                  <a:ext cx="9093382" cy="4740441"/>
-                </a:xfrm>
-                <a:prstGeom prst="rect">
-                  <a:avLst/>
-                </a:prstGeom>
-              </p:spPr>
-            </p:pic>
-            <p:pic>
-              <p:nvPicPr>
-                <p:cNvPr id="5" name="Image 4"/>
-                <p:cNvPicPr>
-                  <a:picLocks noChangeAspect="1"/>
-                </p:cNvPicPr>
-                <p:nvPr/>
-              </p:nvPicPr>
-              <p:blipFill>
-                <a:blip r:embed="rId3">
-                  <a:extLst>
-                    <a:ext uri="{28A0092B-C50C-407E-A947-70E740481C1C}">
-                      <a14:useLocalDpi xmlns:a14="http://schemas.microsoft.com/office/drawing/2010/main" val="0"/>
-                    </a:ext>
-                  </a:extLst>
-                </a:blip>
-                <a:stretch>
-                  <a:fillRect/>
-                </a:stretch>
-              </p:blipFill>
-              <p:spPr>
-                <a:xfrm>
-                  <a:off x="1106905" y="7319664"/>
-                  <a:ext cx="10058400" cy="5038565"/>
-                </a:xfrm>
-                <a:prstGeom prst="rect">
-                  <a:avLst/>
-                </a:prstGeom>
-              </p:spPr>
-            </p:pic>
-          </p:grpSp>
+      </p:grpSp>
+      <p:sp>
+        <p:nvSpPr>
+          <p:cNvPr id="16" name="ZoneTexte 15"/>
+          <p:cNvSpPr txBox="1"/>
+          <p:nvPr/>
+        </p:nvSpPr>
+        <p:spPr>
+          <a:xfrm>
+            <a:off x="767056" y="6690589"/>
+            <a:ext cx="2084350" cy="307777"/>
+          </a:xfrm>
+          <a:prstGeom prst="rect">
+            <a:avLst/>
+          </a:prstGeom>
+          <a:noFill/>
+        </p:spPr>
+        <p:txBody>
+          <a:bodyPr wrap="square" rtlCol="0">
+            <a:spAutoFit/>
+          </a:bodyPr>
+          <a:lstStyle/>
+          <a:p>
+            <a:pPr algn="ctr"/>
+            <a:r>
+              <a:rPr lang="fr-FR" sz="1400" b="1" dirty="0" smtClean="0">
+                <a:latin typeface="Arial" panose="020B0604020202020204" pitchFamily="34" charset="0"/>
+                <a:cs typeface="Arial" panose="020B0604020202020204" pitchFamily="34" charset="0"/>
+              </a:rPr>
+              <a:t>Western </a:t>
+            </a:r>
+            <a:r>
+              <a:rPr lang="fr-FR" sz="1400" b="1" dirty="0" err="1" smtClean="0">
+                <a:latin typeface="Arial" panose="020B0604020202020204" pitchFamily="34" charset="0"/>
+                <a:cs typeface="Arial" panose="020B0604020202020204" pitchFamily="34" charset="0"/>
+              </a:rPr>
+              <a:t>Indian</a:t>
+            </a:r>
+            <a:r>
+              <a:rPr lang="fr-FR" sz="1400" b="1" dirty="0" smtClean="0">
+                <a:latin typeface="Arial" panose="020B0604020202020204" pitchFamily="34" charset="0"/>
+                <a:cs typeface="Arial" panose="020B0604020202020204" pitchFamily="34" charset="0"/>
+              </a:rPr>
+              <a:t> </a:t>
+            </a:r>
+            <a:r>
+              <a:rPr lang="fr-FR" sz="1400" b="1" dirty="0" err="1" smtClean="0">
+                <a:latin typeface="Arial" panose="020B0604020202020204" pitchFamily="34" charset="0"/>
+                <a:cs typeface="Arial" panose="020B0604020202020204" pitchFamily="34" charset="0"/>
+              </a:rPr>
+              <a:t>Ocean</a:t>
+            </a:r>
+            <a:endParaRPr lang="fr-FR" sz="1400" b="1" dirty="0">
+              <a:latin typeface="Arial" panose="020B0604020202020204" pitchFamily="34" charset="0"/>
+              <a:cs typeface="Arial" panose="020B0604020202020204" pitchFamily="34" charset="0"/>
+            </a:endParaRPr>
+          </a:p>
+        </p:txBody>
+      </p:sp>
+      <p:sp>
+        <p:nvSpPr>
+          <p:cNvPr id="17" name="ZoneTexte 16"/>
+          <p:cNvSpPr txBox="1"/>
+          <p:nvPr/>
+        </p:nvSpPr>
+        <p:spPr>
+          <a:xfrm>
+            <a:off x="2851406" y="6690589"/>
+            <a:ext cx="2150242" cy="307777"/>
+          </a:xfrm>
+          <a:prstGeom prst="rect">
+            <a:avLst/>
+          </a:prstGeom>
+          <a:noFill/>
+        </p:spPr>
+        <p:txBody>
+          <a:bodyPr wrap="square" rtlCol="0">
+            <a:spAutoFit/>
+          </a:bodyPr>
+          <a:lstStyle/>
+          <a:p>
+            <a:pPr algn="ctr"/>
+            <a:r>
+              <a:rPr lang="fr-FR" sz="1400" b="1" dirty="0" smtClean="0">
+                <a:latin typeface="Arial" panose="020B0604020202020204" pitchFamily="34" charset="0"/>
+                <a:cs typeface="Arial" panose="020B0604020202020204" pitchFamily="34" charset="0"/>
+              </a:rPr>
+              <a:t>Western </a:t>
+            </a:r>
+            <a:r>
+              <a:rPr lang="fr-FR" sz="1400" b="1" dirty="0" err="1" smtClean="0">
+                <a:latin typeface="Arial" panose="020B0604020202020204" pitchFamily="34" charset="0"/>
+                <a:cs typeface="Arial" panose="020B0604020202020204" pitchFamily="34" charset="0"/>
+              </a:rPr>
+              <a:t>Coral</a:t>
+            </a:r>
+            <a:r>
+              <a:rPr lang="fr-FR" sz="1400" b="1" dirty="0" smtClean="0">
+                <a:latin typeface="Arial" panose="020B0604020202020204" pitchFamily="34" charset="0"/>
+                <a:cs typeface="Arial" panose="020B0604020202020204" pitchFamily="34" charset="0"/>
+              </a:rPr>
+              <a:t> Triangle</a:t>
+            </a:r>
+            <a:endParaRPr lang="fr-FR" sz="1400" b="1" dirty="0">
+              <a:latin typeface="Arial" panose="020B0604020202020204" pitchFamily="34" charset="0"/>
+              <a:cs typeface="Arial" panose="020B0604020202020204" pitchFamily="34" charset="0"/>
+            </a:endParaRPr>
+          </a:p>
+        </p:txBody>
+      </p:sp>
+      <p:sp>
+        <p:nvSpPr>
+          <p:cNvPr id="18" name="ZoneTexte 17"/>
+          <p:cNvSpPr txBox="1"/>
+          <p:nvPr/>
+        </p:nvSpPr>
+        <p:spPr>
+          <a:xfrm>
+            <a:off x="4948046" y="6690589"/>
+            <a:ext cx="2152477" cy="307778"/>
+          </a:xfrm>
+          <a:prstGeom prst="rect">
+            <a:avLst/>
+          </a:prstGeom>
+          <a:noFill/>
+        </p:spPr>
+        <p:txBody>
+          <a:bodyPr wrap="square" rtlCol="0">
+            <a:spAutoFit/>
+          </a:bodyPr>
+          <a:lstStyle/>
+          <a:p>
+            <a:pPr algn="ctr"/>
+            <a:r>
+              <a:rPr lang="fr-FR" sz="1400" b="1" dirty="0" smtClean="0">
+                <a:latin typeface="Arial" panose="020B0604020202020204" pitchFamily="34" charset="0"/>
+                <a:cs typeface="Arial" panose="020B0604020202020204" pitchFamily="34" charset="0"/>
+              </a:rPr>
+              <a:t>Tropical SW </a:t>
+            </a:r>
+            <a:r>
+              <a:rPr lang="fr-FR" sz="1400" b="1" dirty="0" smtClean="0">
+                <a:latin typeface="Arial" panose="020B0604020202020204" pitchFamily="34" charset="0"/>
+                <a:cs typeface="Arial" panose="020B0604020202020204" pitchFamily="34" charset="0"/>
+              </a:rPr>
+              <a:t>Pacific</a:t>
+            </a:r>
+            <a:endParaRPr lang="fr-FR" sz="1400" b="1" dirty="0">
+              <a:latin typeface="Arial" panose="020B0604020202020204" pitchFamily="34" charset="0"/>
+              <a:cs typeface="Arial" panose="020B0604020202020204" pitchFamily="34" charset="0"/>
+            </a:endParaRPr>
+          </a:p>
+        </p:txBody>
+      </p:sp>
+      <p:sp>
+        <p:nvSpPr>
+          <p:cNvPr id="19" name="ZoneTexte 18"/>
+          <p:cNvSpPr txBox="1"/>
+          <p:nvPr/>
+        </p:nvSpPr>
+        <p:spPr>
+          <a:xfrm>
+            <a:off x="7139222" y="6690589"/>
+            <a:ext cx="2084350" cy="307777"/>
+          </a:xfrm>
+          <a:prstGeom prst="rect">
+            <a:avLst/>
+          </a:prstGeom>
+          <a:noFill/>
+        </p:spPr>
+        <p:txBody>
+          <a:bodyPr wrap="square" rtlCol="0">
+            <a:spAutoFit/>
+          </a:bodyPr>
+          <a:lstStyle/>
+          <a:p>
+            <a:pPr algn="ctr"/>
+            <a:r>
+              <a:rPr lang="fr-FR" sz="1400" b="1" dirty="0" err="1" smtClean="0">
+                <a:latin typeface="Arial" panose="020B0604020202020204" pitchFamily="34" charset="0"/>
+                <a:cs typeface="Arial" panose="020B0604020202020204" pitchFamily="34" charset="0"/>
+              </a:rPr>
+              <a:t>Southeast</a:t>
+            </a:r>
+            <a:r>
+              <a:rPr lang="fr-FR" sz="1400" b="1" dirty="0" smtClean="0">
+                <a:latin typeface="Arial" panose="020B0604020202020204" pitchFamily="34" charset="0"/>
+                <a:cs typeface="Arial" panose="020B0604020202020204" pitchFamily="34" charset="0"/>
+              </a:rPr>
+              <a:t> </a:t>
+            </a:r>
+            <a:r>
+              <a:rPr lang="fr-FR" sz="1400" b="1" dirty="0" err="1" smtClean="0">
+                <a:latin typeface="Arial" panose="020B0604020202020204" pitchFamily="34" charset="0"/>
+                <a:cs typeface="Arial" panose="020B0604020202020204" pitchFamily="34" charset="0"/>
+              </a:rPr>
+              <a:t>Polynesia</a:t>
+            </a:r>
+            <a:endParaRPr lang="fr-FR" sz="1400" b="1" dirty="0">
+              <a:latin typeface="Arial" panose="020B0604020202020204" pitchFamily="34" charset="0"/>
+              <a:cs typeface="Arial" panose="020B0604020202020204" pitchFamily="34" charset="0"/>
+            </a:endParaRPr>
+          </a:p>
+        </p:txBody>
+      </p:sp>
+      <p:sp>
+        <p:nvSpPr>
+          <p:cNvPr id="20" name="ZoneTexte 19"/>
+          <p:cNvSpPr txBox="1"/>
+          <p:nvPr/>
+        </p:nvSpPr>
+        <p:spPr>
+          <a:xfrm>
+            <a:off x="9256518" y="6690588"/>
+            <a:ext cx="2084350" cy="307777"/>
+          </a:xfrm>
+          <a:prstGeom prst="rect">
+            <a:avLst/>
+          </a:prstGeom>
+          <a:noFill/>
+        </p:spPr>
+        <p:txBody>
+          <a:bodyPr wrap="square" rtlCol="0">
+            <a:spAutoFit/>
+          </a:bodyPr>
+          <a:lstStyle/>
+          <a:p>
+            <a:pPr algn="ctr"/>
+            <a:r>
+              <a:rPr lang="fr-FR" sz="1400" b="1" dirty="0" smtClean="0">
+                <a:latin typeface="Arial" panose="020B0604020202020204" pitchFamily="34" charset="0"/>
+                <a:cs typeface="Arial" panose="020B0604020202020204" pitchFamily="34" charset="0"/>
+              </a:rPr>
+              <a:t>Tropical NW Atlantic</a:t>
+            </a:r>
+            <a:endParaRPr lang="fr-FR" sz="1400" b="1" dirty="0">
+              <a:latin typeface="Arial" panose="020B0604020202020204" pitchFamily="34" charset="0"/>
+              <a:cs typeface="Arial" panose="020B0604020202020204" pitchFamily="34" charset="0"/>
+            </a:endParaRPr>
+          </a:p>
+        </p:txBody>
+      </p:sp>
+      <p:sp>
+        <p:nvSpPr>
+          <p:cNvPr id="22" name="ZoneTexte 21"/>
+          <p:cNvSpPr txBox="1"/>
+          <p:nvPr/>
+        </p:nvSpPr>
+        <p:spPr>
+          <a:xfrm>
+            <a:off x="765365" y="8489244"/>
+            <a:ext cx="2086040" cy="461665"/>
+          </a:xfrm>
+          <a:prstGeom prst="rect">
+            <a:avLst/>
+          </a:prstGeom>
+          <a:noFill/>
+        </p:spPr>
+        <p:txBody>
+          <a:bodyPr wrap="square" rtlCol="0">
+            <a:spAutoFit/>
+          </a:bodyPr>
+          <a:lstStyle/>
+          <a:p>
+            <a:pPr algn="ctr"/>
+            <a:r>
+              <a:rPr lang="fr-FR" sz="1200" i="1" dirty="0" smtClean="0">
+                <a:latin typeface="Arial" panose="020B0604020202020204" pitchFamily="34" charset="0"/>
+                <a:cs typeface="Arial" panose="020B0604020202020204" pitchFamily="34" charset="0"/>
+              </a:rPr>
+              <a:t>4 sites</a:t>
+            </a:r>
+          </a:p>
+          <a:p>
+            <a:pPr algn="ctr"/>
+            <a:r>
+              <a:rPr lang="fr-FR" sz="1200" i="1" dirty="0" smtClean="0">
+                <a:latin typeface="Arial" panose="020B0604020202020204" pitchFamily="34" charset="0"/>
+                <a:cs typeface="Arial" panose="020B0604020202020204" pitchFamily="34" charset="0"/>
+              </a:rPr>
+              <a:t>16 stations</a:t>
+            </a:r>
+            <a:endParaRPr lang="fr-FR" sz="1200" i="1" dirty="0">
+              <a:latin typeface="Arial" panose="020B0604020202020204" pitchFamily="34" charset="0"/>
+              <a:cs typeface="Arial" panose="020B0604020202020204" pitchFamily="34" charset="0"/>
+            </a:endParaRPr>
+          </a:p>
+        </p:txBody>
+      </p:sp>
+      <p:sp>
+        <p:nvSpPr>
+          <p:cNvPr id="23" name="ZoneTexte 22"/>
+          <p:cNvSpPr txBox="1"/>
+          <p:nvPr/>
+        </p:nvSpPr>
+        <p:spPr>
+          <a:xfrm>
+            <a:off x="2849717" y="8489244"/>
+            <a:ext cx="2086040" cy="461665"/>
+          </a:xfrm>
+          <a:prstGeom prst="rect">
+            <a:avLst/>
+          </a:prstGeom>
+          <a:noFill/>
+        </p:spPr>
+        <p:txBody>
+          <a:bodyPr wrap="square" rtlCol="0">
+            <a:spAutoFit/>
+          </a:bodyPr>
+          <a:lstStyle/>
+          <a:p>
+            <a:pPr algn="ctr"/>
+            <a:r>
+              <a:rPr lang="fr-FR" sz="1200" i="1" dirty="0">
+                <a:latin typeface="Arial" panose="020B0604020202020204" pitchFamily="34" charset="0"/>
+                <a:cs typeface="Arial" panose="020B0604020202020204" pitchFamily="34" charset="0"/>
+              </a:rPr>
+              <a:t>9</a:t>
+            </a:r>
+            <a:r>
+              <a:rPr lang="fr-FR" sz="1200" i="1" dirty="0" smtClean="0">
+                <a:latin typeface="Arial" panose="020B0604020202020204" pitchFamily="34" charset="0"/>
+                <a:cs typeface="Arial" panose="020B0604020202020204" pitchFamily="34" charset="0"/>
+              </a:rPr>
+              <a:t> </a:t>
+            </a:r>
+            <a:r>
+              <a:rPr lang="fr-FR" sz="1200" i="1" dirty="0" smtClean="0">
+                <a:latin typeface="Arial" panose="020B0604020202020204" pitchFamily="34" charset="0"/>
+                <a:cs typeface="Arial" panose="020B0604020202020204" pitchFamily="34" charset="0"/>
+              </a:rPr>
+              <a:t>sites</a:t>
+            </a:r>
+          </a:p>
+          <a:p>
+            <a:pPr algn="ctr"/>
+            <a:r>
+              <a:rPr lang="fr-FR" sz="1200" i="1" dirty="0" smtClean="0">
+                <a:latin typeface="Arial" panose="020B0604020202020204" pitchFamily="34" charset="0"/>
+                <a:cs typeface="Arial" panose="020B0604020202020204" pitchFamily="34" charset="0"/>
+              </a:rPr>
+              <a:t>46 stations</a:t>
+            </a:r>
+            <a:endParaRPr lang="fr-FR" sz="1200" i="1" dirty="0">
+              <a:latin typeface="Arial" panose="020B0604020202020204" pitchFamily="34" charset="0"/>
+              <a:cs typeface="Arial" panose="020B0604020202020204" pitchFamily="34" charset="0"/>
+            </a:endParaRPr>
+          </a:p>
+        </p:txBody>
+      </p:sp>
+      <p:sp>
+        <p:nvSpPr>
+          <p:cNvPr id="24" name="ZoneTexte 23"/>
+          <p:cNvSpPr txBox="1"/>
+          <p:nvPr/>
+        </p:nvSpPr>
+        <p:spPr>
+          <a:xfrm>
+            <a:off x="5020236" y="8489243"/>
+            <a:ext cx="2086040" cy="461665"/>
+          </a:xfrm>
+          <a:prstGeom prst="rect">
+            <a:avLst/>
+          </a:prstGeom>
+          <a:noFill/>
+        </p:spPr>
+        <p:txBody>
+          <a:bodyPr wrap="square" rtlCol="0">
+            <a:spAutoFit/>
+          </a:bodyPr>
+          <a:lstStyle/>
+          <a:p>
+            <a:pPr algn="ctr"/>
+            <a:r>
+              <a:rPr lang="fr-FR" sz="1200" i="1" dirty="0">
+                <a:latin typeface="Arial" panose="020B0604020202020204" pitchFamily="34" charset="0"/>
+                <a:cs typeface="Arial" panose="020B0604020202020204" pitchFamily="34" charset="0"/>
+              </a:rPr>
+              <a:t>6</a:t>
+            </a:r>
+            <a:r>
+              <a:rPr lang="fr-FR" sz="1200" i="1" dirty="0" smtClean="0">
+                <a:latin typeface="Arial" panose="020B0604020202020204" pitchFamily="34" charset="0"/>
+                <a:cs typeface="Arial" panose="020B0604020202020204" pitchFamily="34" charset="0"/>
+              </a:rPr>
+              <a:t> sites</a:t>
+            </a:r>
+          </a:p>
+          <a:p>
+            <a:pPr algn="ctr"/>
+            <a:r>
+              <a:rPr lang="fr-FR" sz="1200" i="1" dirty="0" smtClean="0">
+                <a:latin typeface="Arial" panose="020B0604020202020204" pitchFamily="34" charset="0"/>
+                <a:cs typeface="Arial" panose="020B0604020202020204" pitchFamily="34" charset="0"/>
+              </a:rPr>
+              <a:t>48 stations</a:t>
+            </a:r>
+            <a:endParaRPr lang="fr-FR" sz="1200" i="1" dirty="0">
+              <a:latin typeface="Arial" panose="020B0604020202020204" pitchFamily="34" charset="0"/>
+              <a:cs typeface="Arial" panose="020B0604020202020204" pitchFamily="34" charset="0"/>
+            </a:endParaRPr>
+          </a:p>
+        </p:txBody>
+      </p:sp>
+      <p:sp>
+        <p:nvSpPr>
+          <p:cNvPr id="25" name="ZoneTexte 24"/>
+          <p:cNvSpPr txBox="1"/>
+          <p:nvPr/>
+        </p:nvSpPr>
+        <p:spPr>
+          <a:xfrm>
+            <a:off x="7199122" y="8489408"/>
+            <a:ext cx="2086040" cy="461665"/>
+          </a:xfrm>
+          <a:prstGeom prst="rect">
+            <a:avLst/>
+          </a:prstGeom>
+          <a:noFill/>
+        </p:spPr>
+        <p:txBody>
+          <a:bodyPr wrap="square" rtlCol="0">
+            <a:spAutoFit/>
+          </a:bodyPr>
+          <a:lstStyle/>
+          <a:p>
+            <a:pPr algn="ctr"/>
+            <a:r>
+              <a:rPr lang="fr-FR" sz="1200" i="1" dirty="0">
+                <a:latin typeface="Arial" panose="020B0604020202020204" pitchFamily="34" charset="0"/>
+                <a:cs typeface="Arial" panose="020B0604020202020204" pitchFamily="34" charset="0"/>
+              </a:rPr>
+              <a:t>1</a:t>
+            </a:r>
+            <a:r>
+              <a:rPr lang="fr-FR" sz="1200" i="1" dirty="0" smtClean="0">
+                <a:latin typeface="Arial" panose="020B0604020202020204" pitchFamily="34" charset="0"/>
+                <a:cs typeface="Arial" panose="020B0604020202020204" pitchFamily="34" charset="0"/>
+              </a:rPr>
+              <a:t> site</a:t>
+            </a:r>
+          </a:p>
+          <a:p>
+            <a:pPr algn="ctr"/>
+            <a:r>
+              <a:rPr lang="fr-FR" sz="1200" i="1" dirty="0">
+                <a:latin typeface="Arial" panose="020B0604020202020204" pitchFamily="34" charset="0"/>
+                <a:cs typeface="Arial" panose="020B0604020202020204" pitchFamily="34" charset="0"/>
+              </a:rPr>
+              <a:t>4</a:t>
+            </a:r>
+            <a:r>
+              <a:rPr lang="fr-FR" sz="1200" i="1" dirty="0" smtClean="0">
+                <a:latin typeface="Arial" panose="020B0604020202020204" pitchFamily="34" charset="0"/>
+                <a:cs typeface="Arial" panose="020B0604020202020204" pitchFamily="34" charset="0"/>
+              </a:rPr>
+              <a:t> stations</a:t>
+            </a:r>
+            <a:endParaRPr lang="fr-FR" sz="1200" i="1" dirty="0">
+              <a:latin typeface="Arial" panose="020B0604020202020204" pitchFamily="34" charset="0"/>
+              <a:cs typeface="Arial" panose="020B0604020202020204" pitchFamily="34" charset="0"/>
+            </a:endParaRPr>
+          </a:p>
+        </p:txBody>
+      </p:sp>
+      <p:sp>
+        <p:nvSpPr>
+          <p:cNvPr id="26" name="ZoneTexte 25"/>
+          <p:cNvSpPr txBox="1"/>
+          <p:nvPr/>
+        </p:nvSpPr>
+        <p:spPr>
+          <a:xfrm>
+            <a:off x="9291836" y="8489243"/>
+            <a:ext cx="2086040" cy="461665"/>
+          </a:xfrm>
+          <a:prstGeom prst="rect">
+            <a:avLst/>
+          </a:prstGeom>
+          <a:noFill/>
+        </p:spPr>
+        <p:txBody>
+          <a:bodyPr wrap="square" rtlCol="0">
+            <a:spAutoFit/>
+          </a:bodyPr>
+          <a:lstStyle/>
+          <a:p>
+            <a:pPr algn="ctr"/>
+            <a:r>
+              <a:rPr lang="fr-FR" sz="1200" i="1" dirty="0">
+                <a:latin typeface="Arial" panose="020B0604020202020204" pitchFamily="34" charset="0"/>
+                <a:cs typeface="Arial" panose="020B0604020202020204" pitchFamily="34" charset="0"/>
+              </a:rPr>
+              <a:t>6</a:t>
+            </a:r>
+            <a:r>
+              <a:rPr lang="fr-FR" sz="1200" i="1" dirty="0" smtClean="0">
+                <a:latin typeface="Arial" panose="020B0604020202020204" pitchFamily="34" charset="0"/>
+                <a:cs typeface="Arial" panose="020B0604020202020204" pitchFamily="34" charset="0"/>
+              </a:rPr>
+              <a:t> </a:t>
+            </a:r>
+            <a:r>
+              <a:rPr lang="fr-FR" sz="1200" i="1" dirty="0" smtClean="0">
+                <a:latin typeface="Arial" panose="020B0604020202020204" pitchFamily="34" charset="0"/>
+                <a:cs typeface="Arial" panose="020B0604020202020204" pitchFamily="34" charset="0"/>
+              </a:rPr>
+              <a:t>sites</a:t>
+            </a:r>
+          </a:p>
+          <a:p>
+            <a:pPr algn="ctr"/>
+            <a:r>
+              <a:rPr lang="fr-FR" sz="1200" i="1" dirty="0" smtClean="0">
+                <a:latin typeface="Arial" panose="020B0604020202020204" pitchFamily="34" charset="0"/>
+                <a:cs typeface="Arial" panose="020B0604020202020204" pitchFamily="34" charset="0"/>
+              </a:rPr>
+              <a:t>31 stations</a:t>
+            </a:r>
+            <a:endParaRPr lang="fr-FR" sz="1200" i="1" dirty="0">
+              <a:latin typeface="Arial" panose="020B0604020202020204" pitchFamily="34" charset="0"/>
+              <a:cs typeface="Arial" panose="020B0604020202020204" pitchFamily="34" charset="0"/>
+            </a:endParaRPr>
+          </a:p>
+        </p:txBody>
+      </p:sp>
+      <p:sp>
+        <p:nvSpPr>
+          <p:cNvPr id="29" name="ZoneTexte 28"/>
+          <p:cNvSpPr txBox="1"/>
+          <p:nvPr/>
+        </p:nvSpPr>
+        <p:spPr>
+          <a:xfrm>
+            <a:off x="11179937" y="8768668"/>
+            <a:ext cx="257839" cy="338554"/>
+          </a:xfrm>
+          <a:prstGeom prst="rect">
+            <a:avLst/>
+          </a:prstGeom>
+          <a:noFill/>
+        </p:spPr>
+        <p:txBody>
+          <a:bodyPr wrap="square" rtlCol="0">
+            <a:spAutoFit/>
+          </a:bodyPr>
+          <a:lstStyle/>
+          <a:p>
+            <a:r>
+              <a:rPr lang="el-GR" sz="1600" b="1" i="1" dirty="0" smtClean="0">
+                <a:latin typeface="Arial" panose="020B0604020202020204" pitchFamily="34" charset="0"/>
+                <a:cs typeface="Arial" panose="020B0604020202020204" pitchFamily="34" charset="0"/>
+              </a:rPr>
+              <a:t>γ</a:t>
+            </a:r>
+            <a:endParaRPr lang="fr-FR" sz="1600" b="1" i="1" dirty="0">
+              <a:latin typeface="Arial" panose="020B0604020202020204" pitchFamily="34" charset="0"/>
+              <a:cs typeface="Arial" panose="020B0604020202020204" pitchFamily="34" charset="0"/>
+            </a:endParaRPr>
+          </a:p>
+        </p:txBody>
+      </p:sp>
+      <mc:AlternateContent xmlns:mc="http://schemas.openxmlformats.org/markup-compatibility/2006">
+        <mc:Choice xmlns:a14="http://schemas.microsoft.com/office/drawing/2010/main" Requires="a14">
           <p:sp>
             <p:nvSpPr>
-              <p:cNvPr id="7" name="ZoneTexte 6"/>
+              <p:cNvPr id="30" name="ZoneTexte 29"/>
               <p:cNvSpPr txBox="1"/>
               <p:nvPr/>
             </p:nvSpPr>
             <p:spPr>
               <a:xfrm>
-                <a:off x="1106905" y="2117558"/>
-                <a:ext cx="417095" cy="461665"/>
+                <a:off x="8452552" y="9284932"/>
+                <a:ext cx="392158" cy="338554"/>
               </a:xfrm>
               <a:prstGeom prst="rect">
                 <a:avLst/>
@@ -3145,23 +3683,101 @@
               </a:bodyPr>
               <a:lstStyle/>
               <a:p>
+                <a:pPr/>
+                <a14:m>
+                  <m:oMathPara xmlns:m="http://schemas.openxmlformats.org/officeDocument/2006/math">
+                    <m:oMathParaPr>
+                      <m:jc m:val="centerGroup"/>
+                    </m:oMathParaPr>
+                    <m:oMath xmlns:m="http://schemas.openxmlformats.org/officeDocument/2006/math">
+                      <m:sSub>
+                        <m:sSubPr>
+                          <m:ctrlPr>
+                            <a:rPr lang="fr-FR" sz="1600" b="1" i="1" smtClean="0">
+                              <a:latin typeface="Cambria Math" panose="02040503050406030204" pitchFamily="18" charset="0"/>
+                            </a:rPr>
+                          </m:ctrlPr>
+                        </m:sSubPr>
+                        <m:e>
+                          <m:r>
+                            <a:rPr lang="fr-FR" sz="1600" b="1" i="1" smtClean="0">
+                              <a:latin typeface="Cambria Math" panose="02040503050406030204" pitchFamily="18" charset="0"/>
+                              <a:ea typeface="Cambria Math" panose="02040503050406030204" pitchFamily="18" charset="0"/>
+                            </a:rPr>
+                            <m:t>𝜷</m:t>
+                          </m:r>
+                        </m:e>
+                        <m:sub>
+                          <m:r>
+                            <a:rPr lang="fr-FR" sz="1600" b="1" i="1" smtClean="0">
+                              <a:latin typeface="Cambria Math" panose="02040503050406030204" pitchFamily="18" charset="0"/>
+                            </a:rPr>
+                            <m:t>𝒓</m:t>
+                          </m:r>
+                        </m:sub>
+                      </m:sSub>
+                    </m:oMath>
+                  </m:oMathPara>
+                </a14:m>
+                <a:endParaRPr lang="fr-FR" sz="1600" b="1" dirty="0">
+                  <a:latin typeface="Arial" panose="020B0604020202020204" pitchFamily="34" charset="0"/>
+                  <a:cs typeface="Arial" panose="020B0604020202020204" pitchFamily="34" charset="0"/>
+                </a:endParaRPr>
+              </a:p>
+            </p:txBody>
+          </p:sp>
+        </mc:Choice>
+        <mc:Fallback>
+          <p:sp>
+            <p:nvSpPr>
+              <p:cNvPr id="30" name="ZoneTexte 29"/>
+              <p:cNvSpPr txBox="1">
+                <a:spLocks noRot="1" noChangeAspect="1" noMove="1" noResize="1" noEditPoints="1" noAdjustHandles="1" noChangeArrowheads="1" noChangeShapeType="1" noTextEdit="1"/>
+              </p:cNvSpPr>
+              <p:nvPr/>
+            </p:nvSpPr>
+            <p:spPr>
+              <a:xfrm>
+                <a:off x="8452552" y="9284932"/>
+                <a:ext cx="392158" cy="338554"/>
+              </a:xfrm>
+              <a:prstGeom prst="rect">
+                <a:avLst/>
+              </a:prstGeom>
+              <a:blipFill>
+                <a:blip r:embed="rId3"/>
+                <a:stretch>
+                  <a:fillRect l="-1563" b="-10714"/>
+                </a:stretch>
+              </a:blipFill>
+            </p:spPr>
+            <p:txBody>
+              <a:bodyPr/>
+              <a:lstStyle/>
+              <a:p>
                 <a:r>
-                  <a:rPr lang="fr-FR" sz="2400" b="1" dirty="0"/>
-                  <a:t>a</a:t>
+                  <a:rPr lang="fr-FR">
+                    <a:noFill/>
+                  </a:rPr>
+                  <a:t> </a:t>
                 </a:r>
               </a:p>
             </p:txBody>
           </p:sp>
+        </mc:Fallback>
+      </mc:AlternateContent>
+      <mc:AlternateContent xmlns:mc="http://schemas.openxmlformats.org/markup-compatibility/2006">
+        <mc:Choice xmlns:a14="http://schemas.microsoft.com/office/drawing/2010/main" Requires="a14">
           <p:sp>
             <p:nvSpPr>
-              <p:cNvPr id="8" name="ZoneTexte 7"/>
+              <p:cNvPr id="31" name="ZoneTexte 30"/>
               <p:cNvSpPr txBox="1"/>
               <p:nvPr/>
             </p:nvSpPr>
             <p:spPr>
               <a:xfrm>
-                <a:off x="1106905" y="6857999"/>
-                <a:ext cx="417095" cy="461665"/>
+                <a:off x="2089242" y="9955013"/>
+                <a:ext cx="392158" cy="344133"/>
               </a:xfrm>
               <a:prstGeom prst="rect">
                 <a:avLst/>
@@ -3174,2341 +3790,113 @@
               </a:bodyPr>
               <a:lstStyle/>
               <a:p>
-                <a:r>
-                  <a:rPr lang="fr-FR" sz="2400" b="1" dirty="0" smtClean="0"/>
-                  <a:t>b</a:t>
-                </a:r>
-                <a:endParaRPr lang="fr-FR" sz="2400" b="1" dirty="0"/>
-              </a:p>
-            </p:txBody>
-          </p:sp>
-        </p:grpSp>
-      </p:grpSp>
-    </p:spTree>
-    <p:extLst>
-      <p:ext uri="{BB962C8B-B14F-4D97-AF65-F5344CB8AC3E}">
-        <p14:creationId xmlns:p14="http://schemas.microsoft.com/office/powerpoint/2010/main" val="2496784459"/>
-      </p:ext>
-    </p:extLst>
-  </p:cSld>
-  <p:clrMapOvr>
-    <a:masterClrMapping/>
-  </p:clrMapOvr>
-</p:sld>
-</file>
-
-<file path=ppt/slides/slide2.xml><?xml version="1.0" encoding="utf-8"?>
-<p:sld xmlns:a="http://schemas.openxmlformats.org/drawingml/2006/main" xmlns:r="http://schemas.openxmlformats.org/officeDocument/2006/relationships" xmlns:p="http://schemas.openxmlformats.org/presentationml/2006/main">
-  <p:cSld>
-    <p:spTree>
-      <p:nvGrpSpPr>
-        <p:cNvPr id="1" name=""/>
-        <p:cNvGrpSpPr/>
-        <p:nvPr/>
-      </p:nvGrpSpPr>
-      <p:grpSpPr>
-        <a:xfrm>
-          <a:off x="0" y="0"/>
-          <a:ext cx="0" cy="0"/>
-          <a:chOff x="0" y="0"/>
-          <a:chExt cx="0" cy="0"/>
-        </a:xfrm>
-      </p:grpSpPr>
-      <p:grpSp>
-        <p:nvGrpSpPr>
-          <p:cNvPr id="61" name="Groupe 60"/>
-          <p:cNvGrpSpPr/>
-          <p:nvPr/>
-        </p:nvGrpSpPr>
-        <p:grpSpPr>
-          <a:xfrm>
-            <a:off x="224589" y="593558"/>
-            <a:ext cx="11855117" cy="12521455"/>
-            <a:chOff x="0" y="593558"/>
-            <a:chExt cx="12081854" cy="12521455"/>
-          </a:xfrm>
-        </p:grpSpPr>
-        <p:sp>
-          <p:nvSpPr>
-            <p:cNvPr id="60" name="Rectangle 59"/>
-            <p:cNvSpPr/>
-            <p:nvPr/>
-          </p:nvSpPr>
-          <p:spPr>
-            <a:xfrm>
-              <a:off x="0" y="593558"/>
-              <a:ext cx="11967411" cy="12432631"/>
-            </a:xfrm>
-            <a:prstGeom prst="rect">
-              <a:avLst/>
-            </a:prstGeom>
-            <a:solidFill>
-              <a:schemeClr val="bg1"/>
-            </a:solidFill>
-            <a:ln>
-              <a:noFill/>
-            </a:ln>
-          </p:spPr>
-          <p:style>
-            <a:lnRef idx="2">
-              <a:schemeClr val="accent1">
-                <a:shade val="50000"/>
-              </a:schemeClr>
-            </a:lnRef>
-            <a:fillRef idx="1">
-              <a:schemeClr val="accent1"/>
-            </a:fillRef>
-            <a:effectRef idx="0">
-              <a:schemeClr val="accent1"/>
-            </a:effectRef>
-            <a:fontRef idx="minor">
-              <a:schemeClr val="lt1"/>
-            </a:fontRef>
-          </p:style>
-          <p:txBody>
-            <a:bodyPr rtlCol="0" anchor="ctr"/>
-            <a:lstStyle/>
-            <a:p>
-              <a:pPr algn="ctr"/>
-              <a:endParaRPr lang="fr-FR"/>
-            </a:p>
-          </p:txBody>
-        </p:sp>
-        <p:grpSp>
-          <p:nvGrpSpPr>
-            <p:cNvPr id="59" name="Groupe 58"/>
-            <p:cNvGrpSpPr/>
-            <p:nvPr/>
-          </p:nvGrpSpPr>
-          <p:grpSpPr>
-            <a:xfrm>
-              <a:off x="0" y="819418"/>
-              <a:ext cx="12081854" cy="12295595"/>
-              <a:chOff x="0" y="819418"/>
-              <a:chExt cx="12081854" cy="12295595"/>
-            </a:xfrm>
-          </p:grpSpPr>
-          <p:grpSp>
-            <p:nvGrpSpPr>
-              <p:cNvPr id="55" name="Groupe 54"/>
-              <p:cNvGrpSpPr/>
-              <p:nvPr/>
-            </p:nvGrpSpPr>
-            <p:grpSpPr>
-              <a:xfrm>
-                <a:off x="0" y="7068960"/>
-                <a:ext cx="12081854" cy="6046053"/>
-                <a:chOff x="0" y="6563637"/>
-                <a:chExt cx="12081854" cy="6046053"/>
-              </a:xfrm>
-            </p:grpSpPr>
-            <p:grpSp>
-              <p:nvGrpSpPr>
-                <p:cNvPr id="41" name="Groupe 40"/>
-                <p:cNvGrpSpPr/>
-                <p:nvPr/>
-              </p:nvGrpSpPr>
-              <p:grpSpPr>
-                <a:xfrm>
-                  <a:off x="0" y="6563637"/>
-                  <a:ext cx="11853158" cy="6046053"/>
-                  <a:chOff x="0" y="6563637"/>
-                  <a:chExt cx="11853158" cy="6046053"/>
-                </a:xfrm>
-              </p:grpSpPr>
-              <p:grpSp>
-                <p:nvGrpSpPr>
-                  <p:cNvPr id="40" name="Groupe 39"/>
-                  <p:cNvGrpSpPr/>
-                  <p:nvPr/>
-                </p:nvGrpSpPr>
-                <p:grpSpPr>
-                  <a:xfrm>
-                    <a:off x="0" y="6563637"/>
-                    <a:ext cx="11853158" cy="6046053"/>
-                    <a:chOff x="0" y="6563637"/>
-                    <a:chExt cx="11853158" cy="6046053"/>
-                  </a:xfrm>
-                </p:grpSpPr>
-                <p:grpSp>
-                  <p:nvGrpSpPr>
-                    <p:cNvPr id="39" name="Groupe 38"/>
-                    <p:cNvGrpSpPr/>
-                    <p:nvPr/>
-                  </p:nvGrpSpPr>
-                  <p:grpSpPr>
-                    <a:xfrm>
-                      <a:off x="0" y="6563637"/>
-                      <a:ext cx="11853158" cy="6046053"/>
-                      <a:chOff x="0" y="6563637"/>
-                      <a:chExt cx="11853158" cy="6046053"/>
-                    </a:xfrm>
-                  </p:grpSpPr>
-                  <p:grpSp>
-                    <p:nvGrpSpPr>
-                      <p:cNvPr id="34" name="Groupe 33"/>
-                      <p:cNvGrpSpPr/>
-                      <p:nvPr/>
-                    </p:nvGrpSpPr>
-                    <p:grpSpPr>
-                      <a:xfrm>
-                        <a:off x="0" y="6563637"/>
-                        <a:ext cx="11853158" cy="6046053"/>
-                        <a:chOff x="0" y="6563637"/>
-                        <a:chExt cx="11853158" cy="6046053"/>
-                      </a:xfrm>
-                    </p:grpSpPr>
-                    <p:grpSp>
-                      <p:nvGrpSpPr>
-                        <p:cNvPr id="27" name="Groupe 26"/>
-                        <p:cNvGrpSpPr/>
-                        <p:nvPr/>
-                      </p:nvGrpSpPr>
-                      <p:grpSpPr>
-                        <a:xfrm>
-                          <a:off x="0" y="6563637"/>
-                          <a:ext cx="11853158" cy="6046053"/>
-                          <a:chOff x="0" y="6563637"/>
-                          <a:chExt cx="11853158" cy="6046053"/>
-                        </a:xfrm>
-                      </p:grpSpPr>
-                      <p:grpSp>
-                        <p:nvGrpSpPr>
-                          <p:cNvPr id="21" name="Groupe 20"/>
-                          <p:cNvGrpSpPr/>
-                          <p:nvPr/>
-                        </p:nvGrpSpPr>
-                        <p:grpSpPr>
-                          <a:xfrm>
-                            <a:off x="0" y="6563637"/>
-                            <a:ext cx="11853158" cy="6046053"/>
-                            <a:chOff x="0" y="6563637"/>
-                            <a:chExt cx="11853158" cy="6046053"/>
-                          </a:xfrm>
-                        </p:grpSpPr>
-                        <p:grpSp>
-                          <p:nvGrpSpPr>
-                            <p:cNvPr id="10" name="Groupe 9"/>
-                            <p:cNvGrpSpPr/>
-                            <p:nvPr/>
-                          </p:nvGrpSpPr>
-                          <p:grpSpPr>
-                            <a:xfrm>
-                              <a:off x="0" y="8829967"/>
-                              <a:ext cx="11853158" cy="3779723"/>
-                              <a:chOff x="0" y="8829967"/>
-                              <a:chExt cx="11853158" cy="3779723"/>
-                            </a:xfrm>
-                          </p:grpSpPr>
-                          <p:pic>
-                            <p:nvPicPr>
-                              <p:cNvPr id="4" name="Image 3"/>
-                              <p:cNvPicPr>
-                                <a:picLocks noChangeAspect="1"/>
-                              </p:cNvPicPr>
-                              <p:nvPr/>
-                            </p:nvPicPr>
-                            <p:blipFill>
-                              <a:blip r:embed="rId2" cstate="print">
-                                <a:extLst>
-                                  <a:ext uri="{28A0092B-C50C-407E-A947-70E740481C1C}">
-                                    <a14:useLocalDpi xmlns:a14="http://schemas.microsoft.com/office/drawing/2010/main" val="0"/>
-                                  </a:ext>
-                                </a:extLst>
-                              </a:blip>
-                              <a:stretch>
-                                <a:fillRect/>
-                              </a:stretch>
-                            </p:blipFill>
-                            <p:spPr>
-                              <a:xfrm>
-                                <a:off x="0" y="8829967"/>
-                                <a:ext cx="11853158" cy="3779723"/>
-                              </a:xfrm>
-                              <a:prstGeom prst="rect">
-                                <a:avLst/>
-                              </a:prstGeom>
-                            </p:spPr>
-                          </p:pic>
-                          <p:sp>
-                            <p:nvSpPr>
-                              <p:cNvPr id="5" name="ZoneTexte 4"/>
-                              <p:cNvSpPr txBox="1"/>
-                              <p:nvPr/>
-                            </p:nvSpPr>
-                            <p:spPr>
-                              <a:xfrm>
-                                <a:off x="490491" y="9120877"/>
-                                <a:ext cx="308397" cy="261610"/>
-                              </a:xfrm>
-                              <a:prstGeom prst="rect">
-                                <a:avLst/>
-                              </a:prstGeom>
-                              <a:noFill/>
-                            </p:spPr>
-                            <p:txBody>
-                              <a:bodyPr wrap="square" rtlCol="0">
-                                <a:spAutoFit/>
-                              </a:bodyPr>
-                              <a:lstStyle/>
-                              <a:p>
-                                <a:r>
-                                  <a:rPr lang="fr-FR" sz="1100" dirty="0" smtClean="0">
-                                    <a:latin typeface="Arial" panose="020B0604020202020204" pitchFamily="34" charset="0"/>
-                                    <a:cs typeface="Arial" panose="020B0604020202020204" pitchFamily="34" charset="0"/>
-                                  </a:rPr>
-                                  <a:t>0</a:t>
-                                </a:r>
-                                <a:endParaRPr lang="fr-FR" sz="1100" dirty="0">
-                                  <a:latin typeface="Arial" panose="020B0604020202020204" pitchFamily="34" charset="0"/>
-                                  <a:cs typeface="Arial" panose="020B0604020202020204" pitchFamily="34" charset="0"/>
-                                </a:endParaRPr>
-                              </a:p>
-                            </p:txBody>
-                          </p:sp>
-                        </p:grpSp>
-                        <p:pic>
-                          <p:nvPicPr>
-                            <p:cNvPr id="11" name="Image 10"/>
-                            <p:cNvPicPr>
-                              <a:picLocks noChangeAspect="1"/>
-                            </p:cNvPicPr>
-                            <p:nvPr/>
-                          </p:nvPicPr>
-                          <p:blipFill>
-                            <a:blip r:embed="rId3" cstate="print">
-                              <a:extLst>
-                                <a:ext uri="{28A0092B-C50C-407E-A947-70E740481C1C}">
-                                  <a14:useLocalDpi xmlns:a14="http://schemas.microsoft.com/office/drawing/2010/main" val="0"/>
-                                </a:ext>
-                              </a:extLst>
-                            </a:blip>
-                            <a:stretch>
-                              <a:fillRect/>
-                            </a:stretch>
-                          </p:blipFill>
-                          <p:spPr>
-                            <a:xfrm>
-                              <a:off x="7059406" y="6850293"/>
-                              <a:ext cx="2132739" cy="1512000"/>
-                            </a:xfrm>
-                            <a:prstGeom prst="rect">
-                              <a:avLst/>
-                            </a:prstGeom>
-                          </p:spPr>
-                        </p:pic>
-                        <p:pic>
-                          <p:nvPicPr>
-                            <p:cNvPr id="12" name="Image 11"/>
-                            <p:cNvPicPr>
-                              <a:picLocks noChangeAspect="1"/>
-                            </p:cNvPicPr>
-                            <p:nvPr/>
-                          </p:nvPicPr>
-                          <p:blipFill>
-                            <a:blip r:embed="rId4" cstate="print">
-                              <a:extLst>
-                                <a:ext uri="{28A0092B-C50C-407E-A947-70E740481C1C}">
-                                  <a14:useLocalDpi xmlns:a14="http://schemas.microsoft.com/office/drawing/2010/main" val="0"/>
-                                </a:ext>
-                              </a:extLst>
-                            </a:blip>
-                            <a:stretch>
-                              <a:fillRect/>
-                            </a:stretch>
-                          </p:blipFill>
-                          <p:spPr>
-                            <a:xfrm>
-                              <a:off x="552844" y="6850293"/>
-                              <a:ext cx="2124213" cy="1512000"/>
-                            </a:xfrm>
-                            <a:prstGeom prst="rect">
-                              <a:avLst/>
-                            </a:prstGeom>
-                          </p:spPr>
-                        </p:pic>
-                        <p:pic>
-                          <p:nvPicPr>
-                            <p:cNvPr id="13" name="Image 12"/>
-                            <p:cNvPicPr>
-                              <a:picLocks noChangeAspect="1"/>
-                            </p:cNvPicPr>
-                            <p:nvPr/>
-                          </p:nvPicPr>
-                          <p:blipFill>
-                            <a:blip r:embed="rId5" cstate="print">
-                              <a:extLst>
-                                <a:ext uri="{28A0092B-C50C-407E-A947-70E740481C1C}">
-                                  <a14:useLocalDpi xmlns:a14="http://schemas.microsoft.com/office/drawing/2010/main" val="0"/>
-                                </a:ext>
-                              </a:extLst>
-                            </a:blip>
-                            <a:stretch>
-                              <a:fillRect/>
-                            </a:stretch>
-                          </p:blipFill>
-                          <p:spPr>
-                            <a:xfrm>
-                              <a:off x="9204671" y="6850293"/>
-                              <a:ext cx="2122491" cy="1512000"/>
-                            </a:xfrm>
-                            <a:prstGeom prst="rect">
-                              <a:avLst/>
-                            </a:prstGeom>
-                          </p:spPr>
-                        </p:pic>
-                        <p:pic>
-                          <p:nvPicPr>
-                            <p:cNvPr id="14" name="Image 13"/>
-                            <p:cNvPicPr>
-                              <a:picLocks noChangeAspect="1"/>
-                            </p:cNvPicPr>
-                            <p:nvPr/>
-                          </p:nvPicPr>
-                          <p:blipFill>
-                            <a:blip r:embed="rId6" cstate="print">
-                              <a:extLst>
-                                <a:ext uri="{28A0092B-C50C-407E-A947-70E740481C1C}">
-                                  <a14:useLocalDpi xmlns:a14="http://schemas.microsoft.com/office/drawing/2010/main" val="0"/>
-                                </a:ext>
-                              </a:extLst>
-                            </a:blip>
-                            <a:stretch>
-                              <a:fillRect/>
-                            </a:stretch>
-                          </p:blipFill>
-                          <p:spPr>
-                            <a:xfrm>
-                              <a:off x="2689583" y="6850293"/>
-                              <a:ext cx="2124213" cy="1512000"/>
-                            </a:xfrm>
-                            <a:prstGeom prst="rect">
-                              <a:avLst/>
-                            </a:prstGeom>
-                          </p:spPr>
-                        </p:pic>
-                        <p:pic>
-                          <p:nvPicPr>
-                            <p:cNvPr id="15" name="Image 14"/>
-                            <p:cNvPicPr>
-                              <a:picLocks noChangeAspect="1"/>
-                            </p:cNvPicPr>
-                            <p:nvPr/>
-                          </p:nvPicPr>
-                          <p:blipFill>
-                            <a:blip r:embed="rId7">
-                              <a:extLst>
-                                <a:ext uri="{28A0092B-C50C-407E-A947-70E740481C1C}">
-                                  <a14:useLocalDpi xmlns:a14="http://schemas.microsoft.com/office/drawing/2010/main" val="0"/>
-                                </a:ext>
-                              </a:extLst>
-                            </a:blip>
-                            <a:stretch>
-                              <a:fillRect/>
-                            </a:stretch>
-                          </p:blipFill>
-                          <p:spPr>
-                            <a:xfrm>
-                              <a:off x="4826322" y="6850293"/>
-                              <a:ext cx="2220558" cy="1512000"/>
-                            </a:xfrm>
-                            <a:prstGeom prst="rect">
-                              <a:avLst/>
-                            </a:prstGeom>
-                          </p:spPr>
-                        </p:pic>
-                        <p:sp>
-                          <p:nvSpPr>
-                            <p:cNvPr id="16" name="ZoneTexte 15"/>
-                            <p:cNvSpPr txBox="1"/>
-                            <p:nvPr/>
-                          </p:nvSpPr>
-                          <p:spPr>
-                            <a:xfrm>
-                              <a:off x="552842" y="6563638"/>
-                              <a:ext cx="2124215" cy="307777"/>
-                            </a:xfrm>
-                            <a:prstGeom prst="rect">
-                              <a:avLst/>
-                            </a:prstGeom>
-                            <a:noFill/>
-                          </p:spPr>
-                          <p:txBody>
-                            <a:bodyPr wrap="square" rtlCol="0">
-                              <a:spAutoFit/>
-                            </a:bodyPr>
-                            <a:lstStyle/>
-                            <a:p>
-                              <a:pPr algn="ctr"/>
-                              <a:r>
-                                <a:rPr lang="fr-FR" sz="1400" b="1" dirty="0" smtClean="0">
-                                  <a:latin typeface="Arial" panose="020B0604020202020204" pitchFamily="34" charset="0"/>
-                                  <a:cs typeface="Arial" panose="020B0604020202020204" pitchFamily="34" charset="0"/>
-                                </a:rPr>
-                                <a:t>West Indian</a:t>
-                              </a:r>
-                              <a:endParaRPr lang="fr-FR" sz="1400" b="1" dirty="0">
-                                <a:latin typeface="Arial" panose="020B0604020202020204" pitchFamily="34" charset="0"/>
-                                <a:cs typeface="Arial" panose="020B0604020202020204" pitchFamily="34" charset="0"/>
-                              </a:endParaRPr>
-                            </a:p>
-                          </p:txBody>
-                        </p:sp>
-                        <p:sp>
-                          <p:nvSpPr>
-                            <p:cNvPr id="17" name="ZoneTexte 16"/>
-                            <p:cNvSpPr txBox="1"/>
-                            <p:nvPr/>
-                          </p:nvSpPr>
-                          <p:spPr>
-                            <a:xfrm>
-                              <a:off x="2677057" y="6563638"/>
-                              <a:ext cx="2124215" cy="307777"/>
-                            </a:xfrm>
-                            <a:prstGeom prst="rect">
-                              <a:avLst/>
-                            </a:prstGeom>
-                            <a:noFill/>
-                          </p:spPr>
-                          <p:txBody>
-                            <a:bodyPr wrap="square" rtlCol="0">
-                              <a:spAutoFit/>
-                            </a:bodyPr>
-                            <a:lstStyle/>
-                            <a:p>
-                              <a:pPr algn="ctr"/>
-                              <a:r>
-                                <a:rPr lang="fr-FR" sz="1400" b="1" dirty="0" smtClean="0">
-                                  <a:latin typeface="Arial" panose="020B0604020202020204" pitchFamily="34" charset="0"/>
-                                  <a:cs typeface="Arial" panose="020B0604020202020204" pitchFamily="34" charset="0"/>
-                                </a:rPr>
-                                <a:t>Central Indo-Pacific</a:t>
-                              </a:r>
-                              <a:endParaRPr lang="fr-FR" sz="1400" b="1" dirty="0">
-                                <a:latin typeface="Arial" panose="020B0604020202020204" pitchFamily="34" charset="0"/>
-                                <a:cs typeface="Arial" panose="020B0604020202020204" pitchFamily="34" charset="0"/>
-                              </a:endParaRPr>
-                            </a:p>
-                          </p:txBody>
-                        </p:sp>
-                        <p:sp>
-                          <p:nvSpPr>
-                            <p:cNvPr id="18" name="ZoneTexte 17"/>
-                            <p:cNvSpPr txBox="1"/>
-                            <p:nvPr/>
-                          </p:nvSpPr>
-                          <p:spPr>
-                            <a:xfrm>
-                              <a:off x="4813796" y="6563638"/>
-                              <a:ext cx="2199508" cy="307777"/>
-                            </a:xfrm>
-                            <a:prstGeom prst="rect">
-                              <a:avLst/>
-                            </a:prstGeom>
-                            <a:noFill/>
-                          </p:spPr>
-                          <p:txBody>
-                            <a:bodyPr wrap="square" rtlCol="0">
-                              <a:spAutoFit/>
-                            </a:bodyPr>
-                            <a:lstStyle/>
-                            <a:p>
-                              <a:pPr algn="ctr"/>
-                              <a:r>
-                                <a:rPr lang="fr-FR" sz="1400" b="1" dirty="0" smtClean="0">
-                                  <a:latin typeface="Arial" panose="020B0604020202020204" pitchFamily="34" charset="0"/>
-                                  <a:cs typeface="Arial" panose="020B0604020202020204" pitchFamily="34" charset="0"/>
-                                </a:rPr>
-                                <a:t>South-West Pacific</a:t>
-                              </a:r>
-                              <a:endParaRPr lang="fr-FR" sz="1400" b="1" dirty="0">
-                                <a:latin typeface="Arial" panose="020B0604020202020204" pitchFamily="34" charset="0"/>
-                                <a:cs typeface="Arial" panose="020B0604020202020204" pitchFamily="34" charset="0"/>
-                              </a:endParaRPr>
-                            </a:p>
-                          </p:txBody>
-                        </p:sp>
-                        <p:sp>
-                          <p:nvSpPr>
-                            <p:cNvPr id="19" name="ZoneTexte 18"/>
-                            <p:cNvSpPr txBox="1"/>
-                            <p:nvPr/>
-                          </p:nvSpPr>
-                          <p:spPr>
-                            <a:xfrm>
-                              <a:off x="7046880" y="6563638"/>
-                              <a:ext cx="2124215" cy="307777"/>
-                            </a:xfrm>
-                            <a:prstGeom prst="rect">
-                              <a:avLst/>
-                            </a:prstGeom>
-                            <a:noFill/>
-                          </p:spPr>
-                          <p:txBody>
-                            <a:bodyPr wrap="square" rtlCol="0">
-                              <a:spAutoFit/>
-                            </a:bodyPr>
-                            <a:lstStyle/>
-                            <a:p>
-                              <a:pPr algn="ctr"/>
-                              <a:r>
-                                <a:rPr lang="fr-FR" sz="1400" b="1" dirty="0" smtClean="0">
-                                  <a:latin typeface="Arial" panose="020B0604020202020204" pitchFamily="34" charset="0"/>
-                                  <a:cs typeface="Arial" panose="020B0604020202020204" pitchFamily="34" charset="0"/>
-                                </a:rPr>
-                                <a:t>Central Pacific</a:t>
-                              </a:r>
-                              <a:endParaRPr lang="fr-FR" sz="1400" b="1" dirty="0">
-                                <a:latin typeface="Arial" panose="020B0604020202020204" pitchFamily="34" charset="0"/>
-                                <a:cs typeface="Arial" panose="020B0604020202020204" pitchFamily="34" charset="0"/>
-                              </a:endParaRPr>
-                            </a:p>
-                          </p:txBody>
-                        </p:sp>
-                        <p:sp>
-                          <p:nvSpPr>
-                            <p:cNvPr id="20" name="ZoneTexte 19"/>
-                            <p:cNvSpPr txBox="1"/>
-                            <p:nvPr/>
-                          </p:nvSpPr>
-                          <p:spPr>
-                            <a:xfrm>
-                              <a:off x="9204671" y="6563637"/>
-                              <a:ext cx="2124215" cy="307777"/>
-                            </a:xfrm>
-                            <a:prstGeom prst="rect">
-                              <a:avLst/>
-                            </a:prstGeom>
-                            <a:noFill/>
-                          </p:spPr>
-                          <p:txBody>
-                            <a:bodyPr wrap="square" rtlCol="0">
-                              <a:spAutoFit/>
-                            </a:bodyPr>
-                            <a:lstStyle/>
-                            <a:p>
-                              <a:pPr algn="ctr"/>
-                              <a:r>
-                                <a:rPr lang="fr-FR" sz="1400" b="1" dirty="0" smtClean="0">
-                                  <a:latin typeface="Arial" panose="020B0604020202020204" pitchFamily="34" charset="0"/>
-                                  <a:cs typeface="Arial" panose="020B0604020202020204" pitchFamily="34" charset="0"/>
-                                </a:rPr>
-                                <a:t>Caribbean</a:t>
-                              </a:r>
-                              <a:endParaRPr lang="fr-FR" sz="1400" b="1" dirty="0">
-                                <a:latin typeface="Arial" panose="020B0604020202020204" pitchFamily="34" charset="0"/>
-                                <a:cs typeface="Arial" panose="020B0604020202020204" pitchFamily="34" charset="0"/>
-                              </a:endParaRPr>
-                            </a:p>
-                          </p:txBody>
-                        </p:sp>
-                      </p:grpSp>
-                      <p:sp>
-                        <p:nvSpPr>
-                          <p:cNvPr id="22" name="ZoneTexte 21"/>
-                          <p:cNvSpPr txBox="1"/>
-                          <p:nvPr/>
-                        </p:nvSpPr>
-                        <p:spPr>
-                          <a:xfrm>
-                            <a:off x="551119" y="8362293"/>
-                            <a:ext cx="2125937" cy="461665"/>
-                          </a:xfrm>
-                          <a:prstGeom prst="rect">
-                            <a:avLst/>
-                          </a:prstGeom>
-                          <a:noFill/>
-                        </p:spPr>
-                        <p:txBody>
-                          <a:bodyPr wrap="square" rtlCol="0">
-                            <a:spAutoFit/>
-                          </a:bodyPr>
-                          <a:lstStyle/>
-                          <a:p>
-                            <a:pPr algn="ctr"/>
-                            <a:r>
-                              <a:rPr lang="fr-FR" sz="1200" i="1" dirty="0" smtClean="0">
-                                <a:latin typeface="Arial" panose="020B0604020202020204" pitchFamily="34" charset="0"/>
-                                <a:cs typeface="Arial" panose="020B0604020202020204" pitchFamily="34" charset="0"/>
-                              </a:rPr>
-                              <a:t>4 sites</a:t>
-                            </a:r>
-                          </a:p>
-                          <a:p>
-                            <a:pPr algn="ctr"/>
-                            <a:r>
-                              <a:rPr lang="fr-FR" sz="1200" i="1" dirty="0" smtClean="0">
-                                <a:latin typeface="Arial" panose="020B0604020202020204" pitchFamily="34" charset="0"/>
-                                <a:cs typeface="Arial" panose="020B0604020202020204" pitchFamily="34" charset="0"/>
-                              </a:rPr>
-                              <a:t>16 stations</a:t>
-                            </a:r>
-                            <a:endParaRPr lang="fr-FR" sz="1200" i="1" dirty="0">
-                              <a:latin typeface="Arial" panose="020B0604020202020204" pitchFamily="34" charset="0"/>
-                              <a:cs typeface="Arial" panose="020B0604020202020204" pitchFamily="34" charset="0"/>
-                            </a:endParaRPr>
-                          </a:p>
-                        </p:txBody>
-                      </p:sp>
-                      <p:sp>
-                        <p:nvSpPr>
-                          <p:cNvPr id="23" name="ZoneTexte 22"/>
-                          <p:cNvSpPr txBox="1"/>
-                          <p:nvPr/>
-                        </p:nvSpPr>
-                        <p:spPr>
-                          <a:xfrm>
-                            <a:off x="2675335" y="8362293"/>
-                            <a:ext cx="2125937" cy="461665"/>
-                          </a:xfrm>
-                          <a:prstGeom prst="rect">
-                            <a:avLst/>
-                          </a:prstGeom>
-                          <a:noFill/>
-                        </p:spPr>
-                        <p:txBody>
-                          <a:bodyPr wrap="square" rtlCol="0">
-                            <a:spAutoFit/>
-                          </a:bodyPr>
-                          <a:lstStyle/>
-                          <a:p>
-                            <a:pPr algn="ctr"/>
-                            <a:r>
-                              <a:rPr lang="fr-FR" sz="1200" i="1" dirty="0" smtClean="0">
-                                <a:latin typeface="Arial" panose="020B0604020202020204" pitchFamily="34" charset="0"/>
-                                <a:cs typeface="Arial" panose="020B0604020202020204" pitchFamily="34" charset="0"/>
-                              </a:rPr>
-                              <a:t>11 sites</a:t>
-                            </a:r>
-                          </a:p>
-                          <a:p>
-                            <a:pPr algn="ctr"/>
-                            <a:r>
-                              <a:rPr lang="fr-FR" sz="1200" i="1" dirty="0" smtClean="0">
-                                <a:latin typeface="Arial" panose="020B0604020202020204" pitchFamily="34" charset="0"/>
-                                <a:cs typeface="Arial" panose="020B0604020202020204" pitchFamily="34" charset="0"/>
-                              </a:rPr>
-                              <a:t>46 stations</a:t>
-                            </a:r>
-                            <a:endParaRPr lang="fr-FR" sz="1200" i="1" dirty="0">
-                              <a:latin typeface="Arial" panose="020B0604020202020204" pitchFamily="34" charset="0"/>
-                              <a:cs typeface="Arial" panose="020B0604020202020204" pitchFamily="34" charset="0"/>
-                            </a:endParaRPr>
-                          </a:p>
-                        </p:txBody>
-                      </p:sp>
-                      <p:sp>
-                        <p:nvSpPr>
-                          <p:cNvPr id="24" name="ZoneTexte 23"/>
-                          <p:cNvSpPr txBox="1"/>
-                          <p:nvPr/>
-                        </p:nvSpPr>
-                        <p:spPr>
-                          <a:xfrm>
-                            <a:off x="4887367" y="8362292"/>
-                            <a:ext cx="2125937" cy="461665"/>
-                          </a:xfrm>
-                          <a:prstGeom prst="rect">
-                            <a:avLst/>
-                          </a:prstGeom>
-                          <a:noFill/>
-                        </p:spPr>
-                        <p:txBody>
-                          <a:bodyPr wrap="square" rtlCol="0">
-                            <a:spAutoFit/>
-                          </a:bodyPr>
-                          <a:lstStyle/>
-                          <a:p>
-                            <a:pPr algn="ctr"/>
-                            <a:r>
-                              <a:rPr lang="fr-FR" sz="1200" i="1" dirty="0">
-                                <a:latin typeface="Arial" panose="020B0604020202020204" pitchFamily="34" charset="0"/>
-                                <a:cs typeface="Arial" panose="020B0604020202020204" pitchFamily="34" charset="0"/>
-                              </a:rPr>
-                              <a:t>6</a:t>
-                            </a:r>
-                            <a:r>
-                              <a:rPr lang="fr-FR" sz="1200" i="1" dirty="0" smtClean="0">
-                                <a:latin typeface="Arial" panose="020B0604020202020204" pitchFamily="34" charset="0"/>
-                                <a:cs typeface="Arial" panose="020B0604020202020204" pitchFamily="34" charset="0"/>
-                              </a:rPr>
-                              <a:t> sites</a:t>
-                            </a:r>
-                          </a:p>
-                          <a:p>
-                            <a:pPr algn="ctr"/>
-                            <a:r>
-                              <a:rPr lang="fr-FR" sz="1200" i="1" dirty="0" smtClean="0">
-                                <a:latin typeface="Arial" panose="020B0604020202020204" pitchFamily="34" charset="0"/>
-                                <a:cs typeface="Arial" panose="020B0604020202020204" pitchFamily="34" charset="0"/>
-                              </a:rPr>
-                              <a:t>48 stations</a:t>
-                            </a:r>
-                            <a:endParaRPr lang="fr-FR" sz="1200" i="1" dirty="0">
-                              <a:latin typeface="Arial" panose="020B0604020202020204" pitchFamily="34" charset="0"/>
-                              <a:cs typeface="Arial" panose="020B0604020202020204" pitchFamily="34" charset="0"/>
-                            </a:endParaRPr>
-                          </a:p>
-                        </p:txBody>
-                      </p:sp>
-                      <p:sp>
-                        <p:nvSpPr>
-                          <p:cNvPr id="25" name="ZoneTexte 24"/>
-                          <p:cNvSpPr txBox="1"/>
-                          <p:nvPr/>
-                        </p:nvSpPr>
-                        <p:spPr>
-                          <a:xfrm>
-                            <a:off x="7107925" y="8362457"/>
-                            <a:ext cx="2125937" cy="461665"/>
-                          </a:xfrm>
-                          <a:prstGeom prst="rect">
-                            <a:avLst/>
-                          </a:prstGeom>
-                          <a:noFill/>
-                        </p:spPr>
-                        <p:txBody>
-                          <a:bodyPr wrap="square" rtlCol="0">
-                            <a:spAutoFit/>
-                          </a:bodyPr>
-                          <a:lstStyle/>
-                          <a:p>
-                            <a:pPr algn="ctr"/>
-                            <a:r>
-                              <a:rPr lang="fr-FR" sz="1200" i="1" dirty="0">
-                                <a:latin typeface="Arial" panose="020B0604020202020204" pitchFamily="34" charset="0"/>
-                                <a:cs typeface="Arial" panose="020B0604020202020204" pitchFamily="34" charset="0"/>
-                              </a:rPr>
-                              <a:t>1</a:t>
-                            </a:r>
-                            <a:r>
-                              <a:rPr lang="fr-FR" sz="1200" i="1" dirty="0" smtClean="0">
-                                <a:latin typeface="Arial" panose="020B0604020202020204" pitchFamily="34" charset="0"/>
-                                <a:cs typeface="Arial" panose="020B0604020202020204" pitchFamily="34" charset="0"/>
-                              </a:rPr>
-                              <a:t> site</a:t>
-                            </a:r>
-                          </a:p>
-                          <a:p>
-                            <a:pPr algn="ctr"/>
-                            <a:r>
-                              <a:rPr lang="fr-FR" sz="1200" i="1" dirty="0">
-                                <a:latin typeface="Arial" panose="020B0604020202020204" pitchFamily="34" charset="0"/>
-                                <a:cs typeface="Arial" panose="020B0604020202020204" pitchFamily="34" charset="0"/>
-                              </a:rPr>
-                              <a:t>4</a:t>
-                            </a:r>
-                            <a:r>
-                              <a:rPr lang="fr-FR" sz="1200" i="1" dirty="0" smtClean="0">
-                                <a:latin typeface="Arial" panose="020B0604020202020204" pitchFamily="34" charset="0"/>
-                                <a:cs typeface="Arial" panose="020B0604020202020204" pitchFamily="34" charset="0"/>
-                              </a:rPr>
-                              <a:t> stations</a:t>
-                            </a:r>
-                            <a:endParaRPr lang="fr-FR" sz="1200" i="1" dirty="0">
-                              <a:latin typeface="Arial" panose="020B0604020202020204" pitchFamily="34" charset="0"/>
-                              <a:cs typeface="Arial" panose="020B0604020202020204" pitchFamily="34" charset="0"/>
-                            </a:endParaRPr>
-                          </a:p>
-                        </p:txBody>
-                      </p:sp>
-                      <p:sp>
-                        <p:nvSpPr>
-                          <p:cNvPr id="26" name="ZoneTexte 25"/>
-                          <p:cNvSpPr txBox="1"/>
-                          <p:nvPr/>
-                        </p:nvSpPr>
-                        <p:spPr>
-                          <a:xfrm>
-                            <a:off x="9240664" y="8362292"/>
-                            <a:ext cx="2125937" cy="461665"/>
-                          </a:xfrm>
-                          <a:prstGeom prst="rect">
-                            <a:avLst/>
-                          </a:prstGeom>
-                          <a:noFill/>
-                        </p:spPr>
-                        <p:txBody>
-                          <a:bodyPr wrap="square" rtlCol="0">
-                            <a:spAutoFit/>
-                          </a:bodyPr>
-                          <a:lstStyle/>
-                          <a:p>
-                            <a:pPr algn="ctr"/>
-                            <a:r>
-                              <a:rPr lang="fr-FR" sz="1200" i="1" dirty="0">
-                                <a:latin typeface="Arial" panose="020B0604020202020204" pitchFamily="34" charset="0"/>
-                                <a:cs typeface="Arial" panose="020B0604020202020204" pitchFamily="34" charset="0"/>
-                              </a:rPr>
-                              <a:t>3</a:t>
-                            </a:r>
-                            <a:r>
-                              <a:rPr lang="fr-FR" sz="1200" i="1" dirty="0" smtClean="0">
-                                <a:latin typeface="Arial" panose="020B0604020202020204" pitchFamily="34" charset="0"/>
-                                <a:cs typeface="Arial" panose="020B0604020202020204" pitchFamily="34" charset="0"/>
-                              </a:rPr>
-                              <a:t> sites</a:t>
-                            </a:r>
-                          </a:p>
-                          <a:p>
-                            <a:pPr algn="ctr"/>
-                            <a:r>
-                              <a:rPr lang="fr-FR" sz="1200" i="1" dirty="0" smtClean="0">
-                                <a:latin typeface="Arial" panose="020B0604020202020204" pitchFamily="34" charset="0"/>
-                                <a:cs typeface="Arial" panose="020B0604020202020204" pitchFamily="34" charset="0"/>
-                              </a:rPr>
-                              <a:t>31 stations</a:t>
-                            </a:r>
-                            <a:endParaRPr lang="fr-FR" sz="1200" i="1" dirty="0">
-                              <a:latin typeface="Arial" panose="020B0604020202020204" pitchFamily="34" charset="0"/>
-                              <a:cs typeface="Arial" panose="020B0604020202020204" pitchFamily="34" charset="0"/>
-                            </a:endParaRPr>
-                          </a:p>
-                        </p:txBody>
-                      </p:sp>
-                    </p:grpSp>
-                    <p:sp>
-                      <p:nvSpPr>
-                        <p:cNvPr id="29" name="ZoneTexte 28"/>
-                        <p:cNvSpPr txBox="1"/>
-                        <p:nvPr/>
-                      </p:nvSpPr>
-                      <p:spPr>
-                        <a:xfrm>
-                          <a:off x="11164876" y="8641717"/>
-                          <a:ext cx="262770" cy="338554"/>
-                        </a:xfrm>
-                        <a:prstGeom prst="rect">
-                          <a:avLst/>
-                        </a:prstGeom>
-                        <a:noFill/>
-                      </p:spPr>
-                      <p:txBody>
-                        <a:bodyPr wrap="square" rtlCol="0">
-                          <a:spAutoFit/>
-                        </a:bodyPr>
-                        <a:lstStyle/>
-                        <a:p>
-                          <a:r>
-                            <a:rPr lang="el-GR" sz="1600" b="1" i="1" dirty="0" smtClean="0">
-                              <a:latin typeface="Arial" panose="020B0604020202020204" pitchFamily="34" charset="0"/>
-                              <a:cs typeface="Arial" panose="020B0604020202020204" pitchFamily="34" charset="0"/>
+                <a:pPr/>
+                <a14:m>
+                  <m:oMathPara xmlns:m="http://schemas.openxmlformats.org/officeDocument/2006/math">
+                    <m:oMathParaPr>
+                      <m:jc m:val="centerGroup"/>
+                    </m:oMathParaPr>
+                    <m:oMath xmlns:m="http://schemas.openxmlformats.org/officeDocument/2006/math">
+                      <m:sSub>
+                        <m:sSubPr>
+                          <m:ctrlPr>
+                            <a:rPr lang="fr-FR" sz="1600" b="1" i="1" smtClean="0">
+                              <a:latin typeface="Cambria Math" panose="02040503050406030204" pitchFamily="18" charset="0"/>
                             </a:rPr>
-                            <a:t>γ</a:t>
-                          </a:r>
-                          <a:endParaRPr lang="fr-FR" sz="1600" b="1" i="1" dirty="0">
-                            <a:latin typeface="Arial" panose="020B0604020202020204" pitchFamily="34" charset="0"/>
-                            <a:cs typeface="Arial" panose="020B0604020202020204" pitchFamily="34" charset="0"/>
-                          </a:endParaRPr>
-                        </a:p>
-                      </p:txBody>
-                    </p:sp>
-                    <mc:AlternateContent xmlns:mc="http://schemas.openxmlformats.org/markup-compatibility/2006" xmlns:a14="http://schemas.microsoft.com/office/drawing/2010/main">
-                      <mc:Choice Requires="a14">
-                        <p:sp>
-                          <p:nvSpPr>
-                            <p:cNvPr id="30" name="ZoneTexte 29"/>
-                            <p:cNvSpPr txBox="1"/>
-                            <p:nvPr/>
-                          </p:nvSpPr>
-                          <p:spPr>
-                            <a:xfrm>
-                              <a:off x="8385328" y="9157981"/>
-                              <a:ext cx="399658" cy="338554"/>
-                            </a:xfrm>
-                            <a:prstGeom prst="rect">
-                              <a:avLst/>
-                            </a:prstGeom>
-                            <a:noFill/>
-                          </p:spPr>
-                          <p:txBody>
-                            <a:bodyPr wrap="square" rtlCol="0">
-                              <a:spAutoFit/>
-                            </a:bodyPr>
-                            <a:lstStyle/>
-                            <a:p>
-                              <a:pPr/>
-                              <a14:m>
-                                <m:oMathPara xmlns:m="http://schemas.openxmlformats.org/officeDocument/2006/math">
-                                  <m:oMathParaPr>
-                                    <m:jc m:val="centerGroup"/>
-                                  </m:oMathParaPr>
-                                  <m:oMath xmlns:m="http://schemas.openxmlformats.org/officeDocument/2006/math">
-                                    <m:sSub>
-                                      <m:sSubPr>
-                                        <m:ctrlPr>
-                                          <a:rPr lang="fr-FR" sz="1600" b="1" i="1" smtClean="0">
-                                            <a:latin typeface="Cambria Math" panose="02040503050406030204" pitchFamily="18" charset="0"/>
-                                          </a:rPr>
-                                        </m:ctrlPr>
-                                      </m:sSubPr>
-                                      <m:e>
-                                        <m:r>
-                                          <a:rPr lang="fr-FR" sz="1600" b="1" i="1" smtClean="0">
-                                            <a:latin typeface="Cambria Math" panose="02040503050406030204" pitchFamily="18" charset="0"/>
-                                            <a:ea typeface="Cambria Math" panose="02040503050406030204" pitchFamily="18" charset="0"/>
-                                          </a:rPr>
-                                          <m:t>𝜷</m:t>
-                                        </m:r>
-                                      </m:e>
-                                      <m:sub>
-                                        <m:r>
-                                          <a:rPr lang="fr-FR" sz="1600" b="1" i="1" smtClean="0">
-                                            <a:latin typeface="Cambria Math" panose="02040503050406030204" pitchFamily="18" charset="0"/>
-                                          </a:rPr>
-                                          <m:t>𝒓</m:t>
-                                        </m:r>
-                                      </m:sub>
-                                    </m:sSub>
-                                  </m:oMath>
-                                </m:oMathPara>
-                              </a14:m>
-                              <a:endParaRPr lang="fr-FR" sz="1600" b="1" dirty="0">
-                                <a:latin typeface="Arial" panose="020B0604020202020204" pitchFamily="34" charset="0"/>
-                                <a:cs typeface="Arial" panose="020B0604020202020204" pitchFamily="34" charset="0"/>
-                              </a:endParaRPr>
-                            </a:p>
-                          </p:txBody>
-                        </p:sp>
-                      </mc:Choice>
-                      <mc:Fallback xmlns="">
-                        <p:sp>
-                          <p:nvSpPr>
-                            <p:cNvPr id="30" name="ZoneTexte 29"/>
-                            <p:cNvSpPr txBox="1">
-                              <a:spLocks noRot="1" noChangeAspect="1" noMove="1" noResize="1" noEditPoints="1" noAdjustHandles="1" noChangeArrowheads="1" noChangeShapeType="1" noTextEdit="1"/>
-                            </p:cNvSpPr>
-                            <p:nvPr/>
-                          </p:nvSpPr>
-                          <p:spPr>
-                            <a:xfrm>
-                              <a:off x="8385328" y="9157981"/>
-                              <a:ext cx="399658" cy="338554"/>
-                            </a:xfrm>
-                            <a:prstGeom prst="rect">
-                              <a:avLst/>
-                            </a:prstGeom>
-                            <a:blipFill>
-                              <a:blip r:embed="rId8"/>
-                              <a:stretch>
-                                <a:fillRect l="-1563" b="-10714"/>
-                              </a:stretch>
-                            </a:blipFill>
-                          </p:spPr>
-                          <p:txBody>
-                            <a:bodyPr/>
-                            <a:lstStyle/>
-                            <a:p>
-                              <a:r>
-                                <a:rPr lang="fr-FR">
-                                  <a:noFill/>
-                                </a:rPr>
-                                <a:t> </a:t>
-                              </a:r>
-                            </a:p>
-                          </p:txBody>
-                        </p:sp>
-                      </mc:Fallback>
-                    </mc:AlternateContent>
-                    <mc:AlternateContent xmlns:mc="http://schemas.openxmlformats.org/markup-compatibility/2006" xmlns:a14="http://schemas.microsoft.com/office/drawing/2010/main">
-                      <mc:Choice Requires="a14">
-                        <p:sp>
-                          <p:nvSpPr>
-                            <p:cNvPr id="31" name="ZoneTexte 30"/>
-                            <p:cNvSpPr txBox="1"/>
-                            <p:nvPr/>
-                          </p:nvSpPr>
-                          <p:spPr>
-                            <a:xfrm>
-                              <a:off x="1900316" y="9828062"/>
-                              <a:ext cx="399658" cy="344133"/>
-                            </a:xfrm>
-                            <a:prstGeom prst="rect">
-                              <a:avLst/>
-                            </a:prstGeom>
-                            <a:noFill/>
-                          </p:spPr>
-                          <p:txBody>
-                            <a:bodyPr wrap="square" rtlCol="0">
-                              <a:spAutoFit/>
-                            </a:bodyPr>
-                            <a:lstStyle/>
-                            <a:p>
-                              <a:pPr/>
-                              <a14:m>
-                                <m:oMathPara xmlns:m="http://schemas.openxmlformats.org/officeDocument/2006/math">
-                                  <m:oMathParaPr>
-                                    <m:jc m:val="centerGroup"/>
-                                  </m:oMathParaPr>
-                                  <m:oMath xmlns:m="http://schemas.openxmlformats.org/officeDocument/2006/math">
-                                    <m:sSub>
-                                      <m:sSubPr>
-                                        <m:ctrlPr>
-                                          <a:rPr lang="fr-FR" sz="1600" b="1" i="1" smtClean="0">
-                                            <a:latin typeface="Cambria Math" panose="02040503050406030204" pitchFamily="18" charset="0"/>
-                                          </a:rPr>
-                                        </m:ctrlPr>
-                                      </m:sSubPr>
-                                      <m:e>
-                                        <m:acc>
-                                          <m:accPr>
-                                            <m:chr m:val="̅"/>
-                                            <m:ctrlPr>
-                                              <a:rPr lang="fr-FR" sz="1600" b="1" i="1" smtClean="0">
-                                                <a:latin typeface="Cambria Math" panose="02040503050406030204" pitchFamily="18" charset="0"/>
-                                              </a:rPr>
-                                            </m:ctrlPr>
-                                          </m:accPr>
-                                          <m:e>
-                                            <m:r>
-                                              <a:rPr lang="fr-FR" sz="1600" b="1" i="1">
-                                                <a:latin typeface="Cambria Math" panose="02040503050406030204" pitchFamily="18" charset="0"/>
-                                                <a:ea typeface="Cambria Math" panose="02040503050406030204" pitchFamily="18" charset="0"/>
-                                              </a:rPr>
-                                              <m:t>𝜷</m:t>
-                                            </m:r>
-                                          </m:e>
-                                        </m:acc>
-                                      </m:e>
-                                      <m:sub>
-                                        <m:r>
-                                          <a:rPr lang="fr-FR" sz="1600" b="1" i="1" smtClean="0">
-                                            <a:latin typeface="Cambria Math" panose="02040503050406030204" pitchFamily="18" charset="0"/>
-                                          </a:rPr>
-                                          <m:t>𝒔</m:t>
-                                        </m:r>
-                                      </m:sub>
-                                    </m:sSub>
-                                  </m:oMath>
-                                </m:oMathPara>
-                              </a14:m>
-                              <a:endParaRPr lang="fr-FR" sz="1600" b="1" dirty="0">
-                                <a:latin typeface="Arial" panose="020B0604020202020204" pitchFamily="34" charset="0"/>
-                                <a:cs typeface="Arial" panose="020B0604020202020204" pitchFamily="34" charset="0"/>
-                              </a:endParaRPr>
-                            </a:p>
-                          </p:txBody>
-                        </p:sp>
-                      </mc:Choice>
-                      <mc:Fallback xmlns="">
-                        <p:sp>
-                          <p:nvSpPr>
-                            <p:cNvPr id="31" name="ZoneTexte 30"/>
-                            <p:cNvSpPr txBox="1">
-                              <a:spLocks noRot="1" noChangeAspect="1" noMove="1" noResize="1" noEditPoints="1" noAdjustHandles="1" noChangeArrowheads="1" noChangeShapeType="1" noTextEdit="1"/>
-                            </p:cNvSpPr>
-                            <p:nvPr/>
-                          </p:nvSpPr>
-                          <p:spPr>
-                            <a:xfrm>
-                              <a:off x="1900316" y="9828062"/>
-                              <a:ext cx="399658" cy="344133"/>
-                            </a:xfrm>
-                            <a:prstGeom prst="rect">
-                              <a:avLst/>
-                            </a:prstGeom>
-                            <a:blipFill>
-                              <a:blip r:embed="rId9"/>
-                              <a:stretch>
-                                <a:fillRect l="-1563" b="-10526"/>
-                              </a:stretch>
-                            </a:blipFill>
-                          </p:spPr>
-                          <p:txBody>
-                            <a:bodyPr/>
-                            <a:lstStyle/>
-                            <a:p>
-                              <a:r>
-                                <a:rPr lang="fr-FR">
-                                  <a:noFill/>
-                                </a:rPr>
-                                <a:t> </a:t>
-                              </a:r>
-                            </a:p>
-                          </p:txBody>
-                        </p:sp>
-                      </mc:Fallback>
-                    </mc:AlternateContent>
-                    <mc:AlternateContent xmlns:mc="http://schemas.openxmlformats.org/markup-compatibility/2006" xmlns:a14="http://schemas.microsoft.com/office/drawing/2010/main">
-                      <mc:Choice Requires="a14">
-                        <p:sp>
-                          <p:nvSpPr>
-                            <p:cNvPr id="32" name="ZoneTexte 31"/>
-                            <p:cNvSpPr txBox="1"/>
-                            <p:nvPr/>
-                          </p:nvSpPr>
-                          <p:spPr>
-                            <a:xfrm>
-                              <a:off x="1148228" y="10658312"/>
-                              <a:ext cx="399658" cy="344133"/>
-                            </a:xfrm>
-                            <a:prstGeom prst="rect">
-                              <a:avLst/>
-                            </a:prstGeom>
-                            <a:noFill/>
-                          </p:spPr>
-                          <p:txBody>
-                            <a:bodyPr wrap="square" rtlCol="0">
-                              <a:spAutoFit/>
-                            </a:bodyPr>
-                            <a:lstStyle/>
-                            <a:p>
-                              <a:pPr/>
-                              <a14:m>
-                                <m:oMathPara xmlns:m="http://schemas.openxmlformats.org/officeDocument/2006/math">
-                                  <m:oMathParaPr>
-                                    <m:jc m:val="centerGroup"/>
-                                  </m:oMathParaPr>
-                                  <m:oMath xmlns:m="http://schemas.openxmlformats.org/officeDocument/2006/math">
-                                    <m:sSub>
-                                      <m:sSubPr>
-                                        <m:ctrlPr>
-                                          <a:rPr lang="fr-FR" sz="1600" b="1" i="1" smtClean="0">
-                                            <a:latin typeface="Cambria Math" panose="02040503050406030204" pitchFamily="18" charset="0"/>
-                                          </a:rPr>
-                                        </m:ctrlPr>
-                                      </m:sSubPr>
-                                      <m:e>
-                                        <m:acc>
-                                          <m:accPr>
-                                            <m:chr m:val="̅"/>
-                                            <m:ctrlPr>
-                                              <a:rPr lang="fr-FR" sz="1600" b="1" i="1" smtClean="0">
-                                                <a:latin typeface="Cambria Math" panose="02040503050406030204" pitchFamily="18" charset="0"/>
-                                              </a:rPr>
-                                            </m:ctrlPr>
-                                          </m:accPr>
-                                          <m:e>
-                                            <m:r>
-                                              <a:rPr lang="fr-FR" sz="1600" b="1" i="1">
-                                                <a:latin typeface="Cambria Math" panose="02040503050406030204" pitchFamily="18" charset="0"/>
-                                                <a:ea typeface="Cambria Math" panose="02040503050406030204" pitchFamily="18" charset="0"/>
-                                              </a:rPr>
-                                              <m:t>𝜷</m:t>
-                                            </m:r>
-                                          </m:e>
-                                        </m:acc>
-                                      </m:e>
-                                      <m:sub>
-                                        <m:r>
-                                          <a:rPr lang="fr-FR" sz="1600" b="1" i="1" smtClean="0">
-                                            <a:latin typeface="Cambria Math" panose="02040503050406030204" pitchFamily="18" charset="0"/>
-                                          </a:rPr>
-                                          <m:t>𝒔𝒕</m:t>
-                                        </m:r>
-                                      </m:sub>
-                                    </m:sSub>
-                                  </m:oMath>
-                                </m:oMathPara>
-                              </a14:m>
-                              <a:endParaRPr lang="fr-FR" sz="1600" b="1" dirty="0">
-                                <a:latin typeface="Arial" panose="020B0604020202020204" pitchFamily="34" charset="0"/>
-                                <a:cs typeface="Arial" panose="020B0604020202020204" pitchFamily="34" charset="0"/>
-                              </a:endParaRPr>
-                            </a:p>
-                          </p:txBody>
-                        </p:sp>
-                      </mc:Choice>
-                      <mc:Fallback xmlns="">
-                        <p:sp>
-                          <p:nvSpPr>
-                            <p:cNvPr id="32" name="ZoneTexte 31"/>
-                            <p:cNvSpPr txBox="1">
-                              <a:spLocks noRot="1" noChangeAspect="1" noMove="1" noResize="1" noEditPoints="1" noAdjustHandles="1" noChangeArrowheads="1" noChangeShapeType="1" noTextEdit="1"/>
-                            </p:cNvSpPr>
-                            <p:nvPr/>
-                          </p:nvSpPr>
-                          <p:spPr>
-                            <a:xfrm>
-                              <a:off x="1148228" y="10658312"/>
-                              <a:ext cx="399658" cy="344133"/>
-                            </a:xfrm>
-                            <a:prstGeom prst="rect">
-                              <a:avLst/>
-                            </a:prstGeom>
-                            <a:blipFill>
-                              <a:blip r:embed="rId10"/>
-                              <a:stretch>
-                                <a:fillRect l="-1563" r="-6250" b="-10526"/>
-                              </a:stretch>
-                            </a:blipFill>
-                          </p:spPr>
-                          <p:txBody>
-                            <a:bodyPr/>
-                            <a:lstStyle/>
-                            <a:p>
-                              <a:r>
-                                <a:rPr lang="fr-FR">
-                                  <a:noFill/>
-                                </a:rPr>
-                                <a:t> </a:t>
-                              </a:r>
-                            </a:p>
-                          </p:txBody>
-                        </p:sp>
-                      </mc:Fallback>
-                    </mc:AlternateContent>
-                    <mc:AlternateContent xmlns:mc="http://schemas.openxmlformats.org/markup-compatibility/2006" xmlns:a14="http://schemas.microsoft.com/office/drawing/2010/main">
-                      <mc:Choice Requires="a14">
-                        <p:sp>
-                          <p:nvSpPr>
-                            <p:cNvPr id="33" name="ZoneTexte 32"/>
-                            <p:cNvSpPr txBox="1"/>
-                            <p:nvPr/>
-                          </p:nvSpPr>
-                          <p:spPr>
-                            <a:xfrm>
-                              <a:off x="868453" y="11544653"/>
-                              <a:ext cx="399658" cy="338554"/>
-                            </a:xfrm>
-                            <a:prstGeom prst="rect">
-                              <a:avLst/>
-                            </a:prstGeom>
-                            <a:noFill/>
-                          </p:spPr>
-                          <p:txBody>
-                            <a:bodyPr wrap="square" rtlCol="0">
-                              <a:spAutoFit/>
-                            </a:bodyPr>
-                            <a:lstStyle/>
-                            <a:p>
-                              <a:pPr/>
-                              <a14:m>
-                                <m:oMathPara xmlns:m="http://schemas.openxmlformats.org/officeDocument/2006/math">
-                                  <m:oMathParaPr>
-                                    <m:jc m:val="centerGroup"/>
-                                  </m:oMathParaPr>
-                                  <m:oMath xmlns:m="http://schemas.openxmlformats.org/officeDocument/2006/math">
-                                    <m:acc>
-                                      <m:accPr>
-                                        <m:chr m:val="̅"/>
-                                        <m:ctrlPr>
-                                          <a:rPr lang="fr-FR" sz="1600" b="1" i="1" smtClean="0">
-                                            <a:latin typeface="Cambria Math" panose="02040503050406030204" pitchFamily="18" charset="0"/>
-                                            <a:cs typeface="Arial" panose="020B0604020202020204" pitchFamily="34" charset="0"/>
-                                          </a:rPr>
-                                        </m:ctrlPr>
-                                      </m:accPr>
-                                      <m:e>
-                                        <m:r>
-                                          <a:rPr lang="fr-FR" sz="1600" b="1" i="1" smtClean="0">
-                                            <a:latin typeface="Cambria Math" panose="02040503050406030204" pitchFamily="18" charset="0"/>
-                                            <a:ea typeface="Cambria Math" panose="02040503050406030204" pitchFamily="18" charset="0"/>
-                                            <a:cs typeface="Arial" panose="020B0604020202020204" pitchFamily="34" charset="0"/>
-                                          </a:rPr>
-                                          <m:t>𝜶</m:t>
-                                        </m:r>
-                                      </m:e>
-                                    </m:acc>
-                                  </m:oMath>
-                                </m:oMathPara>
-                              </a14:m>
-                              <a:endParaRPr lang="fr-FR" sz="1600" b="1" dirty="0">
-                                <a:latin typeface="Arial" panose="020B0604020202020204" pitchFamily="34" charset="0"/>
-                                <a:cs typeface="Arial" panose="020B0604020202020204" pitchFamily="34" charset="0"/>
-                              </a:endParaRPr>
-                            </a:p>
-                          </p:txBody>
-                        </p:sp>
-                      </mc:Choice>
-                      <mc:Fallback xmlns="">
-                        <p:sp>
-                          <p:nvSpPr>
-                            <p:cNvPr id="33" name="ZoneTexte 32"/>
-                            <p:cNvSpPr txBox="1">
-                              <a:spLocks noRot="1" noChangeAspect="1" noMove="1" noResize="1" noEditPoints="1" noAdjustHandles="1" noChangeArrowheads="1" noChangeShapeType="1" noTextEdit="1"/>
-                            </p:cNvSpPr>
-                            <p:nvPr/>
-                          </p:nvSpPr>
-                          <p:spPr>
-                            <a:xfrm>
-                              <a:off x="868453" y="11544653"/>
-                              <a:ext cx="399658" cy="338554"/>
-                            </a:xfrm>
-                            <a:prstGeom prst="rect">
-                              <a:avLst/>
-                            </a:prstGeom>
-                            <a:blipFill>
-                              <a:blip r:embed="rId11"/>
-                              <a:stretch>
-                                <a:fillRect/>
-                              </a:stretch>
-                            </a:blipFill>
-                          </p:spPr>
-                          <p:txBody>
-                            <a:bodyPr/>
-                            <a:lstStyle/>
-                            <a:p>
-                              <a:r>
-                                <a:rPr lang="fr-FR">
-                                  <a:noFill/>
-                                </a:rPr>
-                                <a:t> </a:t>
-                              </a:r>
-                            </a:p>
-                          </p:txBody>
-                        </p:sp>
-                      </mc:Fallback>
-                    </mc:AlternateContent>
-                  </p:grpSp>
-                  <p:sp>
-                    <p:nvSpPr>
-                      <p:cNvPr id="35" name="ZoneTexte 34"/>
-                      <p:cNvSpPr txBox="1"/>
-                      <p:nvPr/>
-                    </p:nvSpPr>
-                    <p:spPr>
-                      <a:xfrm>
-                        <a:off x="490491" y="9592647"/>
-                        <a:ext cx="308397" cy="261610"/>
-                      </a:xfrm>
-                      <a:prstGeom prst="rect">
-                        <a:avLst/>
-                      </a:prstGeom>
-                      <a:noFill/>
-                    </p:spPr>
-                    <p:txBody>
-                      <a:bodyPr wrap="square" rtlCol="0">
-                        <a:spAutoFit/>
-                      </a:bodyPr>
-                      <a:lstStyle/>
-                      <a:p>
-                        <a:r>
-                          <a:rPr lang="fr-FR" sz="1100" dirty="0" smtClean="0">
-                            <a:latin typeface="Arial" panose="020B0604020202020204" pitchFamily="34" charset="0"/>
-                            <a:cs typeface="Arial" panose="020B0604020202020204" pitchFamily="34" charset="0"/>
-                          </a:rPr>
-                          <a:t>0</a:t>
-                        </a:r>
-                        <a:endParaRPr lang="fr-FR" sz="1100" dirty="0">
-                          <a:latin typeface="Arial" panose="020B0604020202020204" pitchFamily="34" charset="0"/>
-                          <a:cs typeface="Arial" panose="020B0604020202020204" pitchFamily="34" charset="0"/>
-                        </a:endParaRPr>
-                      </a:p>
-                    </p:txBody>
-                  </p:sp>
-                </p:grpSp>
-                <p:sp>
-                  <p:nvSpPr>
-                    <p:cNvPr id="36" name="ZoneTexte 35"/>
-                    <p:cNvSpPr txBox="1"/>
-                    <p:nvPr/>
-                  </p:nvSpPr>
-                  <p:spPr>
-                    <a:xfrm>
-                      <a:off x="479910" y="10555366"/>
-                      <a:ext cx="308397" cy="261610"/>
-                    </a:xfrm>
-                    <a:prstGeom prst="rect">
-                      <a:avLst/>
-                    </a:prstGeom>
-                    <a:noFill/>
-                  </p:spPr>
-                  <p:txBody>
-                    <a:bodyPr wrap="square" rtlCol="0">
-                      <a:spAutoFit/>
-                    </a:bodyPr>
-                    <a:lstStyle/>
-                    <a:p>
-                      <a:r>
-                        <a:rPr lang="fr-FR" sz="1100" dirty="0" smtClean="0">
-                          <a:latin typeface="Arial" panose="020B0604020202020204" pitchFamily="34" charset="0"/>
-                          <a:cs typeface="Arial" panose="020B0604020202020204" pitchFamily="34" charset="0"/>
-                        </a:rPr>
-                        <a:t>0</a:t>
-                      </a:r>
-                      <a:endParaRPr lang="fr-FR" sz="1100" dirty="0">
-                        <a:latin typeface="Arial" panose="020B0604020202020204" pitchFamily="34" charset="0"/>
-                        <a:cs typeface="Arial" panose="020B0604020202020204" pitchFamily="34" charset="0"/>
-                      </a:endParaRPr>
-                    </a:p>
-                  </p:txBody>
-                </p:sp>
-              </p:grpSp>
-              <p:sp>
-                <p:nvSpPr>
-                  <p:cNvPr id="37" name="ZoneTexte 36"/>
-                  <p:cNvSpPr txBox="1"/>
-                  <p:nvPr/>
-                </p:nvSpPr>
-                <p:spPr>
-                  <a:xfrm>
-                    <a:off x="490694" y="11407156"/>
-                    <a:ext cx="308397" cy="261610"/>
-                  </a:xfrm>
-                  <a:prstGeom prst="rect">
-                    <a:avLst/>
-                  </a:prstGeom>
-                  <a:noFill/>
-                </p:spPr>
-                <p:txBody>
-                  <a:bodyPr wrap="square" rtlCol="0">
-                    <a:spAutoFit/>
-                  </a:bodyPr>
-                  <a:lstStyle/>
-                  <a:p>
-                    <a:r>
-                      <a:rPr lang="fr-FR" sz="1100" dirty="0" smtClean="0">
-                        <a:latin typeface="Arial" panose="020B0604020202020204" pitchFamily="34" charset="0"/>
-                        <a:cs typeface="Arial" panose="020B0604020202020204" pitchFamily="34" charset="0"/>
-                      </a:rPr>
-                      <a:t>0</a:t>
-                    </a:r>
-                    <a:endParaRPr lang="fr-FR" sz="1100" dirty="0">
-                      <a:latin typeface="Arial" panose="020B0604020202020204" pitchFamily="34" charset="0"/>
-                      <a:cs typeface="Arial" panose="020B0604020202020204" pitchFamily="34" charset="0"/>
-                    </a:endParaRPr>
-                  </a:p>
-                </p:txBody>
-              </p:sp>
-              <p:sp>
-                <p:nvSpPr>
-                  <p:cNvPr id="38" name="ZoneTexte 37"/>
-                  <p:cNvSpPr txBox="1"/>
-                  <p:nvPr/>
-                </p:nvSpPr>
-                <p:spPr>
-                  <a:xfrm>
-                    <a:off x="490694" y="12232636"/>
-                    <a:ext cx="257498" cy="261610"/>
-                  </a:xfrm>
-                  <a:prstGeom prst="rect">
-                    <a:avLst/>
-                  </a:prstGeom>
-                  <a:noFill/>
-                </p:spPr>
-                <p:txBody>
-                  <a:bodyPr wrap="square" rtlCol="0">
-                    <a:spAutoFit/>
-                  </a:bodyPr>
-                  <a:lstStyle/>
-                  <a:p>
-                    <a:r>
-                      <a:rPr lang="fr-FR" sz="1100" dirty="0" smtClean="0">
-                        <a:latin typeface="Arial" panose="020B0604020202020204" pitchFamily="34" charset="0"/>
-                        <a:cs typeface="Arial" panose="020B0604020202020204" pitchFamily="34" charset="0"/>
-                      </a:rPr>
-                      <a:t>0</a:t>
-                    </a:r>
-                    <a:endParaRPr lang="fr-FR" sz="1100" dirty="0">
-                      <a:latin typeface="Arial" panose="020B0604020202020204" pitchFamily="34" charset="0"/>
-                      <a:cs typeface="Arial" panose="020B0604020202020204" pitchFamily="34" charset="0"/>
-                    </a:endParaRPr>
-                  </a:p>
-                </p:txBody>
-              </p:sp>
-            </p:grpSp>
-            <mc:AlternateContent xmlns:mc="http://schemas.openxmlformats.org/markup-compatibility/2006" xmlns:a14="http://schemas.microsoft.com/office/drawing/2010/main">
-              <mc:Choice Requires="a14">
-                <p:sp>
-                  <p:nvSpPr>
-                    <p:cNvPr id="49" name="ZoneTexte 48"/>
-                    <p:cNvSpPr txBox="1"/>
-                    <p:nvPr/>
-                  </p:nvSpPr>
-                  <p:spPr>
-                    <a:xfrm>
-                      <a:off x="9126222" y="9243720"/>
-                      <a:ext cx="2955632" cy="361894"/>
-                    </a:xfrm>
-                    <a:prstGeom prst="rect">
-                      <a:avLst/>
-                    </a:prstGeom>
-                    <a:noFill/>
-                  </p:spPr>
-                  <p:txBody>
-                    <a:bodyPr wrap="square" rtlCol="0">
-                      <a:spAutoFit/>
-                    </a:bodyPr>
-                    <a:lstStyle/>
-                    <a:p>
-                      <a14:m>
-                        <m:oMath xmlns:m="http://schemas.openxmlformats.org/officeDocument/2006/math">
-                          <m:sSub>
-                            <m:sSubPr>
+                          </m:ctrlPr>
+                        </m:sSubPr>
+                        <m:e>
+                          <m:acc>
+                            <m:accPr>
+                              <m:chr m:val="̅"/>
                               <m:ctrlPr>
                                 <a:rPr lang="fr-FR" sz="1600" b="1" i="1" smtClean="0">
                                   <a:latin typeface="Cambria Math" panose="02040503050406030204" pitchFamily="18" charset="0"/>
                                 </a:rPr>
                               </m:ctrlPr>
-                            </m:sSubPr>
+                            </m:accPr>
                             <m:e>
                               <m:r>
-                                <a:rPr lang="fr-FR" sz="1600" b="1" i="1" smtClean="0">
+                                <a:rPr lang="fr-FR" sz="1600" b="1" i="1">
                                   <a:latin typeface="Cambria Math" panose="02040503050406030204" pitchFamily="18" charset="0"/>
                                   <a:ea typeface="Cambria Math" panose="02040503050406030204" pitchFamily="18" charset="0"/>
                                 </a:rPr>
-                                <m:t>𝜸</m:t>
+                                <m:t>𝜷</m:t>
                               </m:r>
                             </m:e>
-                            <m:sub>
-                              <m:r>
-                                <a:rPr lang="fr-FR" sz="1600" b="1" i="1" smtClean="0">
-                                  <a:latin typeface="Cambria Math" panose="02040503050406030204" pitchFamily="18" charset="0"/>
-                                </a:rPr>
-                                <m:t>𝒈𝒍𝒐𝒃𝒂𝒍</m:t>
-                              </m:r>
-                            </m:sub>
-                          </m:sSub>
+                          </m:acc>
+                        </m:e>
+                        <m:sub>
                           <m:r>
                             <a:rPr lang="fr-FR" sz="1600" b="1" i="1" smtClean="0">
                               <a:latin typeface="Cambria Math" panose="02040503050406030204" pitchFamily="18" charset="0"/>
                             </a:rPr>
-                            <m:t>=</m:t>
+                            <m:t>𝒔</m:t>
                           </m:r>
-                          <m:r>
-                            <a:rPr lang="fr-FR" sz="1600" b="1" i="1" smtClean="0">
-                              <a:latin typeface="Cambria Math" panose="02040503050406030204" pitchFamily="18" charset="0"/>
-                            </a:rPr>
-                            <m:t>𝟏𝟎𝟎</m:t>
-                          </m:r>
-                          <m:r>
-                            <a:rPr lang="fr-FR" sz="1600" b="1" i="1" smtClean="0">
-                              <a:latin typeface="Cambria Math" panose="02040503050406030204" pitchFamily="18" charset="0"/>
-                            </a:rPr>
-                            <m:t> %</m:t>
-                          </m:r>
-                        </m:oMath>
-                      </a14:m>
-                      <a:r>
-                        <a:rPr lang="fr-FR" sz="1400" b="1" dirty="0" smtClean="0">
-                          <a:latin typeface="Arial" panose="020B0604020202020204" pitchFamily="34" charset="0"/>
-                          <a:cs typeface="Arial" panose="020B0604020202020204" pitchFamily="34" charset="0"/>
-                        </a:rPr>
-                        <a:t> (</a:t>
-                      </a:r>
-                      <a:r>
-                        <a:rPr lang="fr-FR" sz="1400" b="1" dirty="0">
-                          <a:latin typeface="Arial" panose="020B0604020202020204" pitchFamily="34" charset="0"/>
-                          <a:cs typeface="Arial" panose="020B0604020202020204" pitchFamily="34" charset="0"/>
-                        </a:rPr>
-                        <a:t>2160 </a:t>
-                      </a:r>
-                      <a:r>
-                        <a:rPr lang="fr-FR" sz="1400" b="1" dirty="0" smtClean="0">
-                          <a:latin typeface="Arial" panose="020B0604020202020204" pitchFamily="34" charset="0"/>
-                          <a:cs typeface="Arial" panose="020B0604020202020204" pitchFamily="34" charset="0"/>
-                        </a:rPr>
-                        <a:t>MOTUs)</a:t>
-                      </a:r>
-                    </a:p>
-                  </p:txBody>
-                </p:sp>
-              </mc:Choice>
-              <mc:Fallback xmlns="">
-                <p:sp>
-                  <p:nvSpPr>
-                    <p:cNvPr id="49" name="ZoneTexte 48"/>
-                    <p:cNvSpPr txBox="1">
-                      <a:spLocks noRot="1" noChangeAspect="1" noMove="1" noResize="1" noEditPoints="1" noAdjustHandles="1" noChangeArrowheads="1" noChangeShapeType="1" noTextEdit="1"/>
-                    </p:cNvSpPr>
-                    <p:nvPr/>
-                  </p:nvSpPr>
-                  <p:spPr>
-                    <a:xfrm>
-                      <a:off x="9126222" y="9243720"/>
-                      <a:ext cx="2955632" cy="361894"/>
-                    </a:xfrm>
-                    <a:prstGeom prst="rect">
-                      <a:avLst/>
-                    </a:prstGeom>
-                    <a:blipFill>
-                      <a:blip r:embed="rId12"/>
-                      <a:stretch>
-                        <a:fillRect b="-8333"/>
-                      </a:stretch>
-                    </a:blipFill>
-                  </p:spPr>
-                  <p:txBody>
-                    <a:bodyPr/>
-                    <a:lstStyle/>
-                    <a:p>
-                      <a:r>
-                        <a:rPr lang="fr-FR">
-                          <a:noFill/>
-                        </a:rPr>
-                        <a:t> </a:t>
-                      </a:r>
-                    </a:p>
-                  </p:txBody>
-                </p:sp>
-              </mc:Fallback>
-            </mc:AlternateContent>
-            <mc:AlternateContent xmlns:mc="http://schemas.openxmlformats.org/markup-compatibility/2006" xmlns:a14="http://schemas.microsoft.com/office/drawing/2010/main">
-              <mc:Choice Requires="a14">
-                <p:sp>
-                  <p:nvSpPr>
-                    <p:cNvPr id="50" name="ZoneTexte 49"/>
-                    <p:cNvSpPr txBox="1"/>
-                    <p:nvPr/>
-                  </p:nvSpPr>
-                  <p:spPr>
-                    <a:xfrm>
-                      <a:off x="9655379" y="9790646"/>
-                      <a:ext cx="2426474" cy="361894"/>
-                    </a:xfrm>
-                    <a:prstGeom prst="rect">
-                      <a:avLst/>
-                    </a:prstGeom>
-                    <a:noFill/>
-                  </p:spPr>
-                  <p:txBody>
-                    <a:bodyPr wrap="square" rtlCol="0">
-                      <a:spAutoFit/>
-                    </a:bodyPr>
-                    <a:lstStyle/>
-                    <a:p>
-                      <a:pPr algn="ctr"/>
-                      <a14:m>
-                        <m:oMathPara xmlns:m="http://schemas.openxmlformats.org/officeDocument/2006/math">
-                          <m:oMathParaPr>
-                            <m:jc m:val="left"/>
-                          </m:oMathParaPr>
-                          <m:oMath xmlns:m="http://schemas.openxmlformats.org/officeDocument/2006/math">
-                            <m:sSub>
-                              <m:sSubPr>
-                                <m:ctrlPr>
-                                  <a:rPr lang="fr-FR" sz="1600" b="1" i="1" smtClean="0">
-                                    <a:latin typeface="Cambria Math" panose="02040503050406030204" pitchFamily="18" charset="0"/>
-                                  </a:rPr>
-                                </m:ctrlPr>
-                              </m:sSubPr>
-                              <m:e>
-                                <m:r>
-                                  <a:rPr lang="fr-FR" sz="1600" b="1" i="1" smtClean="0">
-                                    <a:latin typeface="Cambria Math" panose="02040503050406030204" pitchFamily="18" charset="0"/>
-                                    <a:ea typeface="Cambria Math" panose="02040503050406030204" pitchFamily="18" charset="0"/>
-                                  </a:rPr>
-                                  <m:t>𝜷</m:t>
-                                </m:r>
-                              </m:e>
-                              <m:sub>
-                                <m:r>
-                                  <a:rPr lang="fr-FR" sz="1600" b="1" i="1" smtClean="0">
-                                    <a:latin typeface="Cambria Math" panose="02040503050406030204" pitchFamily="18" charset="0"/>
-                                  </a:rPr>
-                                  <m:t>𝒊𝒏𝒕𝒆𝒓</m:t>
-                                </m:r>
-                                <m:r>
-                                  <a:rPr lang="fr-FR" sz="1600" b="1" i="1" smtClean="0">
-                                    <a:latin typeface="Cambria Math" panose="02040503050406030204" pitchFamily="18" charset="0"/>
-                                  </a:rPr>
-                                  <m:t>−</m:t>
-                                </m:r>
-                                <m:r>
-                                  <a:rPr lang="fr-FR" sz="1600" b="1" i="1" smtClean="0">
-                                    <a:latin typeface="Cambria Math" panose="02040503050406030204" pitchFamily="18" charset="0"/>
-                                  </a:rPr>
-                                  <m:t>𝒓𝒆𝒈𝒊𝒐𝒏</m:t>
-                                </m:r>
-                              </m:sub>
-                            </m:sSub>
-                            <m:r>
-                              <a:rPr lang="fr-FR" sz="1600" b="1" i="1" smtClean="0">
-                                <a:latin typeface="Cambria Math" panose="02040503050406030204" pitchFamily="18" charset="0"/>
-                              </a:rPr>
-                              <m:t>=</m:t>
-                            </m:r>
-                            <m:r>
-                              <a:rPr lang="fr-FR" sz="1600" b="1" i="1" smtClean="0">
-                                <a:latin typeface="Cambria Math" panose="02040503050406030204" pitchFamily="18" charset="0"/>
-                              </a:rPr>
-                              <m:t>𝟕𝟒</m:t>
-                            </m:r>
-                            <m:r>
-                              <a:rPr lang="fr-FR" sz="1600" b="1" i="1" smtClean="0">
-                                <a:latin typeface="Cambria Math" panose="02040503050406030204" pitchFamily="18" charset="0"/>
-                              </a:rPr>
-                              <m:t>.</m:t>
-                            </m:r>
-                            <m:r>
-                              <a:rPr lang="fr-FR" sz="1600" b="1" i="1" smtClean="0">
-                                <a:latin typeface="Cambria Math" panose="02040503050406030204" pitchFamily="18" charset="0"/>
-                              </a:rPr>
-                              <m:t>𝟓</m:t>
-                            </m:r>
-                            <m:r>
-                              <a:rPr lang="fr-FR" sz="1600" b="1" i="1" smtClean="0">
-                                <a:latin typeface="Cambria Math" panose="02040503050406030204" pitchFamily="18" charset="0"/>
-                              </a:rPr>
-                              <m:t> %</m:t>
-                            </m:r>
-                          </m:oMath>
-                        </m:oMathPara>
-                      </a14:m>
-                      <a:endParaRPr lang="fr-FR" sz="1400" b="1" dirty="0" smtClean="0">
-                        <a:latin typeface="Arial" panose="020B0604020202020204" pitchFamily="34" charset="0"/>
-                        <a:cs typeface="Arial" panose="020B0604020202020204" pitchFamily="34" charset="0"/>
-                      </a:endParaRPr>
-                    </a:p>
-                  </p:txBody>
-                </p:sp>
-              </mc:Choice>
-              <mc:Fallback xmlns="">
-                <p:sp>
-                  <p:nvSpPr>
-                    <p:cNvPr id="50" name="ZoneTexte 49"/>
-                    <p:cNvSpPr txBox="1">
-                      <a:spLocks noRot="1" noChangeAspect="1" noMove="1" noResize="1" noEditPoints="1" noAdjustHandles="1" noChangeArrowheads="1" noChangeShapeType="1" noTextEdit="1"/>
-                    </p:cNvSpPr>
-                    <p:nvPr/>
-                  </p:nvSpPr>
-                  <p:spPr>
-                    <a:xfrm>
-                      <a:off x="9655379" y="9790646"/>
-                      <a:ext cx="2426474" cy="361894"/>
-                    </a:xfrm>
-                    <a:prstGeom prst="rect">
-                      <a:avLst/>
-                    </a:prstGeom>
-                    <a:blipFill>
-                      <a:blip r:embed="rId13"/>
-                      <a:stretch>
-                        <a:fillRect b="-5085"/>
-                      </a:stretch>
-                    </a:blipFill>
-                  </p:spPr>
-                  <p:txBody>
-                    <a:bodyPr/>
-                    <a:lstStyle/>
-                    <a:p>
-                      <a:r>
-                        <a:rPr lang="fr-FR">
-                          <a:noFill/>
-                        </a:rPr>
-                        <a:t> </a:t>
-                      </a:r>
-                    </a:p>
-                  </p:txBody>
-                </p:sp>
-              </mc:Fallback>
-            </mc:AlternateContent>
-            <mc:AlternateContent xmlns:mc="http://schemas.openxmlformats.org/markup-compatibility/2006" xmlns:a14="http://schemas.microsoft.com/office/drawing/2010/main">
-              <mc:Choice Requires="a14">
-                <p:sp>
-                  <p:nvSpPr>
-                    <p:cNvPr id="51" name="ZoneTexte 50"/>
-                    <p:cNvSpPr txBox="1"/>
-                    <p:nvPr/>
-                  </p:nvSpPr>
-                  <p:spPr>
-                    <a:xfrm>
-                      <a:off x="9655379" y="10337572"/>
-                      <a:ext cx="1966768" cy="344133"/>
-                    </a:xfrm>
-                    <a:prstGeom prst="rect">
-                      <a:avLst/>
-                    </a:prstGeom>
-                    <a:noFill/>
-                  </p:spPr>
-                  <p:txBody>
-                    <a:bodyPr wrap="square" rtlCol="0">
-                      <a:spAutoFit/>
-                    </a:bodyPr>
-                    <a:lstStyle/>
-                    <a:p>
-                      <a:pPr algn="ctr"/>
-                      <a14:m>
-                        <m:oMathPara xmlns:m="http://schemas.openxmlformats.org/officeDocument/2006/math">
-                          <m:oMathParaPr>
-                            <m:jc m:val="left"/>
-                          </m:oMathParaPr>
-                          <m:oMath xmlns:m="http://schemas.openxmlformats.org/officeDocument/2006/math">
-                            <m:sSub>
-                              <m:sSubPr>
-                                <m:ctrlPr>
-                                  <a:rPr lang="fr-FR" sz="1600" b="1" i="1" smtClean="0">
-                                    <a:latin typeface="Cambria Math" panose="02040503050406030204" pitchFamily="18" charset="0"/>
-                                  </a:rPr>
-                                </m:ctrlPr>
-                              </m:sSubPr>
-                              <m:e>
-                                <m:acc>
-                                  <m:accPr>
-                                    <m:chr m:val="̅"/>
-                                    <m:ctrlPr>
-                                      <a:rPr lang="fr-FR" sz="1600" b="1" i="1" smtClean="0">
-                                        <a:latin typeface="Cambria Math" panose="02040503050406030204" pitchFamily="18" charset="0"/>
-                                      </a:rPr>
-                                    </m:ctrlPr>
-                                  </m:accPr>
-                                  <m:e>
-                                    <m:r>
-                                      <a:rPr lang="fr-FR" sz="1600" b="1" i="1" smtClean="0">
-                                        <a:latin typeface="Cambria Math" panose="02040503050406030204" pitchFamily="18" charset="0"/>
-                                        <a:ea typeface="Cambria Math" panose="02040503050406030204" pitchFamily="18" charset="0"/>
-                                      </a:rPr>
-                                      <m:t>𝜷</m:t>
-                                    </m:r>
-                                  </m:e>
-                                </m:acc>
-                              </m:e>
-                              <m:sub>
-                                <m:r>
-                                  <a:rPr lang="fr-FR" sz="1600" b="1" i="1" smtClean="0">
-                                    <a:latin typeface="Cambria Math" panose="02040503050406030204" pitchFamily="18" charset="0"/>
-                                  </a:rPr>
-                                  <m:t>𝒊𝒏𝒕𝒆𝒓</m:t>
-                                </m:r>
-                                <m:r>
-                                  <a:rPr lang="fr-FR" sz="1600" b="1" i="1" smtClean="0">
-                                    <a:latin typeface="Cambria Math" panose="02040503050406030204" pitchFamily="18" charset="0"/>
-                                  </a:rPr>
-                                  <m:t>−</m:t>
-                                </m:r>
-                                <m:r>
-                                  <a:rPr lang="fr-FR" sz="1600" b="1" i="1" smtClean="0">
-                                    <a:latin typeface="Cambria Math" panose="02040503050406030204" pitchFamily="18" charset="0"/>
-                                  </a:rPr>
-                                  <m:t>𝒔𝒊𝒕𝒆</m:t>
-                                </m:r>
-                              </m:sub>
-                            </m:sSub>
-                            <m:r>
-                              <a:rPr lang="fr-FR" sz="1600" b="1" i="1" smtClean="0">
-                                <a:latin typeface="Cambria Math" panose="02040503050406030204" pitchFamily="18" charset="0"/>
-                              </a:rPr>
-                              <m:t>=</m:t>
-                            </m:r>
-                            <m:r>
-                              <a:rPr lang="fr-FR" sz="1600" b="1" i="1" smtClean="0">
-                                <a:latin typeface="Cambria Math" panose="02040503050406030204" pitchFamily="18" charset="0"/>
-                              </a:rPr>
-                              <m:t>𝟏𝟒</m:t>
-                            </m:r>
-                            <m:r>
-                              <a:rPr lang="fr-FR" sz="1600" b="1" i="1" smtClean="0">
-                                <a:latin typeface="Cambria Math" panose="02040503050406030204" pitchFamily="18" charset="0"/>
-                              </a:rPr>
-                              <m:t> %</m:t>
-                            </m:r>
-                          </m:oMath>
-                        </m:oMathPara>
-                      </a14:m>
-                      <a:endParaRPr lang="fr-FR" sz="1400" b="1" dirty="0" smtClean="0">
-                        <a:latin typeface="Arial" panose="020B0604020202020204" pitchFamily="34" charset="0"/>
-                        <a:cs typeface="Arial" panose="020B0604020202020204" pitchFamily="34" charset="0"/>
-                      </a:endParaRPr>
-                    </a:p>
-                  </p:txBody>
-                </p:sp>
-              </mc:Choice>
-              <mc:Fallback xmlns="">
-                <p:sp>
-                  <p:nvSpPr>
-                    <p:cNvPr id="51" name="ZoneTexte 50"/>
-                    <p:cNvSpPr txBox="1">
-                      <a:spLocks noRot="1" noChangeAspect="1" noMove="1" noResize="1" noEditPoints="1" noAdjustHandles="1" noChangeArrowheads="1" noChangeShapeType="1" noTextEdit="1"/>
-                    </p:cNvSpPr>
-                    <p:nvPr/>
-                  </p:nvSpPr>
-                  <p:spPr>
-                    <a:xfrm>
-                      <a:off x="9655379" y="10337572"/>
-                      <a:ext cx="1966768" cy="344133"/>
-                    </a:xfrm>
-                    <a:prstGeom prst="rect">
-                      <a:avLst/>
-                    </a:prstGeom>
-                    <a:blipFill>
-                      <a:blip r:embed="rId14"/>
-                      <a:stretch>
-                        <a:fillRect b="-12500"/>
-                      </a:stretch>
-                    </a:blipFill>
-                  </p:spPr>
-                  <p:txBody>
-                    <a:bodyPr/>
-                    <a:lstStyle/>
-                    <a:p>
-                      <a:r>
-                        <a:rPr lang="fr-FR">
-                          <a:noFill/>
-                        </a:rPr>
-                        <a:t> </a:t>
-                      </a:r>
-                    </a:p>
-                  </p:txBody>
-                </p:sp>
-              </mc:Fallback>
-            </mc:AlternateContent>
-            <mc:AlternateContent xmlns:mc="http://schemas.openxmlformats.org/markup-compatibility/2006" xmlns:a14="http://schemas.microsoft.com/office/drawing/2010/main">
-              <mc:Choice Requires="a14">
-                <p:sp>
-                  <p:nvSpPr>
-                    <p:cNvPr id="52" name="ZoneTexte 51"/>
-                    <p:cNvSpPr txBox="1"/>
-                    <p:nvPr/>
-                  </p:nvSpPr>
-                  <p:spPr>
-                    <a:xfrm>
-                      <a:off x="9655379" y="11068600"/>
-                      <a:ext cx="2055558" cy="344133"/>
-                    </a:xfrm>
-                    <a:prstGeom prst="rect">
-                      <a:avLst/>
-                    </a:prstGeom>
-                    <a:noFill/>
-                  </p:spPr>
-                  <p:txBody>
-                    <a:bodyPr wrap="square" rtlCol="0">
-                      <a:spAutoFit/>
-                    </a:bodyPr>
-                    <a:lstStyle/>
-                    <a:p>
-                      <a:pPr algn="ctr"/>
-                      <a14:m>
-                        <m:oMathPara xmlns:m="http://schemas.openxmlformats.org/officeDocument/2006/math">
-                          <m:oMathParaPr>
-                            <m:jc m:val="left"/>
-                          </m:oMathParaPr>
-                          <m:oMath xmlns:m="http://schemas.openxmlformats.org/officeDocument/2006/math">
-                            <m:sSub>
-                              <m:sSubPr>
-                                <m:ctrlPr>
-                                  <a:rPr lang="fr-FR" sz="1600" b="1" i="1" smtClean="0">
-                                    <a:latin typeface="Cambria Math" panose="02040503050406030204" pitchFamily="18" charset="0"/>
-                                  </a:rPr>
-                                </m:ctrlPr>
-                              </m:sSubPr>
-                              <m:e>
-                                <m:acc>
-                                  <m:accPr>
-                                    <m:chr m:val="̅"/>
-                                    <m:ctrlPr>
-                                      <a:rPr lang="fr-FR" sz="1600" b="1" i="1" smtClean="0">
-                                        <a:latin typeface="Cambria Math" panose="02040503050406030204" pitchFamily="18" charset="0"/>
-                                      </a:rPr>
-                                    </m:ctrlPr>
-                                  </m:accPr>
-                                  <m:e>
-                                    <m:r>
-                                      <a:rPr lang="fr-FR" sz="1600" b="1" i="1" smtClean="0">
-                                        <a:latin typeface="Cambria Math" panose="02040503050406030204" pitchFamily="18" charset="0"/>
-                                        <a:ea typeface="Cambria Math" panose="02040503050406030204" pitchFamily="18" charset="0"/>
-                                      </a:rPr>
-                                      <m:t>𝜷</m:t>
-                                    </m:r>
-                                  </m:e>
-                                </m:acc>
-                              </m:e>
-                              <m:sub>
-                                <m:r>
-                                  <a:rPr lang="fr-FR" sz="1600" b="1" i="1" smtClean="0">
-                                    <a:latin typeface="Cambria Math" panose="02040503050406030204" pitchFamily="18" charset="0"/>
-                                  </a:rPr>
-                                  <m:t>𝒊𝒏𝒕𝒆𝒓</m:t>
-                                </m:r>
-                                <m:r>
-                                  <a:rPr lang="fr-FR" sz="1600" b="1" i="1" smtClean="0">
-                                    <a:latin typeface="Cambria Math" panose="02040503050406030204" pitchFamily="18" charset="0"/>
-                                  </a:rPr>
-                                  <m:t>−</m:t>
-                                </m:r>
-                                <m:r>
-                                  <a:rPr lang="fr-FR" sz="1600" b="1" i="1" smtClean="0">
-                                    <a:latin typeface="Cambria Math" panose="02040503050406030204" pitchFamily="18" charset="0"/>
-                                  </a:rPr>
-                                  <m:t>𝒔𝒕𝒂𝒕𝒊𝒐𝒏</m:t>
-                                </m:r>
-                              </m:sub>
-                            </m:sSub>
-                            <m:r>
-                              <a:rPr lang="fr-FR" sz="1600" b="1" i="1" smtClean="0">
-                                <a:latin typeface="Cambria Math" panose="02040503050406030204" pitchFamily="18" charset="0"/>
-                              </a:rPr>
-                              <m:t>=</m:t>
-                            </m:r>
-                            <m:r>
-                              <a:rPr lang="fr-FR" sz="1600" b="1" i="1" smtClean="0">
-                                <a:latin typeface="Cambria Math" panose="02040503050406030204" pitchFamily="18" charset="0"/>
-                              </a:rPr>
-                              <m:t>𝟕</m:t>
-                            </m:r>
-                            <m:r>
-                              <a:rPr lang="fr-FR" sz="1600" b="1" i="1" smtClean="0">
-                                <a:latin typeface="Cambria Math" panose="02040503050406030204" pitchFamily="18" charset="0"/>
-                              </a:rPr>
-                              <m:t> %</m:t>
-                            </m:r>
-                          </m:oMath>
-                        </m:oMathPara>
-                      </a14:m>
-                      <a:endParaRPr lang="fr-FR" sz="1400" b="1" dirty="0" smtClean="0">
-                        <a:latin typeface="Arial" panose="020B0604020202020204" pitchFamily="34" charset="0"/>
-                        <a:cs typeface="Arial" panose="020B0604020202020204" pitchFamily="34" charset="0"/>
-                      </a:endParaRPr>
-                    </a:p>
-                  </p:txBody>
-                </p:sp>
-              </mc:Choice>
-              <mc:Fallback xmlns="">
-                <p:sp>
-                  <p:nvSpPr>
-                    <p:cNvPr id="52" name="ZoneTexte 51"/>
-                    <p:cNvSpPr txBox="1">
-                      <a:spLocks noRot="1" noChangeAspect="1" noMove="1" noResize="1" noEditPoints="1" noAdjustHandles="1" noChangeArrowheads="1" noChangeShapeType="1" noTextEdit="1"/>
-                    </p:cNvSpPr>
-                    <p:nvPr/>
-                  </p:nvSpPr>
-                  <p:spPr>
-                    <a:xfrm>
-                      <a:off x="9655379" y="11068600"/>
-                      <a:ext cx="2055558" cy="344133"/>
-                    </a:xfrm>
-                    <a:prstGeom prst="rect">
-                      <a:avLst/>
-                    </a:prstGeom>
-                    <a:blipFill>
-                      <a:blip r:embed="rId15"/>
-                      <a:stretch>
-                        <a:fillRect b="-12500"/>
-                      </a:stretch>
-                    </a:blipFill>
-                  </p:spPr>
-                  <p:txBody>
-                    <a:bodyPr/>
-                    <a:lstStyle/>
-                    <a:p>
-                      <a:r>
-                        <a:rPr lang="fr-FR">
-                          <a:noFill/>
-                        </a:rPr>
-                        <a:t> </a:t>
-                      </a:r>
-                    </a:p>
-                  </p:txBody>
-                </p:sp>
-              </mc:Fallback>
-            </mc:AlternateContent>
-            <mc:AlternateContent xmlns:mc="http://schemas.openxmlformats.org/markup-compatibility/2006" xmlns:a14="http://schemas.microsoft.com/office/drawing/2010/main">
-              <mc:Choice Requires="a14">
-                <p:sp>
-                  <p:nvSpPr>
-                    <p:cNvPr id="53" name="ZoneTexte 52"/>
-                    <p:cNvSpPr txBox="1"/>
-                    <p:nvPr/>
-                  </p:nvSpPr>
-                  <p:spPr>
-                    <a:xfrm>
-                      <a:off x="9655379" y="11797522"/>
-                      <a:ext cx="1825070" cy="338554"/>
-                    </a:xfrm>
-                    <a:prstGeom prst="rect">
-                      <a:avLst/>
-                    </a:prstGeom>
-                    <a:noFill/>
-                  </p:spPr>
-                  <p:txBody>
-                    <a:bodyPr wrap="square" rtlCol="0">
-                      <a:spAutoFit/>
-                    </a:bodyPr>
-                    <a:lstStyle/>
-                    <a:p>
-                      <a:pPr algn="ctr"/>
-                      <a14:m>
-                        <m:oMathPara xmlns:m="http://schemas.openxmlformats.org/officeDocument/2006/math">
-                          <m:oMathParaPr>
-                            <m:jc m:val="left"/>
-                          </m:oMathParaPr>
-                          <m:oMath xmlns:m="http://schemas.openxmlformats.org/officeDocument/2006/math">
-                            <m:sSub>
-                              <m:sSubPr>
-                                <m:ctrlPr>
-                                  <a:rPr lang="fr-FR" sz="1600" b="1" i="1" smtClean="0">
-                                    <a:latin typeface="Cambria Math" panose="02040503050406030204" pitchFamily="18" charset="0"/>
-                                  </a:rPr>
-                                </m:ctrlPr>
-                              </m:sSubPr>
-                              <m:e>
-                                <m:acc>
-                                  <m:accPr>
-                                    <m:chr m:val="̅"/>
-                                    <m:ctrlPr>
-                                      <a:rPr lang="fr-FR" sz="1600" b="1" i="1" smtClean="0">
-                                        <a:latin typeface="Cambria Math" panose="02040503050406030204" pitchFamily="18" charset="0"/>
-                                      </a:rPr>
-                                    </m:ctrlPr>
-                                  </m:accPr>
-                                  <m:e>
-                                    <m:r>
-                                      <a:rPr lang="fr-FR" sz="1600" b="1" i="1" smtClean="0">
-                                        <a:latin typeface="Cambria Math" panose="02040503050406030204" pitchFamily="18" charset="0"/>
-                                        <a:ea typeface="Cambria Math" panose="02040503050406030204" pitchFamily="18" charset="0"/>
-                                      </a:rPr>
-                                      <m:t>𝜶</m:t>
-                                    </m:r>
-                                  </m:e>
-                                </m:acc>
-                              </m:e>
-                              <m:sub>
-                                <m:r>
-                                  <a:rPr lang="fr-FR" sz="1600" b="1" i="1" smtClean="0">
-                                    <a:latin typeface="Cambria Math" panose="02040503050406030204" pitchFamily="18" charset="0"/>
-                                  </a:rPr>
-                                  <m:t>𝒔𝒕𝒂𝒕𝒊𝒐𝒏</m:t>
-                                </m:r>
-                              </m:sub>
-                            </m:sSub>
-                            <m:r>
-                              <a:rPr lang="fr-FR" sz="1600" b="1" i="1" smtClean="0">
-                                <a:latin typeface="Cambria Math" panose="02040503050406030204" pitchFamily="18" charset="0"/>
-                              </a:rPr>
-                              <m:t>=</m:t>
-                            </m:r>
-                            <m:r>
-                              <a:rPr lang="fr-FR" sz="1600" b="1" i="1" smtClean="0">
-                                <a:latin typeface="Cambria Math" panose="02040503050406030204" pitchFamily="18" charset="0"/>
-                              </a:rPr>
-                              <m:t>𝟒</m:t>
-                            </m:r>
-                            <m:r>
-                              <a:rPr lang="fr-FR" sz="1600" b="1" i="1" smtClean="0">
-                                <a:latin typeface="Cambria Math" panose="02040503050406030204" pitchFamily="18" charset="0"/>
-                              </a:rPr>
-                              <m:t>.</m:t>
-                            </m:r>
-                            <m:r>
-                              <a:rPr lang="fr-FR" sz="1600" b="1" i="1" smtClean="0">
-                                <a:latin typeface="Cambria Math" panose="02040503050406030204" pitchFamily="18" charset="0"/>
-                              </a:rPr>
-                              <m:t>𝟓</m:t>
-                            </m:r>
-                            <m:r>
-                              <a:rPr lang="fr-FR" sz="1600" b="1" i="1" smtClean="0">
-                                <a:latin typeface="Cambria Math" panose="02040503050406030204" pitchFamily="18" charset="0"/>
-                              </a:rPr>
-                              <m:t> %</m:t>
-                            </m:r>
-                          </m:oMath>
-                        </m:oMathPara>
-                      </a14:m>
-                      <a:endParaRPr lang="fr-FR" sz="1400" b="1" dirty="0" smtClean="0">
-                        <a:latin typeface="Arial" panose="020B0604020202020204" pitchFamily="34" charset="0"/>
-                        <a:cs typeface="Arial" panose="020B0604020202020204" pitchFamily="34" charset="0"/>
-                      </a:endParaRPr>
-                    </a:p>
-                  </p:txBody>
-                </p:sp>
-              </mc:Choice>
-              <mc:Fallback xmlns="">
-                <p:sp>
-                  <p:nvSpPr>
-                    <p:cNvPr id="53" name="ZoneTexte 52"/>
-                    <p:cNvSpPr txBox="1">
-                      <a:spLocks noRot="1" noChangeAspect="1" noMove="1" noResize="1" noEditPoints="1" noAdjustHandles="1" noChangeArrowheads="1" noChangeShapeType="1" noTextEdit="1"/>
-                    </p:cNvSpPr>
-                    <p:nvPr/>
-                  </p:nvSpPr>
-                  <p:spPr>
-                    <a:xfrm>
-                      <a:off x="9655379" y="11797522"/>
-                      <a:ext cx="1825070" cy="338554"/>
-                    </a:xfrm>
-                    <a:prstGeom prst="rect">
-                      <a:avLst/>
-                    </a:prstGeom>
-                    <a:blipFill>
-                      <a:blip r:embed="rId16"/>
-                      <a:stretch>
-                        <a:fillRect/>
-                      </a:stretch>
-                    </a:blipFill>
-                  </p:spPr>
-                  <p:txBody>
-                    <a:bodyPr/>
-                    <a:lstStyle/>
-                    <a:p>
-                      <a:r>
-                        <a:rPr lang="fr-FR">
-                          <a:noFill/>
-                        </a:rPr>
-                        <a:t> </a:t>
-                      </a:r>
-                    </a:p>
-                  </p:txBody>
-                </p:sp>
-              </mc:Fallback>
-            </mc:AlternateContent>
-            <p:sp>
-              <p:nvSpPr>
-                <p:cNvPr id="54" name="ZoneTexte 53"/>
-                <p:cNvSpPr txBox="1"/>
-                <p:nvPr/>
-              </p:nvSpPr>
-              <p:spPr>
-                <a:xfrm>
-                  <a:off x="11348879" y="8987133"/>
-                  <a:ext cx="695363" cy="261610"/>
-                </a:xfrm>
-                <a:prstGeom prst="rect">
-                  <a:avLst/>
-                </a:prstGeom>
-                <a:solidFill>
-                  <a:schemeClr val="bg1"/>
-                </a:solidFill>
-              </p:spPr>
-              <p:txBody>
-                <a:bodyPr wrap="square" rtlCol="0">
-                  <a:spAutoFit/>
-                </a:bodyPr>
-                <a:lstStyle/>
-                <a:p>
-                  <a:r>
-                    <a:rPr lang="fr-FR" sz="1100" dirty="0" smtClean="0">
-                      <a:latin typeface="Arial" panose="020B0604020202020204" pitchFamily="34" charset="0"/>
-                      <a:cs typeface="Arial" panose="020B0604020202020204" pitchFamily="34" charset="0"/>
-                    </a:rPr>
-                    <a:t>100 %</a:t>
-                  </a:r>
-                  <a:endParaRPr lang="fr-FR" sz="1100" dirty="0">
-                    <a:latin typeface="Arial" panose="020B0604020202020204" pitchFamily="34" charset="0"/>
-                    <a:cs typeface="Arial" panose="020B0604020202020204" pitchFamily="34" charset="0"/>
-                  </a:endParaRPr>
-                </a:p>
-              </p:txBody>
-            </p:sp>
-          </p:grpSp>
-          <p:pic>
-            <p:nvPicPr>
-              <p:cNvPr id="56" name="Image 55"/>
-              <p:cNvPicPr>
-                <a:picLocks noChangeAspect="1"/>
-              </p:cNvPicPr>
+                        </m:sub>
+                      </m:sSub>
+                    </m:oMath>
+                  </m:oMathPara>
+                </a14:m>
+                <a:endParaRPr lang="fr-FR" sz="1600" b="1" dirty="0">
+                  <a:latin typeface="Arial" panose="020B0604020202020204" pitchFamily="34" charset="0"/>
+                  <a:cs typeface="Arial" panose="020B0604020202020204" pitchFamily="34" charset="0"/>
+                </a:endParaRPr>
+              </a:p>
+            </p:txBody>
+          </p:sp>
+        </mc:Choice>
+        <mc:Fallback>
+          <p:sp>
+            <p:nvSpPr>
+              <p:cNvPr id="31" name="ZoneTexte 30"/>
+              <p:cNvSpPr txBox="1">
+                <a:spLocks noRot="1" noChangeAspect="1" noMove="1" noResize="1" noEditPoints="1" noAdjustHandles="1" noChangeArrowheads="1" noChangeShapeType="1" noTextEdit="1"/>
+              </p:cNvSpPr>
               <p:nvPr/>
-            </p:nvPicPr>
-            <p:blipFill>
-              <a:blip r:embed="rId17">
-                <a:extLst>
-                  <a:ext uri="{28A0092B-C50C-407E-A947-70E740481C1C}">
-                    <a14:useLocalDpi xmlns:a14="http://schemas.microsoft.com/office/drawing/2010/main" val="0"/>
-                  </a:ext>
-                </a:extLst>
-              </a:blip>
-              <a:stretch>
-                <a:fillRect/>
-              </a:stretch>
-            </p:blipFill>
+            </p:nvSpPr>
             <p:spPr>
               <a:xfrm>
-                <a:off x="551119" y="819418"/>
-                <a:ext cx="10776043" cy="5617624"/>
+                <a:off x="2089242" y="9955013"/>
+                <a:ext cx="392158" cy="344133"/>
               </a:xfrm>
               <a:prstGeom prst="rect">
                 <a:avLst/>
               </a:prstGeom>
+              <a:blipFill>
+                <a:blip r:embed="rId4"/>
+                <a:stretch>
+                  <a:fillRect l="-1563" b="-12500"/>
+                </a:stretch>
+              </a:blipFill>
             </p:spPr>
-          </p:pic>
+            <p:txBody>
+              <a:bodyPr/>
+              <a:lstStyle/>
+              <a:p>
+                <a:r>
+                  <a:rPr lang="fr-FR">
+                    <a:noFill/>
+                  </a:rPr>
+                  <a:t> </a:t>
+                </a:r>
+              </a:p>
+            </p:txBody>
+          </p:sp>
+        </mc:Fallback>
+      </mc:AlternateContent>
+      <mc:AlternateContent xmlns:mc="http://schemas.openxmlformats.org/markup-compatibility/2006">
+        <mc:Choice xmlns:a14="http://schemas.microsoft.com/office/drawing/2010/main" Requires="a14">
           <p:sp>
             <p:nvSpPr>
-              <p:cNvPr id="57" name="ZoneTexte 56"/>
+              <p:cNvPr id="32" name="ZoneTexte 31"/>
               <p:cNvSpPr txBox="1"/>
               <p:nvPr/>
             </p:nvSpPr>
             <p:spPr>
               <a:xfrm>
-                <a:off x="519220" y="819418"/>
-                <a:ext cx="490996" cy="369332"/>
+                <a:off x="1351269" y="10785263"/>
+                <a:ext cx="392158" cy="344133"/>
               </a:xfrm>
               <a:prstGeom prst="rect">
                 <a:avLst/>
@@ -5521,30 +3909,113 @@
               </a:bodyPr>
               <a:lstStyle/>
               <a:p>
-                <a:r>
-                  <a:rPr lang="fr-FR" b="1" dirty="0" smtClean="0">
-                    <a:latin typeface="Arial" panose="020B0604020202020204" pitchFamily="34" charset="0"/>
-                    <a:cs typeface="Arial" panose="020B0604020202020204" pitchFamily="34" charset="0"/>
-                  </a:rPr>
-                  <a:t>A</a:t>
-                </a:r>
-                <a:endParaRPr lang="fr-FR" b="1" dirty="0">
+                <a:pPr/>
+                <a14:m>
+                  <m:oMathPara xmlns:m="http://schemas.openxmlformats.org/officeDocument/2006/math">
+                    <m:oMathParaPr>
+                      <m:jc m:val="centerGroup"/>
+                    </m:oMathParaPr>
+                    <m:oMath xmlns:m="http://schemas.openxmlformats.org/officeDocument/2006/math">
+                      <m:sSub>
+                        <m:sSubPr>
+                          <m:ctrlPr>
+                            <a:rPr lang="fr-FR" sz="1600" b="1" i="1" smtClean="0">
+                              <a:latin typeface="Cambria Math" panose="02040503050406030204" pitchFamily="18" charset="0"/>
+                            </a:rPr>
+                          </m:ctrlPr>
+                        </m:sSubPr>
+                        <m:e>
+                          <m:acc>
+                            <m:accPr>
+                              <m:chr m:val="̅"/>
+                              <m:ctrlPr>
+                                <a:rPr lang="fr-FR" sz="1600" b="1" i="1" smtClean="0">
+                                  <a:latin typeface="Cambria Math" panose="02040503050406030204" pitchFamily="18" charset="0"/>
+                                </a:rPr>
+                              </m:ctrlPr>
+                            </m:accPr>
+                            <m:e>
+                              <m:r>
+                                <a:rPr lang="fr-FR" sz="1600" b="1" i="1">
+                                  <a:latin typeface="Cambria Math" panose="02040503050406030204" pitchFamily="18" charset="0"/>
+                                  <a:ea typeface="Cambria Math" panose="02040503050406030204" pitchFamily="18" charset="0"/>
+                                </a:rPr>
+                                <m:t>𝜷</m:t>
+                              </m:r>
+                            </m:e>
+                          </m:acc>
+                        </m:e>
+                        <m:sub>
+                          <m:r>
+                            <a:rPr lang="fr-FR" sz="1600" b="1" i="1" smtClean="0">
+                              <a:latin typeface="Cambria Math" panose="02040503050406030204" pitchFamily="18" charset="0"/>
+                            </a:rPr>
+                            <m:t>𝒔𝒕</m:t>
+                          </m:r>
+                        </m:sub>
+                      </m:sSub>
+                    </m:oMath>
+                  </m:oMathPara>
+                </a14:m>
+                <a:endParaRPr lang="fr-FR" sz="1600" b="1" dirty="0">
                   <a:latin typeface="Arial" panose="020B0604020202020204" pitchFamily="34" charset="0"/>
                   <a:cs typeface="Arial" panose="020B0604020202020204" pitchFamily="34" charset="0"/>
                 </a:endParaRPr>
               </a:p>
             </p:txBody>
           </p:sp>
+        </mc:Choice>
+        <mc:Fallback>
           <p:sp>
             <p:nvSpPr>
-              <p:cNvPr id="58" name="ZoneTexte 57"/>
+              <p:cNvPr id="32" name="ZoneTexte 31"/>
+              <p:cNvSpPr txBox="1">
+                <a:spLocks noRot="1" noChangeAspect="1" noMove="1" noResize="1" noEditPoints="1" noAdjustHandles="1" noChangeArrowheads="1" noChangeShapeType="1" noTextEdit="1"/>
+              </p:cNvSpPr>
+              <p:nvPr/>
+            </p:nvSpPr>
+            <p:spPr>
+              <a:xfrm>
+                <a:off x="1351269" y="10785263"/>
+                <a:ext cx="392158" cy="344133"/>
+              </a:xfrm>
+              <a:prstGeom prst="rect">
+                <a:avLst/>
+              </a:prstGeom>
+              <a:blipFill>
+                <a:blip r:embed="rId5"/>
+                <a:stretch>
+                  <a:fillRect l="-1563" r="-6250" b="-10526"/>
+                </a:stretch>
+              </a:blipFill>
+            </p:spPr>
+            <p:txBody>
+              <a:bodyPr/>
+              <a:lstStyle/>
+              <a:p>
+                <a:r>
+                  <a:rPr lang="fr-FR">
+                    <a:noFill/>
+                  </a:rPr>
+                  <a:t> </a:t>
+                </a:r>
+              </a:p>
+            </p:txBody>
+          </p:sp>
+        </mc:Fallback>
+      </mc:AlternateContent>
+      <mc:AlternateContent xmlns:mc="http://schemas.openxmlformats.org/markup-compatibility/2006">
+        <mc:Choice xmlns:a14="http://schemas.microsoft.com/office/drawing/2010/main" Requires="a14">
+          <p:sp>
+            <p:nvSpPr>
+              <p:cNvPr id="33" name="ZoneTexte 32"/>
               <p:cNvSpPr txBox="1"/>
               <p:nvPr/>
             </p:nvSpPr>
             <p:spPr>
               <a:xfrm>
-                <a:off x="519220" y="6638101"/>
-                <a:ext cx="490996" cy="369332"/>
+                <a:off x="1076744" y="11671604"/>
+                <a:ext cx="392158" cy="338554"/>
               </a:xfrm>
               <a:prstGeom prst="rect">
                 <a:avLst/>
@@ -5557,22 +4028,1244 @@
               </a:bodyPr>
               <a:lstStyle/>
               <a:p>
-                <a:r>
-                  <a:rPr lang="fr-FR" b="1" dirty="0">
-                    <a:latin typeface="Arial" panose="020B0604020202020204" pitchFamily="34" charset="0"/>
-                    <a:cs typeface="Arial" panose="020B0604020202020204" pitchFamily="34" charset="0"/>
-                  </a:rPr>
-                  <a:t>B</a:t>
-                </a:r>
-                <a:endParaRPr lang="fr-FR" b="1" dirty="0">
+                <a:pPr/>
+                <a14:m>
+                  <m:oMathPara xmlns:m="http://schemas.openxmlformats.org/officeDocument/2006/math">
+                    <m:oMathParaPr>
+                      <m:jc m:val="centerGroup"/>
+                    </m:oMathParaPr>
+                    <m:oMath xmlns:m="http://schemas.openxmlformats.org/officeDocument/2006/math">
+                      <m:acc>
+                        <m:accPr>
+                          <m:chr m:val="̅"/>
+                          <m:ctrlPr>
+                            <a:rPr lang="fr-FR" sz="1600" b="1" i="1" smtClean="0">
+                              <a:latin typeface="Cambria Math" panose="02040503050406030204" pitchFamily="18" charset="0"/>
+                              <a:cs typeface="Arial" panose="020B0604020202020204" pitchFamily="34" charset="0"/>
+                            </a:rPr>
+                          </m:ctrlPr>
+                        </m:accPr>
+                        <m:e>
+                          <m:r>
+                            <a:rPr lang="fr-FR" sz="1600" b="1" i="1" smtClean="0">
+                              <a:latin typeface="Cambria Math" panose="02040503050406030204" pitchFamily="18" charset="0"/>
+                              <a:ea typeface="Cambria Math" panose="02040503050406030204" pitchFamily="18" charset="0"/>
+                              <a:cs typeface="Arial" panose="020B0604020202020204" pitchFamily="34" charset="0"/>
+                            </a:rPr>
+                            <m:t>𝜶</m:t>
+                          </m:r>
+                        </m:e>
+                      </m:acc>
+                    </m:oMath>
+                  </m:oMathPara>
+                </a14:m>
+                <a:endParaRPr lang="fr-FR" sz="1600" b="1" dirty="0">
                   <a:latin typeface="Arial" panose="020B0604020202020204" pitchFamily="34" charset="0"/>
                   <a:cs typeface="Arial" panose="020B0604020202020204" pitchFamily="34" charset="0"/>
                 </a:endParaRPr>
               </a:p>
             </p:txBody>
           </p:sp>
-        </p:grpSp>
-      </p:grpSp>
+        </mc:Choice>
+        <mc:Fallback>
+          <p:sp>
+            <p:nvSpPr>
+              <p:cNvPr id="33" name="ZoneTexte 32"/>
+              <p:cNvSpPr txBox="1">
+                <a:spLocks noRot="1" noChangeAspect="1" noMove="1" noResize="1" noEditPoints="1" noAdjustHandles="1" noChangeArrowheads="1" noChangeShapeType="1" noTextEdit="1"/>
+              </p:cNvSpPr>
+              <p:nvPr/>
+            </p:nvSpPr>
+            <p:spPr>
+              <a:xfrm>
+                <a:off x="1076744" y="11671604"/>
+                <a:ext cx="392158" cy="338554"/>
+              </a:xfrm>
+              <a:prstGeom prst="rect">
+                <a:avLst/>
+              </a:prstGeom>
+              <a:blipFill>
+                <a:blip r:embed="rId6"/>
+                <a:stretch>
+                  <a:fillRect/>
+                </a:stretch>
+              </a:blipFill>
+            </p:spPr>
+            <p:txBody>
+              <a:bodyPr/>
+              <a:lstStyle/>
+              <a:p>
+                <a:r>
+                  <a:rPr lang="fr-FR">
+                    <a:noFill/>
+                  </a:rPr>
+                  <a:t> </a:t>
+                </a:r>
+              </a:p>
+            </p:txBody>
+          </p:sp>
+        </mc:Fallback>
+      </mc:AlternateContent>
+      <p:sp>
+        <p:nvSpPr>
+          <p:cNvPr id="35" name="ZoneTexte 34"/>
+          <p:cNvSpPr txBox="1"/>
+          <p:nvPr/>
+        </p:nvSpPr>
+        <p:spPr>
+          <a:xfrm>
+            <a:off x="705875" y="9719598"/>
+            <a:ext cx="302609" cy="261610"/>
+          </a:xfrm>
+          <a:prstGeom prst="rect">
+            <a:avLst/>
+          </a:prstGeom>
+          <a:noFill/>
+        </p:spPr>
+        <p:txBody>
+          <a:bodyPr wrap="square" rtlCol="0">
+            <a:spAutoFit/>
+          </a:bodyPr>
+          <a:lstStyle/>
+          <a:p>
+            <a:r>
+              <a:rPr lang="fr-FR" sz="1100" dirty="0" smtClean="0">
+                <a:latin typeface="Arial" panose="020B0604020202020204" pitchFamily="34" charset="0"/>
+                <a:cs typeface="Arial" panose="020B0604020202020204" pitchFamily="34" charset="0"/>
+              </a:rPr>
+              <a:t>0</a:t>
+            </a:r>
+            <a:endParaRPr lang="fr-FR" sz="1100" dirty="0">
+              <a:latin typeface="Arial" panose="020B0604020202020204" pitchFamily="34" charset="0"/>
+              <a:cs typeface="Arial" panose="020B0604020202020204" pitchFamily="34" charset="0"/>
+            </a:endParaRPr>
+          </a:p>
+        </p:txBody>
+      </p:sp>
+      <p:sp>
+        <p:nvSpPr>
+          <p:cNvPr id="36" name="ZoneTexte 35"/>
+          <p:cNvSpPr txBox="1"/>
+          <p:nvPr/>
+        </p:nvSpPr>
+        <p:spPr>
+          <a:xfrm>
+            <a:off x="695493" y="10682317"/>
+            <a:ext cx="302609" cy="261610"/>
+          </a:xfrm>
+          <a:prstGeom prst="rect">
+            <a:avLst/>
+          </a:prstGeom>
+          <a:noFill/>
+        </p:spPr>
+        <p:txBody>
+          <a:bodyPr wrap="square" rtlCol="0">
+            <a:spAutoFit/>
+          </a:bodyPr>
+          <a:lstStyle/>
+          <a:p>
+            <a:r>
+              <a:rPr lang="fr-FR" sz="1100" dirty="0" smtClean="0">
+                <a:latin typeface="Arial" panose="020B0604020202020204" pitchFamily="34" charset="0"/>
+                <a:cs typeface="Arial" panose="020B0604020202020204" pitchFamily="34" charset="0"/>
+              </a:rPr>
+              <a:t>0</a:t>
+            </a:r>
+            <a:endParaRPr lang="fr-FR" sz="1100" dirty="0">
+              <a:latin typeface="Arial" panose="020B0604020202020204" pitchFamily="34" charset="0"/>
+              <a:cs typeface="Arial" panose="020B0604020202020204" pitchFamily="34" charset="0"/>
+            </a:endParaRPr>
+          </a:p>
+        </p:txBody>
+      </p:sp>
+      <p:sp>
+        <p:nvSpPr>
+          <p:cNvPr id="37" name="ZoneTexte 36"/>
+          <p:cNvSpPr txBox="1"/>
+          <p:nvPr/>
+        </p:nvSpPr>
+        <p:spPr>
+          <a:xfrm>
+            <a:off x="706074" y="11534107"/>
+            <a:ext cx="302609" cy="261610"/>
+          </a:xfrm>
+          <a:prstGeom prst="rect">
+            <a:avLst/>
+          </a:prstGeom>
+          <a:noFill/>
+        </p:spPr>
+        <p:txBody>
+          <a:bodyPr wrap="square" rtlCol="0">
+            <a:spAutoFit/>
+          </a:bodyPr>
+          <a:lstStyle/>
+          <a:p>
+            <a:r>
+              <a:rPr lang="fr-FR" sz="1100" dirty="0" smtClean="0">
+                <a:latin typeface="Arial" panose="020B0604020202020204" pitchFamily="34" charset="0"/>
+                <a:cs typeface="Arial" panose="020B0604020202020204" pitchFamily="34" charset="0"/>
+              </a:rPr>
+              <a:t>0</a:t>
+            </a:r>
+            <a:endParaRPr lang="fr-FR" sz="1100" dirty="0">
+              <a:latin typeface="Arial" panose="020B0604020202020204" pitchFamily="34" charset="0"/>
+              <a:cs typeface="Arial" panose="020B0604020202020204" pitchFamily="34" charset="0"/>
+            </a:endParaRPr>
+          </a:p>
+        </p:txBody>
+      </p:sp>
+      <p:sp>
+        <p:nvSpPr>
+          <p:cNvPr id="38" name="ZoneTexte 37"/>
+          <p:cNvSpPr txBox="1"/>
+          <p:nvPr/>
+        </p:nvSpPr>
+        <p:spPr>
+          <a:xfrm>
+            <a:off x="706074" y="12359587"/>
+            <a:ext cx="252666" cy="261610"/>
+          </a:xfrm>
+          <a:prstGeom prst="rect">
+            <a:avLst/>
+          </a:prstGeom>
+          <a:noFill/>
+        </p:spPr>
+        <p:txBody>
+          <a:bodyPr wrap="square" rtlCol="0">
+            <a:spAutoFit/>
+          </a:bodyPr>
+          <a:lstStyle/>
+          <a:p>
+            <a:r>
+              <a:rPr lang="fr-FR" sz="1100" dirty="0" smtClean="0">
+                <a:latin typeface="Arial" panose="020B0604020202020204" pitchFamily="34" charset="0"/>
+                <a:cs typeface="Arial" panose="020B0604020202020204" pitchFamily="34" charset="0"/>
+              </a:rPr>
+              <a:t>0</a:t>
+            </a:r>
+            <a:endParaRPr lang="fr-FR" sz="1100" dirty="0">
+              <a:latin typeface="Arial" panose="020B0604020202020204" pitchFamily="34" charset="0"/>
+              <a:cs typeface="Arial" panose="020B0604020202020204" pitchFamily="34" charset="0"/>
+            </a:endParaRPr>
+          </a:p>
+        </p:txBody>
+      </p:sp>
+      <mc:AlternateContent xmlns:mc="http://schemas.openxmlformats.org/markup-compatibility/2006">
+        <mc:Choice xmlns:a14="http://schemas.microsoft.com/office/drawing/2010/main" Requires="a14">
+          <p:sp>
+            <p:nvSpPr>
+              <p:cNvPr id="49" name="ZoneTexte 48"/>
+              <p:cNvSpPr txBox="1"/>
+              <p:nvPr/>
+            </p:nvSpPr>
+            <p:spPr>
+              <a:xfrm>
+                <a:off x="9179542" y="9370671"/>
+                <a:ext cx="2900164" cy="361894"/>
+              </a:xfrm>
+              <a:prstGeom prst="rect">
+                <a:avLst/>
+              </a:prstGeom>
+              <a:noFill/>
+            </p:spPr>
+            <p:txBody>
+              <a:bodyPr wrap="square" rtlCol="0">
+                <a:spAutoFit/>
+              </a:bodyPr>
+              <a:lstStyle/>
+              <a:p>
+                <a14:m>
+                  <m:oMath xmlns:m="http://schemas.openxmlformats.org/officeDocument/2006/math">
+                    <m:sSub>
+                      <m:sSubPr>
+                        <m:ctrlPr>
+                          <a:rPr lang="fr-FR" sz="1600" b="1" i="1" smtClean="0">
+                            <a:latin typeface="Cambria Math" panose="02040503050406030204" pitchFamily="18" charset="0"/>
+                          </a:rPr>
+                        </m:ctrlPr>
+                      </m:sSubPr>
+                      <m:e>
+                        <m:r>
+                          <a:rPr lang="fr-FR" sz="1600" b="1" i="1" smtClean="0">
+                            <a:latin typeface="Cambria Math" panose="02040503050406030204" pitchFamily="18" charset="0"/>
+                            <a:ea typeface="Cambria Math" panose="02040503050406030204" pitchFamily="18" charset="0"/>
+                          </a:rPr>
+                          <m:t>𝜸</m:t>
+                        </m:r>
+                      </m:e>
+                      <m:sub>
+                        <m:r>
+                          <a:rPr lang="fr-FR" sz="1600" b="1" i="1" smtClean="0">
+                            <a:latin typeface="Cambria Math" panose="02040503050406030204" pitchFamily="18" charset="0"/>
+                          </a:rPr>
+                          <m:t>𝒈𝒍𝒐𝒃𝒂𝒍</m:t>
+                        </m:r>
+                      </m:sub>
+                    </m:sSub>
+                    <m:r>
+                      <a:rPr lang="fr-FR" sz="1600" b="1" i="1" smtClean="0">
+                        <a:latin typeface="Cambria Math" panose="02040503050406030204" pitchFamily="18" charset="0"/>
+                      </a:rPr>
+                      <m:t>=</m:t>
+                    </m:r>
+                    <m:r>
+                      <a:rPr lang="fr-FR" sz="1600" b="1" i="1" smtClean="0">
+                        <a:latin typeface="Cambria Math" panose="02040503050406030204" pitchFamily="18" charset="0"/>
+                      </a:rPr>
+                      <m:t>𝟏𝟎𝟎</m:t>
+                    </m:r>
+                    <m:r>
+                      <a:rPr lang="fr-FR" sz="1600" b="1" i="1" smtClean="0">
+                        <a:latin typeface="Cambria Math" panose="02040503050406030204" pitchFamily="18" charset="0"/>
+                      </a:rPr>
+                      <m:t> %</m:t>
+                    </m:r>
+                  </m:oMath>
+                </a14:m>
+                <a:r>
+                  <a:rPr lang="fr-FR" sz="1400" b="1" dirty="0" smtClean="0">
+                    <a:latin typeface="Arial" panose="020B0604020202020204" pitchFamily="34" charset="0"/>
+                    <a:cs typeface="Arial" panose="020B0604020202020204" pitchFamily="34" charset="0"/>
+                  </a:rPr>
+                  <a:t> (</a:t>
+                </a:r>
+                <a:r>
+                  <a:rPr lang="fr-FR" sz="1400" b="1" dirty="0">
+                    <a:latin typeface="Arial" panose="020B0604020202020204" pitchFamily="34" charset="0"/>
+                    <a:cs typeface="Arial" panose="020B0604020202020204" pitchFamily="34" charset="0"/>
+                  </a:rPr>
+                  <a:t>2160 </a:t>
+                </a:r>
+                <a:r>
+                  <a:rPr lang="fr-FR" sz="1400" b="1" dirty="0" smtClean="0">
+                    <a:latin typeface="Arial" panose="020B0604020202020204" pitchFamily="34" charset="0"/>
+                    <a:cs typeface="Arial" panose="020B0604020202020204" pitchFamily="34" charset="0"/>
+                  </a:rPr>
+                  <a:t>MOTUs)</a:t>
+                </a:r>
+              </a:p>
+            </p:txBody>
+          </p:sp>
+        </mc:Choice>
+        <mc:Fallback>
+          <p:sp>
+            <p:nvSpPr>
+              <p:cNvPr id="49" name="ZoneTexte 48"/>
+              <p:cNvSpPr txBox="1">
+                <a:spLocks noRot="1" noChangeAspect="1" noMove="1" noResize="1" noEditPoints="1" noAdjustHandles="1" noChangeArrowheads="1" noChangeShapeType="1" noTextEdit="1"/>
+              </p:cNvSpPr>
+              <p:nvPr/>
+            </p:nvSpPr>
+            <p:spPr>
+              <a:xfrm>
+                <a:off x="9179542" y="9370671"/>
+                <a:ext cx="2900164" cy="361894"/>
+              </a:xfrm>
+              <a:prstGeom prst="rect">
+                <a:avLst/>
+              </a:prstGeom>
+              <a:blipFill>
+                <a:blip r:embed="rId7"/>
+                <a:stretch>
+                  <a:fillRect b="-8333"/>
+                </a:stretch>
+              </a:blipFill>
+            </p:spPr>
+            <p:txBody>
+              <a:bodyPr/>
+              <a:lstStyle/>
+              <a:p>
+                <a:r>
+                  <a:rPr lang="fr-FR">
+                    <a:noFill/>
+                  </a:rPr>
+                  <a:t> </a:t>
+                </a:r>
+              </a:p>
+            </p:txBody>
+          </p:sp>
+        </mc:Fallback>
+      </mc:AlternateContent>
+      <mc:AlternateContent xmlns:mc="http://schemas.openxmlformats.org/markup-compatibility/2006">
+        <mc:Choice xmlns:a14="http://schemas.microsoft.com/office/drawing/2010/main" Requires="a14">
+          <p:sp>
+            <p:nvSpPr>
+              <p:cNvPr id="50" name="ZoneTexte 49"/>
+              <p:cNvSpPr txBox="1"/>
+              <p:nvPr/>
+            </p:nvSpPr>
+            <p:spPr>
+              <a:xfrm>
+                <a:off x="9698768" y="9917597"/>
+                <a:ext cx="2380937" cy="361894"/>
+              </a:xfrm>
+              <a:prstGeom prst="rect">
+                <a:avLst/>
+              </a:prstGeom>
+              <a:noFill/>
+            </p:spPr>
+            <p:txBody>
+              <a:bodyPr wrap="square" rtlCol="0">
+                <a:spAutoFit/>
+              </a:bodyPr>
+              <a:lstStyle/>
+              <a:p>
+                <a:pPr algn="ctr"/>
+                <a14:m>
+                  <m:oMathPara xmlns:m="http://schemas.openxmlformats.org/officeDocument/2006/math">
+                    <m:oMathParaPr>
+                      <m:jc m:val="left"/>
+                    </m:oMathParaPr>
+                    <m:oMath xmlns:m="http://schemas.openxmlformats.org/officeDocument/2006/math">
+                      <m:sSub>
+                        <m:sSubPr>
+                          <m:ctrlPr>
+                            <a:rPr lang="fr-FR" sz="1600" b="1" i="1" smtClean="0">
+                              <a:latin typeface="Cambria Math" panose="02040503050406030204" pitchFamily="18" charset="0"/>
+                            </a:rPr>
+                          </m:ctrlPr>
+                        </m:sSubPr>
+                        <m:e>
+                          <m:r>
+                            <a:rPr lang="fr-FR" sz="1600" b="1" i="1" smtClean="0">
+                              <a:latin typeface="Cambria Math" panose="02040503050406030204" pitchFamily="18" charset="0"/>
+                              <a:ea typeface="Cambria Math" panose="02040503050406030204" pitchFamily="18" charset="0"/>
+                            </a:rPr>
+                            <m:t>𝜷</m:t>
+                          </m:r>
+                        </m:e>
+                        <m:sub>
+                          <m:r>
+                            <a:rPr lang="fr-FR" sz="1600" b="1" i="1" smtClean="0">
+                              <a:latin typeface="Cambria Math" panose="02040503050406030204" pitchFamily="18" charset="0"/>
+                            </a:rPr>
+                            <m:t>𝒊𝒏𝒕𝒆𝒓</m:t>
+                          </m:r>
+                          <m:r>
+                            <a:rPr lang="fr-FR" sz="1600" b="1" i="1" smtClean="0">
+                              <a:latin typeface="Cambria Math" panose="02040503050406030204" pitchFamily="18" charset="0"/>
+                            </a:rPr>
+                            <m:t>−</m:t>
+                          </m:r>
+                          <m:r>
+                            <a:rPr lang="fr-FR" sz="1600" b="1" i="1" smtClean="0">
+                              <a:latin typeface="Cambria Math" panose="02040503050406030204" pitchFamily="18" charset="0"/>
+                            </a:rPr>
+                            <m:t>𝒓𝒆𝒈𝒊𝒐𝒏</m:t>
+                          </m:r>
+                        </m:sub>
+                      </m:sSub>
+                      <m:r>
+                        <a:rPr lang="fr-FR" sz="1600" b="1" i="1" smtClean="0">
+                          <a:latin typeface="Cambria Math" panose="02040503050406030204" pitchFamily="18" charset="0"/>
+                        </a:rPr>
+                        <m:t>=</m:t>
+                      </m:r>
+                      <m:r>
+                        <a:rPr lang="fr-FR" sz="1600" b="1" i="1" smtClean="0">
+                          <a:latin typeface="Cambria Math" panose="02040503050406030204" pitchFamily="18" charset="0"/>
+                        </a:rPr>
+                        <m:t>𝟕𝟒</m:t>
+                      </m:r>
+                      <m:r>
+                        <a:rPr lang="fr-FR" sz="1600" b="1" i="1" smtClean="0">
+                          <a:latin typeface="Cambria Math" panose="02040503050406030204" pitchFamily="18" charset="0"/>
+                        </a:rPr>
+                        <m:t>.</m:t>
+                      </m:r>
+                      <m:r>
+                        <a:rPr lang="fr-FR" sz="1600" b="1" i="1" smtClean="0">
+                          <a:latin typeface="Cambria Math" panose="02040503050406030204" pitchFamily="18" charset="0"/>
+                        </a:rPr>
+                        <m:t>𝟓</m:t>
+                      </m:r>
+                      <m:r>
+                        <a:rPr lang="fr-FR" sz="1600" b="1" i="1" smtClean="0">
+                          <a:latin typeface="Cambria Math" panose="02040503050406030204" pitchFamily="18" charset="0"/>
+                        </a:rPr>
+                        <m:t> %</m:t>
+                      </m:r>
+                    </m:oMath>
+                  </m:oMathPara>
+                </a14:m>
+                <a:endParaRPr lang="fr-FR" sz="1400" b="1" dirty="0" smtClean="0">
+                  <a:latin typeface="Arial" panose="020B0604020202020204" pitchFamily="34" charset="0"/>
+                  <a:cs typeface="Arial" panose="020B0604020202020204" pitchFamily="34" charset="0"/>
+                </a:endParaRPr>
+              </a:p>
+            </p:txBody>
+          </p:sp>
+        </mc:Choice>
+        <mc:Fallback>
+          <p:sp>
+            <p:nvSpPr>
+              <p:cNvPr id="50" name="ZoneTexte 49"/>
+              <p:cNvSpPr txBox="1">
+                <a:spLocks noRot="1" noChangeAspect="1" noMove="1" noResize="1" noEditPoints="1" noAdjustHandles="1" noChangeArrowheads="1" noChangeShapeType="1" noTextEdit="1"/>
+              </p:cNvSpPr>
+              <p:nvPr/>
+            </p:nvSpPr>
+            <p:spPr>
+              <a:xfrm>
+                <a:off x="9698768" y="9917597"/>
+                <a:ext cx="2380937" cy="361894"/>
+              </a:xfrm>
+              <a:prstGeom prst="rect">
+                <a:avLst/>
+              </a:prstGeom>
+              <a:blipFill>
+                <a:blip r:embed="rId8"/>
+                <a:stretch>
+                  <a:fillRect b="-5085"/>
+                </a:stretch>
+              </a:blipFill>
+            </p:spPr>
+            <p:txBody>
+              <a:bodyPr/>
+              <a:lstStyle/>
+              <a:p>
+                <a:r>
+                  <a:rPr lang="fr-FR">
+                    <a:noFill/>
+                  </a:rPr>
+                  <a:t> </a:t>
+                </a:r>
+              </a:p>
+            </p:txBody>
+          </p:sp>
+        </mc:Fallback>
+      </mc:AlternateContent>
+      <mc:AlternateContent xmlns:mc="http://schemas.openxmlformats.org/markup-compatibility/2006">
+        <mc:Choice xmlns:a14="http://schemas.microsoft.com/office/drawing/2010/main" Requires="a14">
+          <p:sp>
+            <p:nvSpPr>
+              <p:cNvPr id="51" name="ZoneTexte 50"/>
+              <p:cNvSpPr txBox="1"/>
+              <p:nvPr/>
+            </p:nvSpPr>
+            <p:spPr>
+              <a:xfrm>
+                <a:off x="9698768" y="10464523"/>
+                <a:ext cx="1929858" cy="344133"/>
+              </a:xfrm>
+              <a:prstGeom prst="rect">
+                <a:avLst/>
+              </a:prstGeom>
+              <a:noFill/>
+            </p:spPr>
+            <p:txBody>
+              <a:bodyPr wrap="square" rtlCol="0">
+                <a:spAutoFit/>
+              </a:bodyPr>
+              <a:lstStyle/>
+              <a:p>
+                <a:pPr algn="ctr"/>
+                <a14:m>
+                  <m:oMathPara xmlns:m="http://schemas.openxmlformats.org/officeDocument/2006/math">
+                    <m:oMathParaPr>
+                      <m:jc m:val="left"/>
+                    </m:oMathParaPr>
+                    <m:oMath xmlns:m="http://schemas.openxmlformats.org/officeDocument/2006/math">
+                      <m:sSub>
+                        <m:sSubPr>
+                          <m:ctrlPr>
+                            <a:rPr lang="fr-FR" sz="1600" b="1" i="1" smtClean="0">
+                              <a:latin typeface="Cambria Math" panose="02040503050406030204" pitchFamily="18" charset="0"/>
+                            </a:rPr>
+                          </m:ctrlPr>
+                        </m:sSubPr>
+                        <m:e>
+                          <m:acc>
+                            <m:accPr>
+                              <m:chr m:val="̅"/>
+                              <m:ctrlPr>
+                                <a:rPr lang="fr-FR" sz="1600" b="1" i="1" smtClean="0">
+                                  <a:latin typeface="Cambria Math" panose="02040503050406030204" pitchFamily="18" charset="0"/>
+                                </a:rPr>
+                              </m:ctrlPr>
+                            </m:accPr>
+                            <m:e>
+                              <m:r>
+                                <a:rPr lang="fr-FR" sz="1600" b="1" i="1" smtClean="0">
+                                  <a:latin typeface="Cambria Math" panose="02040503050406030204" pitchFamily="18" charset="0"/>
+                                  <a:ea typeface="Cambria Math" panose="02040503050406030204" pitchFamily="18" charset="0"/>
+                                </a:rPr>
+                                <m:t>𝜷</m:t>
+                              </m:r>
+                            </m:e>
+                          </m:acc>
+                        </m:e>
+                        <m:sub>
+                          <m:r>
+                            <a:rPr lang="fr-FR" sz="1600" b="1" i="1" smtClean="0">
+                              <a:latin typeface="Cambria Math" panose="02040503050406030204" pitchFamily="18" charset="0"/>
+                            </a:rPr>
+                            <m:t>𝒊𝒏𝒕𝒆𝒓</m:t>
+                          </m:r>
+                          <m:r>
+                            <a:rPr lang="fr-FR" sz="1600" b="1" i="1" smtClean="0">
+                              <a:latin typeface="Cambria Math" panose="02040503050406030204" pitchFamily="18" charset="0"/>
+                            </a:rPr>
+                            <m:t>−</m:t>
+                          </m:r>
+                          <m:r>
+                            <a:rPr lang="fr-FR" sz="1600" b="1" i="1" smtClean="0">
+                              <a:latin typeface="Cambria Math" panose="02040503050406030204" pitchFamily="18" charset="0"/>
+                            </a:rPr>
+                            <m:t>𝒔𝒊𝒕𝒆</m:t>
+                          </m:r>
+                        </m:sub>
+                      </m:sSub>
+                      <m:r>
+                        <a:rPr lang="fr-FR" sz="1600" b="1" i="1" smtClean="0">
+                          <a:latin typeface="Cambria Math" panose="02040503050406030204" pitchFamily="18" charset="0"/>
+                        </a:rPr>
+                        <m:t>=</m:t>
+                      </m:r>
+                      <m:r>
+                        <a:rPr lang="fr-FR" sz="1600" b="1" i="1" smtClean="0">
+                          <a:latin typeface="Cambria Math" panose="02040503050406030204" pitchFamily="18" charset="0"/>
+                        </a:rPr>
+                        <m:t>𝟏𝟒</m:t>
+                      </m:r>
+                      <m:r>
+                        <a:rPr lang="fr-FR" sz="1600" b="1" i="1" smtClean="0">
+                          <a:latin typeface="Cambria Math" panose="02040503050406030204" pitchFamily="18" charset="0"/>
+                        </a:rPr>
+                        <m:t> %</m:t>
+                      </m:r>
+                    </m:oMath>
+                  </m:oMathPara>
+                </a14:m>
+                <a:endParaRPr lang="fr-FR" sz="1400" b="1" dirty="0" smtClean="0">
+                  <a:latin typeface="Arial" panose="020B0604020202020204" pitchFamily="34" charset="0"/>
+                  <a:cs typeface="Arial" panose="020B0604020202020204" pitchFamily="34" charset="0"/>
+                </a:endParaRPr>
+              </a:p>
+            </p:txBody>
+          </p:sp>
+        </mc:Choice>
+        <mc:Fallback>
+          <p:sp>
+            <p:nvSpPr>
+              <p:cNvPr id="51" name="ZoneTexte 50"/>
+              <p:cNvSpPr txBox="1">
+                <a:spLocks noRot="1" noChangeAspect="1" noMove="1" noResize="1" noEditPoints="1" noAdjustHandles="1" noChangeArrowheads="1" noChangeShapeType="1" noTextEdit="1"/>
+              </p:cNvSpPr>
+              <p:nvPr/>
+            </p:nvSpPr>
+            <p:spPr>
+              <a:xfrm>
+                <a:off x="9698768" y="10464523"/>
+                <a:ext cx="1929858" cy="344133"/>
+              </a:xfrm>
+              <a:prstGeom prst="rect">
+                <a:avLst/>
+              </a:prstGeom>
+              <a:blipFill>
+                <a:blip r:embed="rId9"/>
+                <a:stretch>
+                  <a:fillRect b="-12500"/>
+                </a:stretch>
+              </a:blipFill>
+            </p:spPr>
+            <p:txBody>
+              <a:bodyPr/>
+              <a:lstStyle/>
+              <a:p>
+                <a:r>
+                  <a:rPr lang="fr-FR">
+                    <a:noFill/>
+                  </a:rPr>
+                  <a:t> </a:t>
+                </a:r>
+              </a:p>
+            </p:txBody>
+          </p:sp>
+        </mc:Fallback>
+      </mc:AlternateContent>
+      <mc:AlternateContent xmlns:mc="http://schemas.openxmlformats.org/markup-compatibility/2006">
+        <mc:Choice xmlns:a14="http://schemas.microsoft.com/office/drawing/2010/main" Requires="a14">
+          <p:sp>
+            <p:nvSpPr>
+              <p:cNvPr id="52" name="ZoneTexte 51"/>
+              <p:cNvSpPr txBox="1"/>
+              <p:nvPr/>
+            </p:nvSpPr>
+            <p:spPr>
+              <a:xfrm>
+                <a:off x="9698768" y="11195551"/>
+                <a:ext cx="2016982" cy="344133"/>
+              </a:xfrm>
+              <a:prstGeom prst="rect">
+                <a:avLst/>
+              </a:prstGeom>
+              <a:noFill/>
+            </p:spPr>
+            <p:txBody>
+              <a:bodyPr wrap="square" rtlCol="0">
+                <a:spAutoFit/>
+              </a:bodyPr>
+              <a:lstStyle/>
+              <a:p>
+                <a:pPr algn="ctr"/>
+                <a14:m>
+                  <m:oMathPara xmlns:m="http://schemas.openxmlformats.org/officeDocument/2006/math">
+                    <m:oMathParaPr>
+                      <m:jc m:val="left"/>
+                    </m:oMathParaPr>
+                    <m:oMath xmlns:m="http://schemas.openxmlformats.org/officeDocument/2006/math">
+                      <m:sSub>
+                        <m:sSubPr>
+                          <m:ctrlPr>
+                            <a:rPr lang="fr-FR" sz="1600" b="1" i="1" smtClean="0">
+                              <a:latin typeface="Cambria Math" panose="02040503050406030204" pitchFamily="18" charset="0"/>
+                            </a:rPr>
+                          </m:ctrlPr>
+                        </m:sSubPr>
+                        <m:e>
+                          <m:acc>
+                            <m:accPr>
+                              <m:chr m:val="̅"/>
+                              <m:ctrlPr>
+                                <a:rPr lang="fr-FR" sz="1600" b="1" i="1" smtClean="0">
+                                  <a:latin typeface="Cambria Math" panose="02040503050406030204" pitchFamily="18" charset="0"/>
+                                </a:rPr>
+                              </m:ctrlPr>
+                            </m:accPr>
+                            <m:e>
+                              <m:r>
+                                <a:rPr lang="fr-FR" sz="1600" b="1" i="1" smtClean="0">
+                                  <a:latin typeface="Cambria Math" panose="02040503050406030204" pitchFamily="18" charset="0"/>
+                                  <a:ea typeface="Cambria Math" panose="02040503050406030204" pitchFamily="18" charset="0"/>
+                                </a:rPr>
+                                <m:t>𝜷</m:t>
+                              </m:r>
+                            </m:e>
+                          </m:acc>
+                        </m:e>
+                        <m:sub>
+                          <m:r>
+                            <a:rPr lang="fr-FR" sz="1600" b="1" i="1" smtClean="0">
+                              <a:latin typeface="Cambria Math" panose="02040503050406030204" pitchFamily="18" charset="0"/>
+                            </a:rPr>
+                            <m:t>𝒊𝒏𝒕𝒆𝒓</m:t>
+                          </m:r>
+                          <m:r>
+                            <a:rPr lang="fr-FR" sz="1600" b="1" i="1" smtClean="0">
+                              <a:latin typeface="Cambria Math" panose="02040503050406030204" pitchFamily="18" charset="0"/>
+                            </a:rPr>
+                            <m:t>−</m:t>
+                          </m:r>
+                          <m:r>
+                            <a:rPr lang="fr-FR" sz="1600" b="1" i="1" smtClean="0">
+                              <a:latin typeface="Cambria Math" panose="02040503050406030204" pitchFamily="18" charset="0"/>
+                            </a:rPr>
+                            <m:t>𝒔𝒕𝒂𝒕𝒊𝒐𝒏</m:t>
+                          </m:r>
+                        </m:sub>
+                      </m:sSub>
+                      <m:r>
+                        <a:rPr lang="fr-FR" sz="1600" b="1" i="1" smtClean="0">
+                          <a:latin typeface="Cambria Math" panose="02040503050406030204" pitchFamily="18" charset="0"/>
+                        </a:rPr>
+                        <m:t>=</m:t>
+                      </m:r>
+                      <m:r>
+                        <a:rPr lang="fr-FR" sz="1600" b="1" i="1" smtClean="0">
+                          <a:latin typeface="Cambria Math" panose="02040503050406030204" pitchFamily="18" charset="0"/>
+                        </a:rPr>
+                        <m:t>𝟕</m:t>
+                      </m:r>
+                      <m:r>
+                        <a:rPr lang="fr-FR" sz="1600" b="1" i="1" smtClean="0">
+                          <a:latin typeface="Cambria Math" panose="02040503050406030204" pitchFamily="18" charset="0"/>
+                        </a:rPr>
+                        <m:t> %</m:t>
+                      </m:r>
+                    </m:oMath>
+                  </m:oMathPara>
+                </a14:m>
+                <a:endParaRPr lang="fr-FR" sz="1400" b="1" dirty="0" smtClean="0">
+                  <a:latin typeface="Arial" panose="020B0604020202020204" pitchFamily="34" charset="0"/>
+                  <a:cs typeface="Arial" panose="020B0604020202020204" pitchFamily="34" charset="0"/>
+                </a:endParaRPr>
+              </a:p>
+            </p:txBody>
+          </p:sp>
+        </mc:Choice>
+        <mc:Fallback>
+          <p:sp>
+            <p:nvSpPr>
+              <p:cNvPr id="52" name="ZoneTexte 51"/>
+              <p:cNvSpPr txBox="1">
+                <a:spLocks noRot="1" noChangeAspect="1" noMove="1" noResize="1" noEditPoints="1" noAdjustHandles="1" noChangeArrowheads="1" noChangeShapeType="1" noTextEdit="1"/>
+              </p:cNvSpPr>
+              <p:nvPr/>
+            </p:nvSpPr>
+            <p:spPr>
+              <a:xfrm>
+                <a:off x="9698768" y="11195551"/>
+                <a:ext cx="2016982" cy="344133"/>
+              </a:xfrm>
+              <a:prstGeom prst="rect">
+                <a:avLst/>
+              </a:prstGeom>
+              <a:blipFill>
+                <a:blip r:embed="rId10"/>
+                <a:stretch>
+                  <a:fillRect b="-12500"/>
+                </a:stretch>
+              </a:blipFill>
+            </p:spPr>
+            <p:txBody>
+              <a:bodyPr/>
+              <a:lstStyle/>
+              <a:p>
+                <a:r>
+                  <a:rPr lang="fr-FR">
+                    <a:noFill/>
+                  </a:rPr>
+                  <a:t> </a:t>
+                </a:r>
+              </a:p>
+            </p:txBody>
+          </p:sp>
+        </mc:Fallback>
+      </mc:AlternateContent>
+      <mc:AlternateContent xmlns:mc="http://schemas.openxmlformats.org/markup-compatibility/2006">
+        <mc:Choice xmlns:a14="http://schemas.microsoft.com/office/drawing/2010/main" Requires="a14">
+          <p:sp>
+            <p:nvSpPr>
+              <p:cNvPr id="53" name="ZoneTexte 52"/>
+              <p:cNvSpPr txBox="1"/>
+              <p:nvPr/>
+            </p:nvSpPr>
+            <p:spPr>
+              <a:xfrm>
+                <a:off x="9698768" y="11924473"/>
+                <a:ext cx="1790819" cy="338554"/>
+              </a:xfrm>
+              <a:prstGeom prst="rect">
+                <a:avLst/>
+              </a:prstGeom>
+              <a:noFill/>
+            </p:spPr>
+            <p:txBody>
+              <a:bodyPr wrap="square" rtlCol="0">
+                <a:spAutoFit/>
+              </a:bodyPr>
+              <a:lstStyle/>
+              <a:p>
+                <a:pPr algn="ctr"/>
+                <a14:m>
+                  <m:oMathPara xmlns:m="http://schemas.openxmlformats.org/officeDocument/2006/math">
+                    <m:oMathParaPr>
+                      <m:jc m:val="left"/>
+                    </m:oMathParaPr>
+                    <m:oMath xmlns:m="http://schemas.openxmlformats.org/officeDocument/2006/math">
+                      <m:sSub>
+                        <m:sSubPr>
+                          <m:ctrlPr>
+                            <a:rPr lang="fr-FR" sz="1600" b="1" i="1" smtClean="0">
+                              <a:latin typeface="Cambria Math" panose="02040503050406030204" pitchFamily="18" charset="0"/>
+                            </a:rPr>
+                          </m:ctrlPr>
+                        </m:sSubPr>
+                        <m:e>
+                          <m:acc>
+                            <m:accPr>
+                              <m:chr m:val="̅"/>
+                              <m:ctrlPr>
+                                <a:rPr lang="fr-FR" sz="1600" b="1" i="1" smtClean="0">
+                                  <a:latin typeface="Cambria Math" panose="02040503050406030204" pitchFamily="18" charset="0"/>
+                                </a:rPr>
+                              </m:ctrlPr>
+                            </m:accPr>
+                            <m:e>
+                              <m:r>
+                                <a:rPr lang="fr-FR" sz="1600" b="1" i="1" smtClean="0">
+                                  <a:latin typeface="Cambria Math" panose="02040503050406030204" pitchFamily="18" charset="0"/>
+                                  <a:ea typeface="Cambria Math" panose="02040503050406030204" pitchFamily="18" charset="0"/>
+                                </a:rPr>
+                                <m:t>𝜶</m:t>
+                              </m:r>
+                            </m:e>
+                          </m:acc>
+                        </m:e>
+                        <m:sub>
+                          <m:r>
+                            <a:rPr lang="fr-FR" sz="1600" b="1" i="1" smtClean="0">
+                              <a:latin typeface="Cambria Math" panose="02040503050406030204" pitchFamily="18" charset="0"/>
+                            </a:rPr>
+                            <m:t>𝒔𝒕𝒂𝒕𝒊𝒐𝒏</m:t>
+                          </m:r>
+                        </m:sub>
+                      </m:sSub>
+                      <m:r>
+                        <a:rPr lang="fr-FR" sz="1600" b="1" i="1" smtClean="0">
+                          <a:latin typeface="Cambria Math" panose="02040503050406030204" pitchFamily="18" charset="0"/>
+                        </a:rPr>
+                        <m:t>=</m:t>
+                      </m:r>
+                      <m:r>
+                        <a:rPr lang="fr-FR" sz="1600" b="1" i="1" smtClean="0">
+                          <a:latin typeface="Cambria Math" panose="02040503050406030204" pitchFamily="18" charset="0"/>
+                        </a:rPr>
+                        <m:t>𝟒</m:t>
+                      </m:r>
+                      <m:r>
+                        <a:rPr lang="fr-FR" sz="1600" b="1" i="1" smtClean="0">
+                          <a:latin typeface="Cambria Math" panose="02040503050406030204" pitchFamily="18" charset="0"/>
+                        </a:rPr>
+                        <m:t>.</m:t>
+                      </m:r>
+                      <m:r>
+                        <a:rPr lang="fr-FR" sz="1600" b="1" i="1" smtClean="0">
+                          <a:latin typeface="Cambria Math" panose="02040503050406030204" pitchFamily="18" charset="0"/>
+                        </a:rPr>
+                        <m:t>𝟓</m:t>
+                      </m:r>
+                      <m:r>
+                        <a:rPr lang="fr-FR" sz="1600" b="1" i="1" smtClean="0">
+                          <a:latin typeface="Cambria Math" panose="02040503050406030204" pitchFamily="18" charset="0"/>
+                        </a:rPr>
+                        <m:t> %</m:t>
+                      </m:r>
+                    </m:oMath>
+                  </m:oMathPara>
+                </a14:m>
+                <a:endParaRPr lang="fr-FR" sz="1400" b="1" dirty="0" smtClean="0">
+                  <a:latin typeface="Arial" panose="020B0604020202020204" pitchFamily="34" charset="0"/>
+                  <a:cs typeface="Arial" panose="020B0604020202020204" pitchFamily="34" charset="0"/>
+                </a:endParaRPr>
+              </a:p>
+            </p:txBody>
+          </p:sp>
+        </mc:Choice>
+        <mc:Fallback>
+          <p:sp>
+            <p:nvSpPr>
+              <p:cNvPr id="53" name="ZoneTexte 52"/>
+              <p:cNvSpPr txBox="1">
+                <a:spLocks noRot="1" noChangeAspect="1" noMove="1" noResize="1" noEditPoints="1" noAdjustHandles="1" noChangeArrowheads="1" noChangeShapeType="1" noTextEdit="1"/>
+              </p:cNvSpPr>
+              <p:nvPr/>
+            </p:nvSpPr>
+            <p:spPr>
+              <a:xfrm>
+                <a:off x="9698768" y="11924473"/>
+                <a:ext cx="1790819" cy="338554"/>
+              </a:xfrm>
+              <a:prstGeom prst="rect">
+                <a:avLst/>
+              </a:prstGeom>
+              <a:blipFill>
+                <a:blip r:embed="rId11"/>
+                <a:stretch>
+                  <a:fillRect/>
+                </a:stretch>
+              </a:blipFill>
+            </p:spPr>
+            <p:txBody>
+              <a:bodyPr/>
+              <a:lstStyle/>
+              <a:p>
+                <a:r>
+                  <a:rPr lang="fr-FR">
+                    <a:noFill/>
+                  </a:rPr>
+                  <a:t> </a:t>
+                </a:r>
+              </a:p>
+            </p:txBody>
+          </p:sp>
+        </mc:Fallback>
+      </mc:AlternateContent>
+      <p:sp>
+        <p:nvSpPr>
+          <p:cNvPr id="54" name="ZoneTexte 53"/>
+          <p:cNvSpPr txBox="1"/>
+          <p:nvPr/>
+        </p:nvSpPr>
+        <p:spPr>
+          <a:xfrm>
+            <a:off x="11360487" y="9114084"/>
+            <a:ext cx="682313" cy="261610"/>
+          </a:xfrm>
+          <a:prstGeom prst="rect">
+            <a:avLst/>
+          </a:prstGeom>
+          <a:solidFill>
+            <a:schemeClr val="bg1"/>
+          </a:solidFill>
+        </p:spPr>
+        <p:txBody>
+          <a:bodyPr wrap="square" rtlCol="0">
+            <a:spAutoFit/>
+          </a:bodyPr>
+          <a:lstStyle/>
+          <a:p>
+            <a:r>
+              <a:rPr lang="fr-FR" sz="1100" dirty="0" smtClean="0">
+                <a:latin typeface="Arial" panose="020B0604020202020204" pitchFamily="34" charset="0"/>
+                <a:cs typeface="Arial" panose="020B0604020202020204" pitchFamily="34" charset="0"/>
+              </a:rPr>
+              <a:t>100 %</a:t>
+            </a:r>
+            <a:endParaRPr lang="fr-FR" sz="1100" dirty="0">
+              <a:latin typeface="Arial" panose="020B0604020202020204" pitchFamily="34" charset="0"/>
+              <a:cs typeface="Arial" panose="020B0604020202020204" pitchFamily="34" charset="0"/>
+            </a:endParaRPr>
+          </a:p>
+        </p:txBody>
+      </p:sp>
+      <p:pic>
+        <p:nvPicPr>
+          <p:cNvPr id="56" name="Image 55"/>
+          <p:cNvPicPr>
+            <a:picLocks noChangeAspect="1"/>
+          </p:cNvPicPr>
+          <p:nvPr/>
+        </p:nvPicPr>
+        <p:blipFill>
+          <a:blip r:embed="rId12">
+            <a:extLst>
+              <a:ext uri="{28A0092B-C50C-407E-A947-70E740481C1C}">
+                <a14:useLocalDpi xmlns:a14="http://schemas.microsoft.com/office/drawing/2010/main" val="0"/>
+              </a:ext>
+            </a:extLst>
+          </a:blip>
+          <a:stretch>
+            <a:fillRect/>
+          </a:stretch>
+        </p:blipFill>
+        <p:spPr>
+          <a:xfrm>
+            <a:off x="765365" y="441046"/>
+            <a:ext cx="10573812" cy="5617624"/>
+          </a:xfrm>
+          <a:prstGeom prst="rect">
+            <a:avLst/>
+          </a:prstGeom>
+        </p:spPr>
+      </p:pic>
+      <p:sp>
+        <p:nvSpPr>
+          <p:cNvPr id="57" name="ZoneTexte 56"/>
+          <p:cNvSpPr txBox="1"/>
+          <p:nvPr/>
+        </p:nvSpPr>
+        <p:spPr>
+          <a:xfrm>
+            <a:off x="734065" y="441046"/>
+            <a:ext cx="481782" cy="369332"/>
+          </a:xfrm>
+          <a:prstGeom prst="rect">
+            <a:avLst/>
+          </a:prstGeom>
+          <a:noFill/>
+        </p:spPr>
+        <p:txBody>
+          <a:bodyPr wrap="square" rtlCol="0">
+            <a:spAutoFit/>
+          </a:bodyPr>
+          <a:lstStyle/>
+          <a:p>
+            <a:r>
+              <a:rPr lang="fr-FR" b="1" dirty="0" smtClean="0">
+                <a:latin typeface="Arial" panose="020B0604020202020204" pitchFamily="34" charset="0"/>
+                <a:cs typeface="Arial" panose="020B0604020202020204" pitchFamily="34" charset="0"/>
+              </a:rPr>
+              <a:t>a</a:t>
+            </a:r>
+            <a:endParaRPr lang="fr-FR" b="1" dirty="0">
+              <a:latin typeface="Arial" panose="020B0604020202020204" pitchFamily="34" charset="0"/>
+              <a:cs typeface="Arial" panose="020B0604020202020204" pitchFamily="34" charset="0"/>
+            </a:endParaRPr>
+          </a:p>
+        </p:txBody>
+      </p:sp>
+      <p:sp>
+        <p:nvSpPr>
+          <p:cNvPr id="58" name="ZoneTexte 57"/>
+          <p:cNvSpPr txBox="1"/>
+          <p:nvPr/>
+        </p:nvSpPr>
+        <p:spPr>
+          <a:xfrm>
+            <a:off x="734065" y="6259729"/>
+            <a:ext cx="481782" cy="369332"/>
+          </a:xfrm>
+          <a:prstGeom prst="rect">
+            <a:avLst/>
+          </a:prstGeom>
+          <a:noFill/>
+        </p:spPr>
+        <p:txBody>
+          <a:bodyPr wrap="square" rtlCol="0">
+            <a:spAutoFit/>
+          </a:bodyPr>
+          <a:lstStyle/>
+          <a:p>
+            <a:r>
+              <a:rPr lang="fr-FR" b="1" dirty="0">
+                <a:latin typeface="Arial" panose="020B0604020202020204" pitchFamily="34" charset="0"/>
+                <a:cs typeface="Arial" panose="020B0604020202020204" pitchFamily="34" charset="0"/>
+              </a:rPr>
+              <a:t>b</a:t>
+            </a:r>
+            <a:endParaRPr lang="fr-FR" b="1" dirty="0">
+              <a:latin typeface="Arial" panose="020B0604020202020204" pitchFamily="34" charset="0"/>
+              <a:cs typeface="Arial" panose="020B0604020202020204" pitchFamily="34" charset="0"/>
+            </a:endParaRPr>
+          </a:p>
+        </p:txBody>
+      </p:sp>
+      <p:pic>
+        <p:nvPicPr>
+          <p:cNvPr id="62" name="Espace réservé du contenu 5"/>
+          <p:cNvPicPr>
+            <a:picLocks noGrp="1" noChangeAspect="1"/>
+          </p:cNvPicPr>
+          <p:nvPr>
+            <p:ph idx="1"/>
+          </p:nvPr>
+        </p:nvPicPr>
+        <p:blipFill rotWithShape="1">
+          <a:blip r:embed="rId13" cstate="print">
+            <a:extLst>
+              <a:ext uri="{28A0092B-C50C-407E-A947-70E740481C1C}">
+                <a14:useLocalDpi xmlns:a14="http://schemas.microsoft.com/office/drawing/2010/main" val="0"/>
+              </a:ext>
+            </a:extLst>
+          </a:blip>
+          <a:srcRect l="632" t="2521" r="50282" b="72836"/>
+          <a:stretch/>
+        </p:blipFill>
+        <p:spPr>
+          <a:xfrm>
+            <a:off x="7154578" y="6982281"/>
+            <a:ext cx="2099003" cy="1490549"/>
+          </a:xfrm>
+        </p:spPr>
+      </p:pic>
+      <p:pic>
+        <p:nvPicPr>
+          <p:cNvPr id="63" name="Espace réservé du contenu 5"/>
+          <p:cNvPicPr>
+            <a:picLocks noChangeAspect="1"/>
+          </p:cNvPicPr>
+          <p:nvPr/>
+        </p:nvPicPr>
+        <p:blipFill rotWithShape="1">
+          <a:blip r:embed="rId14" cstate="print">
+            <a:extLst>
+              <a:ext uri="{28A0092B-C50C-407E-A947-70E740481C1C}">
+                <a14:useLocalDpi xmlns:a14="http://schemas.microsoft.com/office/drawing/2010/main" val="0"/>
+              </a:ext>
+            </a:extLst>
+          </a:blip>
+          <a:srcRect l="50994" t="2672" r="-81" b="72836"/>
+          <a:stretch/>
+        </p:blipFill>
+        <p:spPr>
+          <a:xfrm>
+            <a:off x="9299933" y="6984299"/>
+            <a:ext cx="2109514" cy="1488531"/>
+          </a:xfrm>
+          <a:prstGeom prst="rect">
+            <a:avLst/>
+          </a:prstGeom>
+        </p:spPr>
+      </p:pic>
+      <p:pic>
+        <p:nvPicPr>
+          <p:cNvPr id="64" name="Espace réservé du contenu 5"/>
+          <p:cNvPicPr>
+            <a:picLocks noChangeAspect="1"/>
+          </p:cNvPicPr>
+          <p:nvPr/>
+        </p:nvPicPr>
+        <p:blipFill rotWithShape="1">
+          <a:blip r:embed="rId15" cstate="print">
+            <a:extLst>
+              <a:ext uri="{28A0092B-C50C-407E-A947-70E740481C1C}">
+                <a14:useLocalDpi xmlns:a14="http://schemas.microsoft.com/office/drawing/2010/main" val="0"/>
+              </a:ext>
+            </a:extLst>
+          </a:blip>
+          <a:srcRect l="1057" t="29868" r="50282" b="45340"/>
+          <a:stretch/>
+        </p:blipFill>
+        <p:spPr>
+          <a:xfrm>
+            <a:off x="739948" y="7010347"/>
+            <a:ext cx="2048360" cy="1475892"/>
+          </a:xfrm>
+          <a:prstGeom prst="rect">
+            <a:avLst/>
+          </a:prstGeom>
+        </p:spPr>
+      </p:pic>
+      <p:pic>
+        <p:nvPicPr>
+          <p:cNvPr id="65" name="Espace réservé du contenu 5"/>
+          <p:cNvPicPr>
+            <a:picLocks noChangeAspect="1"/>
+          </p:cNvPicPr>
+          <p:nvPr/>
+        </p:nvPicPr>
+        <p:blipFill rotWithShape="1">
+          <a:blip r:embed="rId16" cstate="print">
+            <a:extLst>
+              <a:ext uri="{28A0092B-C50C-407E-A947-70E740481C1C}">
+                <a14:useLocalDpi xmlns:a14="http://schemas.microsoft.com/office/drawing/2010/main" val="0"/>
+              </a:ext>
+            </a:extLst>
+          </a:blip>
+          <a:srcRect l="50356" t="30018" r="558" b="45340"/>
+          <a:stretch/>
+        </p:blipFill>
+        <p:spPr>
+          <a:xfrm>
+            <a:off x="2877116" y="7004843"/>
+            <a:ext cx="2067713" cy="1467987"/>
+          </a:xfrm>
+          <a:prstGeom prst="rect">
+            <a:avLst/>
+          </a:prstGeom>
+        </p:spPr>
+      </p:pic>
+      <p:pic>
+        <p:nvPicPr>
+          <p:cNvPr id="66" name="Espace réservé du contenu 5"/>
+          <p:cNvPicPr>
+            <a:picLocks noChangeAspect="1"/>
+          </p:cNvPicPr>
+          <p:nvPr/>
+        </p:nvPicPr>
+        <p:blipFill rotWithShape="1">
+          <a:blip r:embed="rId17" cstate="print">
+            <a:extLst>
+              <a:ext uri="{28A0092B-C50C-407E-A947-70E740481C1C}">
+                <a14:useLocalDpi xmlns:a14="http://schemas.microsoft.com/office/drawing/2010/main" val="0"/>
+              </a:ext>
+            </a:extLst>
+          </a:blip>
+          <a:srcRect l="25707" t="55562" r="25844" b="19646"/>
+          <a:stretch/>
+        </p:blipFill>
+        <p:spPr>
+          <a:xfrm>
+            <a:off x="5025536" y="7006349"/>
+            <a:ext cx="2034641" cy="1472437"/>
+          </a:xfrm>
+          <a:prstGeom prst="rect">
+            <a:avLst/>
+          </a:prstGeom>
+        </p:spPr>
+      </p:pic>
     </p:spTree>
     <p:extLst>
       <p:ext uri="{BB962C8B-B14F-4D97-AF65-F5344CB8AC3E}">

--- a/outputs/00_Figures_for_paper/Figure3.pptx
+++ b/outputs/00_Figures_for_paper/Figure3.pptx
@@ -243,7 +243,7 @@
           <a:p>
             <a:fld id="{CF97A134-FB87-44B0-94D1-6D4AE8ED7871}" type="datetimeFigureOut">
               <a:rPr lang="fr-FR" smtClean="0"/>
-              <a:t>08/03/2021</a:t>
+              <a:t>11/03/2021</a:t>
             </a:fld>
             <a:endParaRPr lang="fr-FR"/>
           </a:p>
@@ -413,7 +413,7 @@
           <a:p>
             <a:fld id="{CF97A134-FB87-44B0-94D1-6D4AE8ED7871}" type="datetimeFigureOut">
               <a:rPr lang="fr-FR" smtClean="0"/>
-              <a:t>08/03/2021</a:t>
+              <a:t>11/03/2021</a:t>
             </a:fld>
             <a:endParaRPr lang="fr-FR"/>
           </a:p>
@@ -593,7 +593,7 @@
           <a:p>
             <a:fld id="{CF97A134-FB87-44B0-94D1-6D4AE8ED7871}" type="datetimeFigureOut">
               <a:rPr lang="fr-FR" smtClean="0"/>
-              <a:t>08/03/2021</a:t>
+              <a:t>11/03/2021</a:t>
             </a:fld>
             <a:endParaRPr lang="fr-FR"/>
           </a:p>
@@ -763,7 +763,7 @@
           <a:p>
             <a:fld id="{CF97A134-FB87-44B0-94D1-6D4AE8ED7871}" type="datetimeFigureOut">
               <a:rPr lang="fr-FR" smtClean="0"/>
-              <a:t>08/03/2021</a:t>
+              <a:t>11/03/2021</a:t>
             </a:fld>
             <a:endParaRPr lang="fr-FR"/>
           </a:p>
@@ -1007,7 +1007,7 @@
           <a:p>
             <a:fld id="{CF97A134-FB87-44B0-94D1-6D4AE8ED7871}" type="datetimeFigureOut">
               <a:rPr lang="fr-FR" smtClean="0"/>
-              <a:t>08/03/2021</a:t>
+              <a:t>11/03/2021</a:t>
             </a:fld>
             <a:endParaRPr lang="fr-FR"/>
           </a:p>
@@ -1239,7 +1239,7 @@
           <a:p>
             <a:fld id="{CF97A134-FB87-44B0-94D1-6D4AE8ED7871}" type="datetimeFigureOut">
               <a:rPr lang="fr-FR" smtClean="0"/>
-              <a:t>08/03/2021</a:t>
+              <a:t>11/03/2021</a:t>
             </a:fld>
             <a:endParaRPr lang="fr-FR"/>
           </a:p>
@@ -1606,7 +1606,7 @@
           <a:p>
             <a:fld id="{CF97A134-FB87-44B0-94D1-6D4AE8ED7871}" type="datetimeFigureOut">
               <a:rPr lang="fr-FR" smtClean="0"/>
-              <a:t>08/03/2021</a:t>
+              <a:t>11/03/2021</a:t>
             </a:fld>
             <a:endParaRPr lang="fr-FR"/>
           </a:p>
@@ -1724,7 +1724,7 @@
           <a:p>
             <a:fld id="{CF97A134-FB87-44B0-94D1-6D4AE8ED7871}" type="datetimeFigureOut">
               <a:rPr lang="fr-FR" smtClean="0"/>
-              <a:t>08/03/2021</a:t>
+              <a:t>11/03/2021</a:t>
             </a:fld>
             <a:endParaRPr lang="fr-FR"/>
           </a:p>
@@ -1819,7 +1819,7 @@
           <a:p>
             <a:fld id="{CF97A134-FB87-44B0-94D1-6D4AE8ED7871}" type="datetimeFigureOut">
               <a:rPr lang="fr-FR" smtClean="0"/>
-              <a:t>08/03/2021</a:t>
+              <a:t>11/03/2021</a:t>
             </a:fld>
             <a:endParaRPr lang="fr-FR"/>
           </a:p>
@@ -2096,7 +2096,7 @@
           <a:p>
             <a:fld id="{CF97A134-FB87-44B0-94D1-6D4AE8ED7871}" type="datetimeFigureOut">
               <a:rPr lang="fr-FR" smtClean="0"/>
-              <a:t>08/03/2021</a:t>
+              <a:t>11/03/2021</a:t>
             </a:fld>
             <a:endParaRPr lang="fr-FR"/>
           </a:p>
@@ -2353,7 +2353,7 @@
           <a:p>
             <a:fld id="{CF97A134-FB87-44B0-94D1-6D4AE8ED7871}" type="datetimeFigureOut">
               <a:rPr lang="fr-FR" smtClean="0"/>
-              <a:t>08/03/2021</a:t>
+              <a:t>11/03/2021</a:t>
             </a:fld>
             <a:endParaRPr lang="fr-FR"/>
           </a:p>
@@ -2566,7 +2566,7 @@
           <a:p>
             <a:fld id="{CF97A134-FB87-44B0-94D1-6D4AE8ED7871}" type="datetimeFigureOut">
               <a:rPr lang="fr-FR" smtClean="0"/>
-              <a:t>08/03/2021</a:t>
+              <a:t>11/03/2021</a:t>
             </a:fld>
             <a:endParaRPr lang="fr-FR"/>
           </a:p>
@@ -3235,14 +3235,7 @@
                 <a:latin typeface="Arial" panose="020B0604020202020204" pitchFamily="34" charset="0"/>
                 <a:cs typeface="Arial" panose="020B0604020202020204" pitchFamily="34" charset="0"/>
               </a:rPr>
-              <a:t>Tropical SW </a:t>
-            </a:r>
-            <a:r>
-              <a:rPr lang="fr-FR" sz="1400" b="1" dirty="0" smtClean="0">
-                <a:latin typeface="Arial" panose="020B0604020202020204" pitchFamily="34" charset="0"/>
-                <a:cs typeface="Arial" panose="020B0604020202020204" pitchFamily="34" charset="0"/>
-              </a:rPr>
-              <a:t>Pacific</a:t>
+              <a:t>Tropical SW Pacific</a:t>
             </a:r>
             <a:endParaRPr lang="fr-FR" sz="1400" b="1" dirty="0">
               <a:latin typeface="Arial" panose="020B0604020202020204" pitchFamily="34" charset="0"/>
@@ -3421,14 +3414,7 @@
                 <a:latin typeface="Arial" panose="020B0604020202020204" pitchFamily="34" charset="0"/>
                 <a:cs typeface="Arial" panose="020B0604020202020204" pitchFamily="34" charset="0"/>
               </a:rPr>
-              <a:t> </a:t>
-            </a:r>
-            <a:r>
-              <a:rPr lang="fr-FR" sz="1200" i="1" dirty="0" smtClean="0">
-                <a:latin typeface="Arial" panose="020B0604020202020204" pitchFamily="34" charset="0"/>
-                <a:cs typeface="Arial" panose="020B0604020202020204" pitchFamily="34" charset="0"/>
-              </a:rPr>
-              <a:t>sites</a:t>
+              <a:t> sites</a:t>
             </a:r>
           </a:p>
           <a:p>
@@ -3488,11 +3474,25 @@
           <a:p>
             <a:pPr algn="ctr"/>
             <a:r>
+              <a:rPr lang="fr-FR" sz="1200" i="1" dirty="0">
+                <a:latin typeface="Arial" panose="020B0604020202020204" pitchFamily="34" charset="0"/>
+                <a:cs typeface="Arial" panose="020B0604020202020204" pitchFamily="34" charset="0"/>
+              </a:rPr>
+              <a:t>1</a:t>
+            </a:r>
+            <a:r>
               <a:rPr lang="fr-FR" sz="1200" i="1" dirty="0" smtClean="0">
                 <a:latin typeface="Arial" panose="020B0604020202020204" pitchFamily="34" charset="0"/>
                 <a:cs typeface="Arial" panose="020B0604020202020204" pitchFamily="34" charset="0"/>
               </a:rPr>
-              <a:t>48 stations</a:t>
+              <a:t>8 </a:t>
+            </a:r>
+            <a:r>
+              <a:rPr lang="fr-FR" sz="1200" i="1" dirty="0" smtClean="0">
+                <a:latin typeface="Arial" panose="020B0604020202020204" pitchFamily="34" charset="0"/>
+                <a:cs typeface="Arial" panose="020B0604020202020204" pitchFamily="34" charset="0"/>
+              </a:rPr>
+              <a:t>stations</a:t>
             </a:r>
             <a:endParaRPr lang="fr-FR" sz="1200" i="1" dirty="0">
               <a:latin typeface="Arial" panose="020B0604020202020204" pitchFamily="34" charset="0"/>
@@ -3597,14 +3597,7 @@
                 <a:latin typeface="Arial" panose="020B0604020202020204" pitchFamily="34" charset="0"/>
                 <a:cs typeface="Arial" panose="020B0604020202020204" pitchFamily="34" charset="0"/>
               </a:rPr>
-              <a:t> </a:t>
-            </a:r>
-            <a:r>
-              <a:rPr lang="fr-FR" sz="1200" i="1" dirty="0" smtClean="0">
-                <a:latin typeface="Arial" panose="020B0604020202020204" pitchFamily="34" charset="0"/>
-                <a:cs typeface="Arial" panose="020B0604020202020204" pitchFamily="34" charset="0"/>
-              </a:rPr>
-              <a:t>sites</a:t>
+              <a:t> sites</a:t>
             </a:r>
           </a:p>
           <a:p>
@@ -3659,8 +3652,8 @@
           </a:p>
         </p:txBody>
       </p:sp>
-      <mc:AlternateContent xmlns:mc="http://schemas.openxmlformats.org/markup-compatibility/2006">
-        <mc:Choice xmlns:a14="http://schemas.microsoft.com/office/drawing/2010/main" Requires="a14">
+      <mc:AlternateContent xmlns:mc="http://schemas.openxmlformats.org/markup-compatibility/2006" xmlns:a14="http://schemas.microsoft.com/office/drawing/2010/main">
+        <mc:Choice Requires="a14">
           <p:sp>
             <p:nvSpPr>
               <p:cNvPr id="30" name="ZoneTexte 29"/>
@@ -3727,7 +3720,7 @@
             </p:txBody>
           </p:sp>
         </mc:Choice>
-        <mc:Fallback>
+        <mc:Fallback xmlns="">
           <p:sp>
             <p:nvSpPr>
               <p:cNvPr id="30" name="ZoneTexte 29"/>
@@ -3766,8 +3759,8 @@
           </p:sp>
         </mc:Fallback>
       </mc:AlternateContent>
-      <mc:AlternateContent xmlns:mc="http://schemas.openxmlformats.org/markup-compatibility/2006">
-        <mc:Choice xmlns:a14="http://schemas.microsoft.com/office/drawing/2010/main" Requires="a14">
+      <mc:AlternateContent xmlns:mc="http://schemas.openxmlformats.org/markup-compatibility/2006" xmlns:a14="http://schemas.microsoft.com/office/drawing/2010/main">
+        <mc:Choice Requires="a14">
           <p:sp>
             <p:nvSpPr>
               <p:cNvPr id="31" name="ZoneTexte 30"/>
@@ -3846,7 +3839,7 @@
             </p:txBody>
           </p:sp>
         </mc:Choice>
-        <mc:Fallback>
+        <mc:Fallback xmlns="">
           <p:sp>
             <p:nvSpPr>
               <p:cNvPr id="31" name="ZoneTexte 30"/>
@@ -3885,8 +3878,8 @@
           </p:sp>
         </mc:Fallback>
       </mc:AlternateContent>
-      <mc:AlternateContent xmlns:mc="http://schemas.openxmlformats.org/markup-compatibility/2006">
-        <mc:Choice xmlns:a14="http://schemas.microsoft.com/office/drawing/2010/main" Requires="a14">
+      <mc:AlternateContent xmlns:mc="http://schemas.openxmlformats.org/markup-compatibility/2006" xmlns:a14="http://schemas.microsoft.com/office/drawing/2010/main">
+        <mc:Choice Requires="a14">
           <p:sp>
             <p:nvSpPr>
               <p:cNvPr id="32" name="ZoneTexte 31"/>
@@ -3965,7 +3958,7 @@
             </p:txBody>
           </p:sp>
         </mc:Choice>
-        <mc:Fallback>
+        <mc:Fallback xmlns="">
           <p:sp>
             <p:nvSpPr>
               <p:cNvPr id="32" name="ZoneTexte 31"/>
@@ -4004,8 +3997,8 @@
           </p:sp>
         </mc:Fallback>
       </mc:AlternateContent>
-      <mc:AlternateContent xmlns:mc="http://schemas.openxmlformats.org/markup-compatibility/2006">
-        <mc:Choice xmlns:a14="http://schemas.microsoft.com/office/drawing/2010/main" Requires="a14">
+      <mc:AlternateContent xmlns:mc="http://schemas.openxmlformats.org/markup-compatibility/2006" xmlns:a14="http://schemas.microsoft.com/office/drawing/2010/main">
+        <mc:Choice Requires="a14">
           <p:sp>
             <p:nvSpPr>
               <p:cNvPr id="33" name="ZoneTexte 32"/>
@@ -4067,7 +4060,7 @@
             </p:txBody>
           </p:sp>
         </mc:Choice>
-        <mc:Fallback>
+        <mc:Fallback xmlns="">
           <p:sp>
             <p:nvSpPr>
               <p:cNvPr id="33" name="ZoneTexte 32"/>
@@ -4250,8 +4243,8 @@
           </a:p>
         </p:txBody>
       </p:sp>
-      <mc:AlternateContent xmlns:mc="http://schemas.openxmlformats.org/markup-compatibility/2006">
-        <mc:Choice xmlns:a14="http://schemas.microsoft.com/office/drawing/2010/main" Requires="a14">
+      <mc:AlternateContent xmlns:mc="http://schemas.openxmlformats.org/markup-compatibility/2006" xmlns:a14="http://schemas.microsoft.com/office/drawing/2010/main">
+        <mc:Choice Requires="a14">
           <p:sp>
             <p:nvSpPr>
               <p:cNvPr id="49" name="ZoneTexte 48"/>
@@ -4347,7 +4340,7 @@
             </p:txBody>
           </p:sp>
         </mc:Choice>
-        <mc:Fallback>
+        <mc:Fallback xmlns="">
           <p:sp>
             <p:nvSpPr>
               <p:cNvPr id="49" name="ZoneTexte 48"/>
@@ -4386,8 +4379,8 @@
           </p:sp>
         </mc:Fallback>
       </mc:AlternateContent>
-      <mc:AlternateContent xmlns:mc="http://schemas.openxmlformats.org/markup-compatibility/2006">
-        <mc:Choice xmlns:a14="http://schemas.microsoft.com/office/drawing/2010/main" Requires="a14">
+      <mc:AlternateContent xmlns:mc="http://schemas.openxmlformats.org/markup-compatibility/2006" xmlns:a14="http://schemas.microsoft.com/office/drawing/2010/main">
+        <mc:Choice Requires="a14">
           <p:sp>
             <p:nvSpPr>
               <p:cNvPr id="50" name="ZoneTexte 49"/>
@@ -4496,7 +4489,7 @@
             </p:txBody>
           </p:sp>
         </mc:Choice>
-        <mc:Fallback>
+        <mc:Fallback xmlns="">
           <p:sp>
             <p:nvSpPr>
               <p:cNvPr id="50" name="ZoneTexte 49"/>
@@ -4535,8 +4528,8 @@
           </p:sp>
         </mc:Fallback>
       </mc:AlternateContent>
-      <mc:AlternateContent xmlns:mc="http://schemas.openxmlformats.org/markup-compatibility/2006">
-        <mc:Choice xmlns:a14="http://schemas.microsoft.com/office/drawing/2010/main" Requires="a14">
+      <mc:AlternateContent xmlns:mc="http://schemas.openxmlformats.org/markup-compatibility/2006" xmlns:a14="http://schemas.microsoft.com/office/drawing/2010/main">
+        <mc:Choice Requires="a14">
           <p:sp>
             <p:nvSpPr>
               <p:cNvPr id="51" name="ZoneTexte 50"/>
@@ -4645,7 +4638,7 @@
             </p:txBody>
           </p:sp>
         </mc:Choice>
-        <mc:Fallback>
+        <mc:Fallback xmlns="">
           <p:sp>
             <p:nvSpPr>
               <p:cNvPr id="51" name="ZoneTexte 50"/>
@@ -4684,8 +4677,8 @@
           </p:sp>
         </mc:Fallback>
       </mc:AlternateContent>
-      <mc:AlternateContent xmlns:mc="http://schemas.openxmlformats.org/markup-compatibility/2006">
-        <mc:Choice xmlns:a14="http://schemas.microsoft.com/office/drawing/2010/main" Requires="a14">
+      <mc:AlternateContent xmlns:mc="http://schemas.openxmlformats.org/markup-compatibility/2006" xmlns:a14="http://schemas.microsoft.com/office/drawing/2010/main">
+        <mc:Choice Requires="a14">
           <p:sp>
             <p:nvSpPr>
               <p:cNvPr id="52" name="ZoneTexte 51"/>
@@ -4794,7 +4787,7 @@
             </p:txBody>
           </p:sp>
         </mc:Choice>
-        <mc:Fallback>
+        <mc:Fallback xmlns="">
           <p:sp>
             <p:nvSpPr>
               <p:cNvPr id="52" name="ZoneTexte 51"/>
@@ -4833,8 +4826,8 @@
           </p:sp>
         </mc:Fallback>
       </mc:AlternateContent>
-      <mc:AlternateContent xmlns:mc="http://schemas.openxmlformats.org/markup-compatibility/2006">
-        <mc:Choice xmlns:a14="http://schemas.microsoft.com/office/drawing/2010/main" Requires="a14">
+      <mc:AlternateContent xmlns:mc="http://schemas.openxmlformats.org/markup-compatibility/2006" xmlns:a14="http://schemas.microsoft.com/office/drawing/2010/main">
+        <mc:Choice Requires="a14">
           <p:sp>
             <p:nvSpPr>
               <p:cNvPr id="53" name="ZoneTexte 52"/>
@@ -4943,7 +4936,7 @@
             </p:txBody>
           </p:sp>
         </mc:Choice>
-        <mc:Fallback>
+        <mc:Fallback xmlns="">
           <p:sp>
             <p:nvSpPr>
               <p:cNvPr id="53" name="ZoneTexte 52"/>
@@ -5115,10 +5108,6 @@
               </a:rPr>
               <a:t>b</a:t>
             </a:r>
-            <a:endParaRPr lang="fr-FR" b="1" dirty="0">
-              <a:latin typeface="Arial" panose="020B0604020202020204" pitchFamily="34" charset="0"/>
-              <a:cs typeface="Arial" panose="020B0604020202020204" pitchFamily="34" charset="0"/>
-            </a:endParaRPr>
           </a:p>
         </p:txBody>
       </p:sp>

--- a/outputs/00_Figures_for_paper/Figure3.pptx
+++ b/outputs/00_Figures_for_paper/Figure3.pptx
@@ -243,7 +243,7 @@
           <a:p>
             <a:fld id="{CF97A134-FB87-44B0-94D1-6D4AE8ED7871}" type="datetimeFigureOut">
               <a:rPr lang="fr-FR" smtClean="0"/>
-              <a:t>11/03/2021</a:t>
+              <a:t>16/03/2021</a:t>
             </a:fld>
             <a:endParaRPr lang="fr-FR"/>
           </a:p>
@@ -413,7 +413,7 @@
           <a:p>
             <a:fld id="{CF97A134-FB87-44B0-94D1-6D4AE8ED7871}" type="datetimeFigureOut">
               <a:rPr lang="fr-FR" smtClean="0"/>
-              <a:t>11/03/2021</a:t>
+              <a:t>16/03/2021</a:t>
             </a:fld>
             <a:endParaRPr lang="fr-FR"/>
           </a:p>
@@ -593,7 +593,7 @@
           <a:p>
             <a:fld id="{CF97A134-FB87-44B0-94D1-6D4AE8ED7871}" type="datetimeFigureOut">
               <a:rPr lang="fr-FR" smtClean="0"/>
-              <a:t>11/03/2021</a:t>
+              <a:t>16/03/2021</a:t>
             </a:fld>
             <a:endParaRPr lang="fr-FR"/>
           </a:p>
@@ -763,7 +763,7 @@
           <a:p>
             <a:fld id="{CF97A134-FB87-44B0-94D1-6D4AE8ED7871}" type="datetimeFigureOut">
               <a:rPr lang="fr-FR" smtClean="0"/>
-              <a:t>11/03/2021</a:t>
+              <a:t>16/03/2021</a:t>
             </a:fld>
             <a:endParaRPr lang="fr-FR"/>
           </a:p>
@@ -1007,7 +1007,7 @@
           <a:p>
             <a:fld id="{CF97A134-FB87-44B0-94D1-6D4AE8ED7871}" type="datetimeFigureOut">
               <a:rPr lang="fr-FR" smtClean="0"/>
-              <a:t>11/03/2021</a:t>
+              <a:t>16/03/2021</a:t>
             </a:fld>
             <a:endParaRPr lang="fr-FR"/>
           </a:p>
@@ -1239,7 +1239,7 @@
           <a:p>
             <a:fld id="{CF97A134-FB87-44B0-94D1-6D4AE8ED7871}" type="datetimeFigureOut">
               <a:rPr lang="fr-FR" smtClean="0"/>
-              <a:t>11/03/2021</a:t>
+              <a:t>16/03/2021</a:t>
             </a:fld>
             <a:endParaRPr lang="fr-FR"/>
           </a:p>
@@ -1606,7 +1606,7 @@
           <a:p>
             <a:fld id="{CF97A134-FB87-44B0-94D1-6D4AE8ED7871}" type="datetimeFigureOut">
               <a:rPr lang="fr-FR" smtClean="0"/>
-              <a:t>11/03/2021</a:t>
+              <a:t>16/03/2021</a:t>
             </a:fld>
             <a:endParaRPr lang="fr-FR"/>
           </a:p>
@@ -1724,7 +1724,7 @@
           <a:p>
             <a:fld id="{CF97A134-FB87-44B0-94D1-6D4AE8ED7871}" type="datetimeFigureOut">
               <a:rPr lang="fr-FR" smtClean="0"/>
-              <a:t>11/03/2021</a:t>
+              <a:t>16/03/2021</a:t>
             </a:fld>
             <a:endParaRPr lang="fr-FR"/>
           </a:p>
@@ -1819,7 +1819,7 @@
           <a:p>
             <a:fld id="{CF97A134-FB87-44B0-94D1-6D4AE8ED7871}" type="datetimeFigureOut">
               <a:rPr lang="fr-FR" smtClean="0"/>
-              <a:t>11/03/2021</a:t>
+              <a:t>16/03/2021</a:t>
             </a:fld>
             <a:endParaRPr lang="fr-FR"/>
           </a:p>
@@ -2096,7 +2096,7 @@
           <a:p>
             <a:fld id="{CF97A134-FB87-44B0-94D1-6D4AE8ED7871}" type="datetimeFigureOut">
               <a:rPr lang="fr-FR" smtClean="0"/>
-              <a:t>11/03/2021</a:t>
+              <a:t>16/03/2021</a:t>
             </a:fld>
             <a:endParaRPr lang="fr-FR"/>
           </a:p>
@@ -2353,7 +2353,7 @@
           <a:p>
             <a:fld id="{CF97A134-FB87-44B0-94D1-6D4AE8ED7871}" type="datetimeFigureOut">
               <a:rPr lang="fr-FR" smtClean="0"/>
-              <a:t>11/03/2021</a:t>
+              <a:t>16/03/2021</a:t>
             </a:fld>
             <a:endParaRPr lang="fr-FR"/>
           </a:p>
@@ -2566,7 +2566,7 @@
           <a:p>
             <a:fld id="{CF97A134-FB87-44B0-94D1-6D4AE8ED7871}" type="datetimeFigureOut">
               <a:rPr lang="fr-FR" smtClean="0"/>
-              <a:t>11/03/2021</a:t>
+              <a:t>16/03/2021</a:t>
             </a:fld>
             <a:endParaRPr lang="fr-FR"/>
           </a:p>
@@ -3025,10 +3025,10 @@
         </p:nvGrpSpPr>
         <p:grpSpPr>
           <a:xfrm>
-            <a:off x="224589" y="8956918"/>
-            <a:ext cx="11630713" cy="3779723"/>
-            <a:chOff x="0" y="8829967"/>
-            <a:chExt cx="11853158" cy="3779723"/>
+            <a:off x="256009" y="8873319"/>
+            <a:ext cx="9930565" cy="4560495"/>
+            <a:chOff x="32021" y="8746368"/>
+            <a:chExt cx="10120494" cy="4560495"/>
           </a:xfrm>
         </p:grpSpPr>
         <p:pic>
@@ -3053,8 +3053,8 @@
           </p:blipFill>
           <p:spPr>
             <a:xfrm>
-              <a:off x="0" y="8829967"/>
-              <a:ext cx="11853158" cy="3779723"/>
+              <a:off x="32021" y="8746368"/>
+              <a:ext cx="10120494" cy="4560495"/>
             </a:xfrm>
             <a:prstGeom prst="rect">
               <a:avLst/>
@@ -3069,7 +3069,7 @@
           </p:nvSpPr>
           <p:spPr>
             <a:xfrm>
-              <a:off x="490491" y="9120877"/>
+              <a:off x="421290" y="9130118"/>
               <a:ext cx="308397" cy="261610"/>
             </a:xfrm>
             <a:prstGeom prst="rect">
@@ -3126,28 +3126,7 @@
                 <a:latin typeface="Arial" panose="020B0604020202020204" pitchFamily="34" charset="0"/>
                 <a:cs typeface="Arial" panose="020B0604020202020204" pitchFamily="34" charset="0"/>
               </a:rPr>
-              <a:t>Western </a:t>
-            </a:r>
-            <a:r>
-              <a:rPr lang="fr-FR" sz="1400" b="1" dirty="0" err="1" smtClean="0">
-                <a:latin typeface="Arial" panose="020B0604020202020204" pitchFamily="34" charset="0"/>
-                <a:cs typeface="Arial" panose="020B0604020202020204" pitchFamily="34" charset="0"/>
-              </a:rPr>
-              <a:t>Indian</a:t>
-            </a:r>
-            <a:r>
-              <a:rPr lang="fr-FR" sz="1400" b="1" dirty="0" smtClean="0">
-                <a:latin typeface="Arial" panose="020B0604020202020204" pitchFamily="34" charset="0"/>
-                <a:cs typeface="Arial" panose="020B0604020202020204" pitchFamily="34" charset="0"/>
-              </a:rPr>
-              <a:t> </a:t>
-            </a:r>
-            <a:r>
-              <a:rPr lang="fr-FR" sz="1400" b="1" dirty="0" err="1" smtClean="0">
-                <a:latin typeface="Arial" panose="020B0604020202020204" pitchFamily="34" charset="0"/>
-                <a:cs typeface="Arial" panose="020B0604020202020204" pitchFamily="34" charset="0"/>
-              </a:rPr>
-              <a:t>Ocean</a:t>
+              <a:t>Western Indian Ocean</a:t>
             </a:r>
             <a:endParaRPr lang="fr-FR" sz="1400" b="1" dirty="0">
               <a:latin typeface="Arial" panose="020B0604020202020204" pitchFamily="34" charset="0"/>
@@ -3184,21 +3163,7 @@
                 <a:latin typeface="Arial" panose="020B0604020202020204" pitchFamily="34" charset="0"/>
                 <a:cs typeface="Arial" panose="020B0604020202020204" pitchFamily="34" charset="0"/>
               </a:rPr>
-              <a:t>Western </a:t>
-            </a:r>
-            <a:r>
-              <a:rPr lang="fr-FR" sz="1400" b="1" dirty="0" err="1" smtClean="0">
-                <a:latin typeface="Arial" panose="020B0604020202020204" pitchFamily="34" charset="0"/>
-                <a:cs typeface="Arial" panose="020B0604020202020204" pitchFamily="34" charset="0"/>
-              </a:rPr>
-              <a:t>Coral</a:t>
-            </a:r>
-            <a:r>
-              <a:rPr lang="fr-FR" sz="1400" b="1" dirty="0" smtClean="0">
-                <a:latin typeface="Arial" panose="020B0604020202020204" pitchFamily="34" charset="0"/>
-                <a:cs typeface="Arial" panose="020B0604020202020204" pitchFamily="34" charset="0"/>
-              </a:rPr>
-              <a:t> Triangle</a:t>
+              <a:t>Western Coral Triangle</a:t>
             </a:r>
             <a:endParaRPr lang="fr-FR" sz="1400" b="1" dirty="0">
               <a:latin typeface="Arial" panose="020B0604020202020204" pitchFamily="34" charset="0"/>
@@ -3268,25 +3233,11 @@
           <a:p>
             <a:pPr algn="ctr"/>
             <a:r>
-              <a:rPr lang="fr-FR" sz="1400" b="1" dirty="0" err="1" smtClean="0">
-                <a:latin typeface="Arial" panose="020B0604020202020204" pitchFamily="34" charset="0"/>
-                <a:cs typeface="Arial" panose="020B0604020202020204" pitchFamily="34" charset="0"/>
-              </a:rPr>
-              <a:t>Southeast</a:t>
-            </a:r>
-            <a:r>
               <a:rPr lang="fr-FR" sz="1400" b="1" dirty="0" smtClean="0">
                 <a:latin typeface="Arial" panose="020B0604020202020204" pitchFamily="34" charset="0"/>
                 <a:cs typeface="Arial" panose="020B0604020202020204" pitchFamily="34" charset="0"/>
               </a:rPr>
-              <a:t> </a:t>
-            </a:r>
-            <a:r>
-              <a:rPr lang="fr-FR" sz="1400" b="1" dirty="0" err="1" smtClean="0">
-                <a:latin typeface="Arial" panose="020B0604020202020204" pitchFamily="34" charset="0"/>
-                <a:cs typeface="Arial" panose="020B0604020202020204" pitchFamily="34" charset="0"/>
-              </a:rPr>
-              <a:t>Polynesia</a:t>
+              <a:t>Southeast Polynesia</a:t>
             </a:r>
             <a:endParaRPr lang="fr-FR" sz="1400" b="1" dirty="0">
               <a:latin typeface="Arial" panose="020B0604020202020204" pitchFamily="34" charset="0"/>
@@ -3485,14 +3436,7 @@
                 <a:latin typeface="Arial" panose="020B0604020202020204" pitchFamily="34" charset="0"/>
                 <a:cs typeface="Arial" panose="020B0604020202020204" pitchFamily="34" charset="0"/>
               </a:rPr>
-              <a:t>8 </a:t>
-            </a:r>
-            <a:r>
-              <a:rPr lang="fr-FR" sz="1200" i="1" dirty="0" smtClean="0">
-                <a:latin typeface="Arial" panose="020B0604020202020204" pitchFamily="34" charset="0"/>
-                <a:cs typeface="Arial" panose="020B0604020202020204" pitchFamily="34" charset="0"/>
-              </a:rPr>
-              <a:t>stations</a:t>
+              <a:t>8 stations</a:t>
             </a:r>
             <a:endParaRPr lang="fr-FR" sz="1200" i="1" dirty="0">
               <a:latin typeface="Arial" panose="020B0604020202020204" pitchFamily="34" charset="0"/>
@@ -3624,7 +3568,7 @@
         </p:nvSpPr>
         <p:spPr>
           <a:xfrm>
-            <a:off x="11179937" y="8768668"/>
+            <a:off x="9569848" y="8755398"/>
             <a:ext cx="257839" cy="338554"/>
           </a:xfrm>
           <a:prstGeom prst="rect">
@@ -3652,8 +3596,8 @@
           </a:p>
         </p:txBody>
       </p:sp>
-      <mc:AlternateContent xmlns:mc="http://schemas.openxmlformats.org/markup-compatibility/2006" xmlns:a14="http://schemas.microsoft.com/office/drawing/2010/main">
-        <mc:Choice Requires="a14">
+      <mc:AlternateContent xmlns:mc="http://schemas.openxmlformats.org/markup-compatibility/2006">
+        <mc:Choice xmlns:a14="http://schemas.microsoft.com/office/drawing/2010/main" Requires="a14">
           <p:sp>
             <p:nvSpPr>
               <p:cNvPr id="30" name="ZoneTexte 29"/>
@@ -3662,7 +3606,7 @@
             </p:nvSpPr>
             <p:spPr>
               <a:xfrm>
-                <a:off x="8452552" y="9284932"/>
+                <a:off x="7202626" y="9315754"/>
                 <a:ext cx="392158" cy="338554"/>
               </a:xfrm>
               <a:prstGeom prst="rect">
@@ -3720,7 +3664,7 @@
             </p:txBody>
           </p:sp>
         </mc:Choice>
-        <mc:Fallback xmlns="">
+        <mc:Fallback>
           <p:sp>
             <p:nvSpPr>
               <p:cNvPr id="30" name="ZoneTexte 29"/>
@@ -3731,7 +3675,7 @@
             </p:nvSpPr>
             <p:spPr>
               <a:xfrm>
-                <a:off x="8452552" y="9284932"/>
+                <a:off x="7202626" y="9315754"/>
                 <a:ext cx="392158" cy="338554"/>
               </a:xfrm>
               <a:prstGeom prst="rect">
@@ -3759,8 +3703,8 @@
           </p:sp>
         </mc:Fallback>
       </mc:AlternateContent>
-      <mc:AlternateContent xmlns:mc="http://schemas.openxmlformats.org/markup-compatibility/2006" xmlns:a14="http://schemas.microsoft.com/office/drawing/2010/main">
-        <mc:Choice Requires="a14">
+      <mc:AlternateContent xmlns:mc="http://schemas.openxmlformats.org/markup-compatibility/2006">
+        <mc:Choice xmlns:a14="http://schemas.microsoft.com/office/drawing/2010/main" Requires="a14">
           <p:sp>
             <p:nvSpPr>
               <p:cNvPr id="31" name="ZoneTexte 30"/>
@@ -3769,7 +3713,7 @@
             </p:nvSpPr>
             <p:spPr>
               <a:xfrm>
-                <a:off x="2089242" y="9955013"/>
+                <a:off x="1887223" y="10120390"/>
                 <a:ext cx="392158" cy="344133"/>
               </a:xfrm>
               <a:prstGeom prst="rect">
@@ -3839,7 +3783,7 @@
             </p:txBody>
           </p:sp>
         </mc:Choice>
-        <mc:Fallback xmlns="">
+        <mc:Fallback>
           <p:sp>
             <p:nvSpPr>
               <p:cNvPr id="31" name="ZoneTexte 30"/>
@@ -3850,7 +3794,7 @@
             </p:nvSpPr>
             <p:spPr>
               <a:xfrm>
-                <a:off x="2089242" y="9955013"/>
+                <a:off x="1887223" y="10120390"/>
                 <a:ext cx="392158" cy="344133"/>
               </a:xfrm>
               <a:prstGeom prst="rect">
@@ -3859,7 +3803,7 @@
               <a:blipFill>
                 <a:blip r:embed="rId4"/>
                 <a:stretch>
-                  <a:fillRect l="-1563" b="-12500"/>
+                  <a:fillRect l="-1563" b="-10526"/>
                 </a:stretch>
               </a:blipFill>
             </p:spPr>
@@ -3878,8 +3822,8 @@
           </p:sp>
         </mc:Fallback>
       </mc:AlternateContent>
-      <mc:AlternateContent xmlns:mc="http://schemas.openxmlformats.org/markup-compatibility/2006" xmlns:a14="http://schemas.microsoft.com/office/drawing/2010/main">
-        <mc:Choice Requires="a14">
+      <mc:AlternateContent xmlns:mc="http://schemas.openxmlformats.org/markup-compatibility/2006">
+        <mc:Choice xmlns:a14="http://schemas.microsoft.com/office/drawing/2010/main" Requires="a14">
           <p:sp>
             <p:nvSpPr>
               <p:cNvPr id="32" name="ZoneTexte 31"/>
@@ -3888,7 +3832,7 @@
             </p:nvSpPr>
             <p:spPr>
               <a:xfrm>
-                <a:off x="1351269" y="10785263"/>
+                <a:off x="1052878" y="11153566"/>
                 <a:ext cx="392158" cy="344133"/>
               </a:xfrm>
               <a:prstGeom prst="rect">
@@ -3958,7 +3902,7 @@
             </p:txBody>
           </p:sp>
         </mc:Choice>
-        <mc:Fallback xmlns="">
+        <mc:Fallback>
           <p:sp>
             <p:nvSpPr>
               <p:cNvPr id="32" name="ZoneTexte 31"/>
@@ -3969,7 +3913,7 @@
             </p:nvSpPr>
             <p:spPr>
               <a:xfrm>
-                <a:off x="1351269" y="10785263"/>
+                <a:off x="1052878" y="11153566"/>
                 <a:ext cx="392158" cy="344133"/>
               </a:xfrm>
               <a:prstGeom prst="rect">
@@ -3978,7 +3922,7 @@
               <a:blipFill>
                 <a:blip r:embed="rId5"/>
                 <a:stretch>
-                  <a:fillRect l="-1563" r="-6250" b="-10526"/>
+                  <a:fillRect l="-1563" r="-6250" b="-12500"/>
                 </a:stretch>
               </a:blipFill>
             </p:spPr>
@@ -3997,8 +3941,8 @@
           </p:sp>
         </mc:Fallback>
       </mc:AlternateContent>
-      <mc:AlternateContent xmlns:mc="http://schemas.openxmlformats.org/markup-compatibility/2006" xmlns:a14="http://schemas.microsoft.com/office/drawing/2010/main">
-        <mc:Choice Requires="a14">
+      <mc:AlternateContent xmlns:mc="http://schemas.openxmlformats.org/markup-compatibility/2006">
+        <mc:Choice xmlns:a14="http://schemas.microsoft.com/office/drawing/2010/main" Requires="a14">
           <p:sp>
             <p:nvSpPr>
               <p:cNvPr id="33" name="ZoneTexte 32"/>
@@ -4007,7 +3951,7 @@
             </p:nvSpPr>
             <p:spPr>
               <a:xfrm>
-                <a:off x="1076744" y="11671604"/>
+                <a:off x="1021455" y="12179829"/>
                 <a:ext cx="392158" cy="338554"/>
               </a:xfrm>
               <a:prstGeom prst="rect">
@@ -4060,7 +4004,7 @@
             </p:txBody>
           </p:sp>
         </mc:Choice>
-        <mc:Fallback xmlns="">
+        <mc:Fallback>
           <p:sp>
             <p:nvSpPr>
               <p:cNvPr id="33" name="ZoneTexte 32"/>
@@ -4071,7 +4015,7 @@
             </p:nvSpPr>
             <p:spPr>
               <a:xfrm>
-                <a:off x="1076744" y="11671604"/>
+                <a:off x="1021455" y="12179829"/>
                 <a:ext cx="392158" cy="338554"/>
               </a:xfrm>
               <a:prstGeom prst="rect">
@@ -4107,7 +4051,7 @@
         </p:nvSpPr>
         <p:spPr>
           <a:xfrm>
-            <a:off x="705875" y="9719598"/>
+            <a:off x="642892" y="9824840"/>
             <a:ext cx="302609" cy="261610"/>
           </a:xfrm>
           <a:prstGeom prst="rect">
@@ -4143,7 +4087,7 @@
         </p:nvSpPr>
         <p:spPr>
           <a:xfrm>
-            <a:off x="695493" y="10682317"/>
+            <a:off x="637974" y="10977228"/>
             <a:ext cx="302609" cy="261610"/>
           </a:xfrm>
           <a:prstGeom prst="rect">
@@ -4179,7 +4123,7 @@
         </p:nvSpPr>
         <p:spPr>
           <a:xfrm>
-            <a:off x="706074" y="11534107"/>
+            <a:off x="643457" y="12019816"/>
             <a:ext cx="302609" cy="261610"/>
           </a:xfrm>
           <a:prstGeom prst="rect">
@@ -4215,7 +4159,7 @@
         </p:nvSpPr>
         <p:spPr>
           <a:xfrm>
-            <a:off x="706074" y="12359587"/>
+            <a:off x="643236" y="13003403"/>
             <a:ext cx="252666" cy="261610"/>
           </a:xfrm>
           <a:prstGeom prst="rect">
@@ -4243,8 +4187,8 @@
           </a:p>
         </p:txBody>
       </p:sp>
-      <mc:AlternateContent xmlns:mc="http://schemas.openxmlformats.org/markup-compatibility/2006" xmlns:a14="http://schemas.microsoft.com/office/drawing/2010/main">
-        <mc:Choice Requires="a14">
+      <mc:AlternateContent xmlns:mc="http://schemas.openxmlformats.org/markup-compatibility/2006">
+        <mc:Choice xmlns:a14="http://schemas.microsoft.com/office/drawing/2010/main" Requires="a14">
           <p:sp>
             <p:nvSpPr>
               <p:cNvPr id="49" name="ZoneTexte 48"/>
@@ -4253,8 +4197,8 @@
             </p:nvSpPr>
             <p:spPr>
               <a:xfrm>
-                <a:off x="9179542" y="9370671"/>
-                <a:ext cx="2900164" cy="361894"/>
+                <a:off x="10022771" y="9032198"/>
+                <a:ext cx="1878318" cy="577338"/>
               </a:xfrm>
               <a:prstGeom prst="rect">
                 <a:avLst/>
@@ -4267,6 +4211,7 @@
               </a:bodyPr>
               <a:lstStyle/>
               <a:p>
+                <a:pPr algn="ctr"/>
                 <a14:m>
                   <m:oMath xmlns:m="http://schemas.openxmlformats.org/officeDocument/2006/math">
                     <m:sSub>
@@ -4320,18 +4265,28 @@
                     <a:latin typeface="Arial" panose="020B0604020202020204" pitchFamily="34" charset="0"/>
                     <a:cs typeface="Arial" panose="020B0604020202020204" pitchFamily="34" charset="0"/>
                   </a:rPr>
-                  <a:t> (</a:t>
-                </a:r>
-                <a:r>
-                  <a:rPr lang="fr-FR" sz="1400" b="1" dirty="0">
-                    <a:latin typeface="Arial" panose="020B0604020202020204" pitchFamily="34" charset="0"/>
-                    <a:cs typeface="Arial" panose="020B0604020202020204" pitchFamily="34" charset="0"/>
-                  </a:rPr>
-                  <a:t>2160 </a:t>
+                  <a:t> </a:t>
                 </a:r>
                 <a:r>
                   <a:rPr lang="fr-FR" sz="1400" b="1" dirty="0" smtClean="0">
-                    <a:latin typeface="Arial" panose="020B0604020202020204" pitchFamily="34" charset="0"/>
+                    <a:latin typeface="Cambria Math" panose="02040503050406030204" pitchFamily="18" charset="0"/>
+                    <a:ea typeface="Cambria Math" panose="02040503050406030204" pitchFamily="18" charset="0"/>
+                    <a:cs typeface="Arial" panose="020B0604020202020204" pitchFamily="34" charset="0"/>
+                  </a:rPr>
+                  <a:t>(</a:t>
+                </a:r>
+                <a:r>
+                  <a:rPr lang="fr-FR" sz="1400" b="1" dirty="0" smtClean="0">
+                    <a:latin typeface="Cambria Math" panose="02040503050406030204" pitchFamily="18" charset="0"/>
+                    <a:ea typeface="Cambria Math" panose="02040503050406030204" pitchFamily="18" charset="0"/>
+                    <a:cs typeface="Arial" panose="020B0604020202020204" pitchFamily="34" charset="0"/>
+                  </a:rPr>
+                  <a:t>2116 </a:t>
+                </a:r>
+                <a:r>
+                  <a:rPr lang="fr-FR" sz="1400" b="1" dirty="0" smtClean="0">
+                    <a:latin typeface="Cambria Math" panose="02040503050406030204" pitchFamily="18" charset="0"/>
+                    <a:ea typeface="Cambria Math" panose="02040503050406030204" pitchFamily="18" charset="0"/>
                     <a:cs typeface="Arial" panose="020B0604020202020204" pitchFamily="34" charset="0"/>
                   </a:rPr>
                   <a:t>MOTUs)</a:t>
@@ -4340,7 +4295,7 @@
             </p:txBody>
           </p:sp>
         </mc:Choice>
-        <mc:Fallback xmlns="">
+        <mc:Fallback>
           <p:sp>
             <p:nvSpPr>
               <p:cNvPr id="49" name="ZoneTexte 48"/>
@@ -4351,8 +4306,8 @@
             </p:nvSpPr>
             <p:spPr>
               <a:xfrm>
-                <a:off x="9179542" y="9370671"/>
-                <a:ext cx="2900164" cy="361894"/>
+                <a:off x="10022771" y="9032198"/>
+                <a:ext cx="1878318" cy="577338"/>
               </a:xfrm>
               <a:prstGeom prst="rect">
                 <a:avLst/>
@@ -4360,7 +4315,7 @@
               <a:blipFill>
                 <a:blip r:embed="rId7"/>
                 <a:stretch>
-                  <a:fillRect b="-8333"/>
+                  <a:fillRect b="-9574"/>
                 </a:stretch>
               </a:blipFill>
             </p:spPr>
@@ -4379,8 +4334,8 @@
           </p:sp>
         </mc:Fallback>
       </mc:AlternateContent>
-      <mc:AlternateContent xmlns:mc="http://schemas.openxmlformats.org/markup-compatibility/2006" xmlns:a14="http://schemas.microsoft.com/office/drawing/2010/main">
-        <mc:Choice Requires="a14">
+      <mc:AlternateContent xmlns:mc="http://schemas.openxmlformats.org/markup-compatibility/2006">
+        <mc:Choice xmlns:a14="http://schemas.microsoft.com/office/drawing/2010/main" Requires="a14">
           <p:sp>
             <p:nvSpPr>
               <p:cNvPr id="50" name="ZoneTexte 49"/>
@@ -4389,7 +4344,7 @@
             </p:nvSpPr>
             <p:spPr>
               <a:xfrm>
-                <a:off x="9698768" y="9917597"/>
+                <a:off x="9698767" y="9692772"/>
                 <a:ext cx="2380937" cy="361894"/>
               </a:xfrm>
               <a:prstGeom prst="rect">
@@ -4464,18 +4419,6 @@
                         <a:rPr lang="fr-FR" sz="1600" b="1" i="1" smtClean="0">
                           <a:latin typeface="Cambria Math" panose="02040503050406030204" pitchFamily="18" charset="0"/>
                         </a:rPr>
-                        <m:t>.</m:t>
-                      </m:r>
-                      <m:r>
-                        <a:rPr lang="fr-FR" sz="1600" b="1" i="1" smtClean="0">
-                          <a:latin typeface="Cambria Math" panose="02040503050406030204" pitchFamily="18" charset="0"/>
-                        </a:rPr>
-                        <m:t>𝟓</m:t>
-                      </m:r>
-                      <m:r>
-                        <a:rPr lang="fr-FR" sz="1600" b="1" i="1" smtClean="0">
-                          <a:latin typeface="Cambria Math" panose="02040503050406030204" pitchFamily="18" charset="0"/>
-                        </a:rPr>
                         <m:t> %</m:t>
                       </m:r>
                     </m:oMath>
@@ -4489,7 +4432,7 @@
             </p:txBody>
           </p:sp>
         </mc:Choice>
-        <mc:Fallback xmlns="">
+        <mc:Fallback>
           <p:sp>
             <p:nvSpPr>
               <p:cNvPr id="50" name="ZoneTexte 49"/>
@@ -4500,7 +4443,7 @@
             </p:nvSpPr>
             <p:spPr>
               <a:xfrm>
-                <a:off x="9698768" y="9917597"/>
+                <a:off x="9698767" y="9692772"/>
                 <a:ext cx="2380937" cy="361894"/>
               </a:xfrm>
               <a:prstGeom prst="rect">
@@ -4509,7 +4452,7 @@
               <a:blipFill>
                 <a:blip r:embed="rId8"/>
                 <a:stretch>
-                  <a:fillRect b="-5085"/>
+                  <a:fillRect b="-6780"/>
                 </a:stretch>
               </a:blipFill>
             </p:spPr>
@@ -4528,8 +4471,8 @@
           </p:sp>
         </mc:Fallback>
       </mc:AlternateContent>
-      <mc:AlternateContent xmlns:mc="http://schemas.openxmlformats.org/markup-compatibility/2006" xmlns:a14="http://schemas.microsoft.com/office/drawing/2010/main">
-        <mc:Choice Requires="a14">
+      <mc:AlternateContent xmlns:mc="http://schemas.openxmlformats.org/markup-compatibility/2006">
+        <mc:Choice xmlns:a14="http://schemas.microsoft.com/office/drawing/2010/main" Requires="a14">
           <p:sp>
             <p:nvSpPr>
               <p:cNvPr id="51" name="ZoneTexte 50"/>
@@ -4538,8 +4481,8 @@
             </p:nvSpPr>
             <p:spPr>
               <a:xfrm>
-                <a:off x="9698768" y="10464523"/>
-                <a:ext cx="1929858" cy="344133"/>
+                <a:off x="9698767" y="10403682"/>
+                <a:ext cx="2016982" cy="344133"/>
               </a:xfrm>
               <a:prstGeom prst="rect">
                 <a:avLst/>
@@ -4625,6 +4568,18 @@
                         <a:rPr lang="fr-FR" sz="1600" b="1" i="1" smtClean="0">
                           <a:latin typeface="Cambria Math" panose="02040503050406030204" pitchFamily="18" charset="0"/>
                         </a:rPr>
+                        <m:t>.</m:t>
+                      </m:r>
+                      <m:r>
+                        <a:rPr lang="fr-FR" sz="1600" b="1" i="1" smtClean="0">
+                          <a:latin typeface="Cambria Math" panose="02040503050406030204" pitchFamily="18" charset="0"/>
+                        </a:rPr>
+                        <m:t>𝟓</m:t>
+                      </m:r>
+                      <m:r>
+                        <a:rPr lang="fr-FR" sz="1600" b="1" i="1" smtClean="0">
+                          <a:latin typeface="Cambria Math" panose="02040503050406030204" pitchFamily="18" charset="0"/>
+                        </a:rPr>
                         <m:t> %</m:t>
                       </m:r>
                     </m:oMath>
@@ -4638,7 +4593,7 @@
             </p:txBody>
           </p:sp>
         </mc:Choice>
-        <mc:Fallback xmlns="">
+        <mc:Fallback>
           <p:sp>
             <p:nvSpPr>
               <p:cNvPr id="51" name="ZoneTexte 50"/>
@@ -4649,8 +4604,8 @@
             </p:nvSpPr>
             <p:spPr>
               <a:xfrm>
-                <a:off x="9698768" y="10464523"/>
-                <a:ext cx="1929858" cy="344133"/>
+                <a:off x="9698767" y="10403682"/>
+                <a:ext cx="2016982" cy="344133"/>
               </a:xfrm>
               <a:prstGeom prst="rect">
                 <a:avLst/>
@@ -4677,8 +4632,8 @@
           </p:sp>
         </mc:Fallback>
       </mc:AlternateContent>
-      <mc:AlternateContent xmlns:mc="http://schemas.openxmlformats.org/markup-compatibility/2006" xmlns:a14="http://schemas.microsoft.com/office/drawing/2010/main">
-        <mc:Choice Requires="a14">
+      <mc:AlternateContent xmlns:mc="http://schemas.openxmlformats.org/markup-compatibility/2006">
+        <mc:Choice xmlns:a14="http://schemas.microsoft.com/office/drawing/2010/main" Requires="a14">
           <p:sp>
             <p:nvSpPr>
               <p:cNvPr id="52" name="ZoneTexte 51"/>
@@ -4687,8 +4642,8 @@
             </p:nvSpPr>
             <p:spPr>
               <a:xfrm>
-                <a:off x="9698768" y="11195551"/>
-                <a:ext cx="2016982" cy="344133"/>
+                <a:off x="9698767" y="11346278"/>
+                <a:ext cx="2268643" cy="344133"/>
               </a:xfrm>
               <a:prstGeom prst="rect">
                 <a:avLst/>
@@ -4768,7 +4723,19 @@
                         <a:rPr lang="fr-FR" sz="1600" b="1" i="1" smtClean="0">
                           <a:latin typeface="Cambria Math" panose="02040503050406030204" pitchFamily="18" charset="0"/>
                         </a:rPr>
-                        <m:t>𝟕</m:t>
+                        <m:t>𝟔</m:t>
+                      </m:r>
+                      <m:r>
+                        <a:rPr lang="fr-FR" sz="1600" b="1" i="1" smtClean="0">
+                          <a:latin typeface="Cambria Math" panose="02040503050406030204" pitchFamily="18" charset="0"/>
+                        </a:rPr>
+                        <m:t>.</m:t>
+                      </m:r>
+                      <m:r>
+                        <a:rPr lang="fr-FR" sz="1600" b="1" i="1" smtClean="0">
+                          <a:latin typeface="Cambria Math" panose="02040503050406030204" pitchFamily="18" charset="0"/>
+                        </a:rPr>
+                        <m:t>𝟐</m:t>
                       </m:r>
                       <m:r>
                         <a:rPr lang="fr-FR" sz="1600" b="1" i="1" smtClean="0">
@@ -4787,7 +4754,7 @@
             </p:txBody>
           </p:sp>
         </mc:Choice>
-        <mc:Fallback xmlns="">
+        <mc:Fallback>
           <p:sp>
             <p:nvSpPr>
               <p:cNvPr id="52" name="ZoneTexte 51"/>
@@ -4798,8 +4765,8 @@
             </p:nvSpPr>
             <p:spPr>
               <a:xfrm>
-                <a:off x="9698768" y="11195551"/>
-                <a:ext cx="2016982" cy="344133"/>
+                <a:off x="9698767" y="11346278"/>
+                <a:ext cx="2268643" cy="344133"/>
               </a:xfrm>
               <a:prstGeom prst="rect">
                 <a:avLst/>
@@ -4807,7 +4774,7 @@
               <a:blipFill>
                 <a:blip r:embed="rId10"/>
                 <a:stretch>
-                  <a:fillRect b="-12500"/>
+                  <a:fillRect b="-10526"/>
                 </a:stretch>
               </a:blipFill>
             </p:spPr>
@@ -4826,8 +4793,8 @@
           </p:sp>
         </mc:Fallback>
       </mc:AlternateContent>
-      <mc:AlternateContent xmlns:mc="http://schemas.openxmlformats.org/markup-compatibility/2006" xmlns:a14="http://schemas.microsoft.com/office/drawing/2010/main">
-        <mc:Choice Requires="a14">
+      <mc:AlternateContent xmlns:mc="http://schemas.openxmlformats.org/markup-compatibility/2006">
+        <mc:Choice xmlns:a14="http://schemas.microsoft.com/office/drawing/2010/main" Requires="a14">
           <p:sp>
             <p:nvSpPr>
               <p:cNvPr id="53" name="ZoneTexte 52"/>
@@ -4836,7 +4803,7 @@
             </p:nvSpPr>
             <p:spPr>
               <a:xfrm>
-                <a:off x="9698768" y="11924473"/>
+                <a:off x="9698767" y="12203303"/>
                 <a:ext cx="1790819" cy="338554"/>
               </a:xfrm>
               <a:prstGeom prst="rect">
@@ -4905,7 +4872,7 @@
                         <a:rPr lang="fr-FR" sz="1600" b="1" i="1" smtClean="0">
                           <a:latin typeface="Cambria Math" panose="02040503050406030204" pitchFamily="18" charset="0"/>
                         </a:rPr>
-                        <m:t>𝟒</m:t>
+                        <m:t>𝟓</m:t>
                       </m:r>
                       <m:r>
                         <a:rPr lang="fr-FR" sz="1600" b="1" i="1" smtClean="0">
@@ -4917,7 +4884,7 @@
                         <a:rPr lang="fr-FR" sz="1600" b="1" i="1" smtClean="0">
                           <a:latin typeface="Cambria Math" panose="02040503050406030204" pitchFamily="18" charset="0"/>
                         </a:rPr>
-                        <m:t>𝟓</m:t>
+                        <m:t>𝟑</m:t>
                       </m:r>
                       <m:r>
                         <a:rPr lang="fr-FR" sz="1600" b="1" i="1" smtClean="0">
@@ -4936,7 +4903,7 @@
             </p:txBody>
           </p:sp>
         </mc:Choice>
-        <mc:Fallback xmlns="">
+        <mc:Fallback>
           <p:sp>
             <p:nvSpPr>
               <p:cNvPr id="53" name="ZoneTexte 52"/>
@@ -4947,7 +4914,7 @@
             </p:nvSpPr>
             <p:spPr>
               <a:xfrm>
-                <a:off x="9698768" y="11924473"/>
+                <a:off x="9698767" y="12203303"/>
                 <a:ext cx="1790819" cy="338554"/>
               </a:xfrm>
               <a:prstGeom prst="rect">
@@ -4983,15 +4950,13 @@
         </p:nvSpPr>
         <p:spPr>
           <a:xfrm>
-            <a:off x="11360487" y="9114084"/>
+            <a:off x="9406780" y="9328027"/>
             <a:ext cx="682313" cy="261610"/>
           </a:xfrm>
           <a:prstGeom prst="rect">
             <a:avLst/>
           </a:prstGeom>
-          <a:solidFill>
-            <a:schemeClr val="bg1"/>
-          </a:solidFill>
+          <a:noFill/>
         </p:spPr>
         <p:txBody>
           <a:bodyPr wrap="square" rtlCol="0">
@@ -5035,8 +5000,8 @@
         </p:blipFill>
         <p:spPr>
           <a:xfrm>
-            <a:off x="765365" y="441046"/>
-            <a:ext cx="10573812" cy="5617624"/>
+            <a:off x="509534" y="530878"/>
+            <a:ext cx="10829643" cy="5569530"/>
           </a:xfrm>
           <a:prstGeom prst="rect">
             <a:avLst/>
